--- a/Documentation Plan.pptx
+++ b/Documentation Plan.pptx
@@ -235,7 +235,7 @@
           <a:p>
             <a:fld id="{017DD847-B72F-1645-9236-9E6D0E58213E}" type="datetimeFigureOut">
               <a:rPr lang="en-US" smtClean="0"/>
-              <a:t>5/23/18</a:t>
+              <a:t>5/29/18</a:t>
             </a:fld>
             <a:endParaRPr lang="en-US"/>
           </a:p>
@@ -412,7 +412,7 @@
           <a:p>
             <a:fld id="{93E6386D-B582-6E4C-BEC9-59DA0A0EA925}" type="datetimeFigureOut">
               <a:rPr lang="en-US" smtClean="0"/>
-              <a:t>5/23/18</a:t>
+              <a:t>5/29/18</a:t>
             </a:fld>
             <a:endParaRPr lang="en-US"/>
           </a:p>
@@ -1019,7 +1019,7 @@
           <a:p>
             <a:fld id="{CD389961-EEE8-144C-9408-3DF3FBDF4FFD}" type="datetimeFigureOut">
               <a:rPr lang="en-US" smtClean="0"/>
-              <a:t>5/23/18</a:t>
+              <a:t>5/29/18</a:t>
             </a:fld>
             <a:endParaRPr lang="en-US"/>
           </a:p>
@@ -1217,7 +1217,7 @@
           <a:p>
             <a:fld id="{CD389961-EEE8-144C-9408-3DF3FBDF4FFD}" type="datetimeFigureOut">
               <a:rPr lang="en-US" smtClean="0"/>
-              <a:t>5/23/18</a:t>
+              <a:t>5/29/18</a:t>
             </a:fld>
             <a:endParaRPr lang="en-US"/>
           </a:p>
@@ -1425,7 +1425,7 @@
           <a:p>
             <a:fld id="{CD389961-EEE8-144C-9408-3DF3FBDF4FFD}" type="datetimeFigureOut">
               <a:rPr lang="en-US" smtClean="0"/>
-              <a:t>5/23/18</a:t>
+              <a:t>5/29/18</a:t>
             </a:fld>
             <a:endParaRPr lang="en-US"/>
           </a:p>
@@ -2105,7 +2105,7 @@
           <a:p>
             <a:fld id="{CD389961-EEE8-144C-9408-3DF3FBDF4FFD}" type="datetimeFigureOut">
               <a:rPr lang="en-US" smtClean="0"/>
-              <a:t>5/23/18</a:t>
+              <a:t>5/29/18</a:t>
             </a:fld>
             <a:endParaRPr lang="en-US"/>
           </a:p>
@@ -2380,7 +2380,7 @@
           <a:p>
             <a:fld id="{CD389961-EEE8-144C-9408-3DF3FBDF4FFD}" type="datetimeFigureOut">
               <a:rPr lang="en-US" smtClean="0"/>
-              <a:t>5/23/18</a:t>
+              <a:t>5/29/18</a:t>
             </a:fld>
             <a:endParaRPr lang="en-US"/>
           </a:p>
@@ -2645,7 +2645,7 @@
           <a:p>
             <a:fld id="{CD389961-EEE8-144C-9408-3DF3FBDF4FFD}" type="datetimeFigureOut">
               <a:rPr lang="en-US" smtClean="0"/>
-              <a:t>5/23/18</a:t>
+              <a:t>5/29/18</a:t>
             </a:fld>
             <a:endParaRPr lang="en-US"/>
           </a:p>
@@ -3057,7 +3057,7 @@
           <a:p>
             <a:fld id="{CD389961-EEE8-144C-9408-3DF3FBDF4FFD}" type="datetimeFigureOut">
               <a:rPr lang="en-US" smtClean="0"/>
-              <a:t>5/23/18</a:t>
+              <a:t>5/29/18</a:t>
             </a:fld>
             <a:endParaRPr lang="en-US"/>
           </a:p>
@@ -3198,7 +3198,7 @@
           <a:p>
             <a:fld id="{CD389961-EEE8-144C-9408-3DF3FBDF4FFD}" type="datetimeFigureOut">
               <a:rPr lang="en-US" smtClean="0"/>
-              <a:t>5/23/18</a:t>
+              <a:t>5/29/18</a:t>
             </a:fld>
             <a:endParaRPr lang="en-US"/>
           </a:p>
@@ -3311,7 +3311,7 @@
           <a:p>
             <a:fld id="{CD389961-EEE8-144C-9408-3DF3FBDF4FFD}" type="datetimeFigureOut">
               <a:rPr lang="en-US" smtClean="0"/>
-              <a:t>5/23/18</a:t>
+              <a:t>5/29/18</a:t>
             </a:fld>
             <a:endParaRPr lang="en-US"/>
           </a:p>
@@ -3622,7 +3622,7 @@
           <a:p>
             <a:fld id="{CD389961-EEE8-144C-9408-3DF3FBDF4FFD}" type="datetimeFigureOut">
               <a:rPr lang="en-US" smtClean="0"/>
-              <a:t>5/23/18</a:t>
+              <a:t>5/29/18</a:t>
             </a:fld>
             <a:endParaRPr lang="en-US"/>
           </a:p>
@@ -3910,7 +3910,7 @@
           <a:p>
             <a:fld id="{CD389961-EEE8-144C-9408-3DF3FBDF4FFD}" type="datetimeFigureOut">
               <a:rPr lang="en-US" smtClean="0"/>
-              <a:t>5/23/18</a:t>
+              <a:t>5/29/18</a:t>
             </a:fld>
             <a:endParaRPr lang="en-US"/>
           </a:p>
@@ -4151,7 +4151,7 @@
           <a:p>
             <a:fld id="{CD389961-EEE8-144C-9408-3DF3FBDF4FFD}" type="datetimeFigureOut">
               <a:rPr lang="en-US" smtClean="0"/>
-              <a:t>5/23/18</a:t>
+              <a:t>5/29/18</a:t>
             </a:fld>
             <a:endParaRPr lang="en-US"/>
           </a:p>
@@ -4974,7 +4974,7 @@
         <p:spPr>
           <a:xfrm>
             <a:off x="912163" y="1951316"/>
-            <a:ext cx="4405746" cy="1477328"/>
+            <a:ext cx="6414912" cy="2632559"/>
           </a:xfrm>
           <a:prstGeom prst="rect">
             <a:avLst/>
@@ -4992,7 +4992,7 @@
               <a:buAutoNum type="arabicPeriod"/>
             </a:pPr>
             <a:r>
-              <a:rPr lang="en-US" dirty="0">
+              <a:rPr lang="en-US" sz="3200" dirty="0">
                 <a:latin typeface="Palanquin" panose="020B0004020203020204" pitchFamily="34" charset="77"/>
                 <a:cs typeface="Palanquin" panose="020B0004020203020204" pitchFamily="34" charset="77"/>
               </a:rPr>
@@ -5005,13 +5005,13 @@
               <a:buAutoNum type="arabicPeriod"/>
             </a:pPr>
             <a:r>
-              <a:rPr lang="en-US" dirty="0" err="1">
+              <a:rPr lang="en-US" sz="3200" dirty="0" err="1">
                 <a:latin typeface="Palanquin" panose="020B0004020203020204" pitchFamily="34" charset="77"/>
                 <a:cs typeface="Palanquin" panose="020B0004020203020204" pitchFamily="34" charset="77"/>
               </a:rPr>
               <a:t>Geomatching</a:t>
             </a:r>
-            <a:endParaRPr lang="en-US" dirty="0">
+            <a:endParaRPr lang="en-US" sz="3200" dirty="0">
               <a:latin typeface="Palanquin" panose="020B0004020203020204" pitchFamily="34" charset="77"/>
               <a:cs typeface="Palanquin" panose="020B0004020203020204" pitchFamily="34" charset="77"/>
             </a:endParaRPr>
@@ -5022,7 +5022,7 @@
               <a:buAutoNum type="arabicPeriod"/>
             </a:pPr>
             <a:r>
-              <a:rPr lang="en-US" dirty="0">
+              <a:rPr lang="en-US" sz="3200" dirty="0">
                 <a:latin typeface="Palanquin" panose="020B0004020203020204" pitchFamily="34" charset="77"/>
                 <a:cs typeface="Palanquin" panose="020B0004020203020204" pitchFamily="34" charset="77"/>
               </a:rPr>
@@ -5035,7 +5035,7 @@
               <a:buAutoNum type="arabicPeriod"/>
             </a:pPr>
             <a:r>
-              <a:rPr lang="en-US" dirty="0">
+              <a:rPr lang="en-US" sz="3200" dirty="0">
                 <a:latin typeface="Palanquin" panose="020B0004020203020204" pitchFamily="34" charset="77"/>
                 <a:cs typeface="Palanquin" panose="020B0004020203020204" pitchFamily="34" charset="77"/>
               </a:rPr>
@@ -5048,7 +5048,7 @@
               <a:buAutoNum type="arabicPeriod"/>
             </a:pPr>
             <a:r>
-              <a:rPr lang="en-US" dirty="0">
+              <a:rPr lang="en-US" sz="3200" dirty="0">
                 <a:latin typeface="Palanquin" panose="020B0004020203020204" pitchFamily="34" charset="77"/>
                 <a:cs typeface="Palanquin" panose="020B0004020203020204" pitchFamily="34" charset="77"/>
               </a:rPr>
@@ -5071,8 +5071,8 @@
         </p:nvSpPr>
         <p:spPr>
           <a:xfrm>
-            <a:off x="414897" y="1366541"/>
-            <a:ext cx="2802576" cy="584775"/>
+            <a:off x="414896" y="1366541"/>
+            <a:ext cx="10379773" cy="584775"/>
           </a:xfrm>
           <a:prstGeom prst="rect">
             <a:avLst/>
@@ -5091,7 +5091,7 @@
                 <a:latin typeface="Palanquin Medium" panose="020B0004020203020204" pitchFamily="34" charset="77"/>
                 <a:cs typeface="Palanquin Medium" panose="020B0004020203020204" pitchFamily="34" charset="77"/>
               </a:rPr>
-              <a:t>General Plan</a:t>
+              <a:t>General Plan of the documentation</a:t>
             </a:r>
           </a:p>
         </p:txBody>
@@ -6435,7 +6435,7 @@
                 <a:latin typeface="Palanquin" panose="020B0004020203020204" pitchFamily="34" charset="77"/>
                 <a:cs typeface="Palanquin" panose="020B0004020203020204" pitchFamily="34" charset="77"/>
               </a:rPr>
-              <a:t>TO DO : Check difference and parity SDKs</a:t>
+              <a:t>TO DO : Check difference in SDKs</a:t>
             </a:r>
           </a:p>
         </p:txBody>
@@ -6676,7 +6676,7 @@
                 <a:latin typeface="Palanquin" panose="020B0004020203020204" pitchFamily="34" charset="77"/>
                 <a:cs typeface="Palanquin" panose="020B0004020203020204" pitchFamily="34" charset="77"/>
               </a:rPr>
-              <a:t>Start/Stop updating location</a:t>
+              <a:t>Start/Stop location updates</a:t>
             </a:r>
           </a:p>
           <a:p>
@@ -6689,7 +6689,21 @@
                 <a:latin typeface="Palanquin" panose="020B0004020203020204" pitchFamily="34" charset="77"/>
                 <a:cs typeface="Palanquin" panose="020B0004020203020204" pitchFamily="34" charset="77"/>
               </a:rPr>
-              <a:t>For iOS/Android : Configure </a:t>
+              <a:t>For iOS/Android/React</a:t>
+            </a:r>
+            <a:r>
+              <a:rPr lang="en-US">
+                <a:latin typeface="Palanquin" panose="020B0004020203020204" pitchFamily="34" charset="77"/>
+                <a:cs typeface="Palanquin" panose="020B0004020203020204" pitchFamily="34" charset="77"/>
+              </a:rPr>
+              <a:t>/Xamarin </a:t>
+            </a:r>
+            <a:r>
+              <a:rPr lang="en-US" dirty="0">
+                <a:latin typeface="Palanquin" panose="020B0004020203020204" pitchFamily="34" charset="77"/>
+                <a:cs typeface="Palanquin" panose="020B0004020203020204" pitchFamily="34" charset="77"/>
+              </a:rPr>
+              <a:t>: Configure </a:t>
             </a:r>
             <a:r>
               <a:rPr lang="en-US" dirty="0" err="1">
@@ -6860,7 +6874,7 @@
                 <a:latin typeface="Palanquin" panose="020B0004020203020204" pitchFamily="34" charset="77"/>
                 <a:cs typeface="Palanquin" panose="020B0004020203020204" pitchFamily="34" charset="77"/>
               </a:rPr>
-              <a:t>Local CRUD request (Create, Find, </a:t>
+              <a:t>Local States request (Create, Find, </a:t>
             </a:r>
             <a:r>
               <a:rPr lang="en-US" dirty="0" err="1">
@@ -6971,6 +6985,247 @@
               <a:latin typeface="Palanquin Medium" panose="020B0004020203020204" pitchFamily="34" charset="77"/>
               <a:cs typeface="Palanquin Medium" panose="020B0004020203020204" pitchFamily="34" charset="77"/>
             </a:endParaRPr>
+          </a:p>
+        </p:txBody>
+      </p:sp>
+      <p:sp>
+        <p:nvSpPr>
+          <p:cNvPr id="4" name="Right Brace 3">
+            <a:extLst>
+              <a:ext uri="{FF2B5EF4-FFF2-40B4-BE49-F238E27FC236}">
+                <a16:creationId xmlns:a16="http://schemas.microsoft.com/office/drawing/2014/main" id="{F103F8FA-DB86-0646-8107-A8FA0A2C6C0E}"/>
+              </a:ext>
+            </a:extLst>
+          </p:cNvPr>
+          <p:cNvSpPr/>
+          <p:nvPr/>
+        </p:nvSpPr>
+        <p:spPr>
+          <a:xfrm>
+            <a:off x="8312727" y="3788229"/>
+            <a:ext cx="403761" cy="2541319"/>
+          </a:xfrm>
+          <a:prstGeom prst="rightBrace">
+            <a:avLst/>
+          </a:prstGeom>
+        </p:spPr>
+        <p:style>
+          <a:lnRef idx="1">
+            <a:schemeClr val="accent1"/>
+          </a:lnRef>
+          <a:fillRef idx="0">
+            <a:schemeClr val="accent1"/>
+          </a:fillRef>
+          <a:effectRef idx="0">
+            <a:schemeClr val="accent1"/>
+          </a:effectRef>
+          <a:fontRef idx="minor">
+            <a:schemeClr val="tx1"/>
+          </a:fontRef>
+        </p:style>
+        <p:txBody>
+          <a:bodyPr rtlCol="0" anchor="ctr"/>
+          <a:lstStyle/>
+          <a:p>
+            <a:pPr algn="ctr"/>
+            <a:endParaRPr lang="en-US"/>
+          </a:p>
+        </p:txBody>
+      </p:sp>
+      <p:sp>
+        <p:nvSpPr>
+          <p:cNvPr id="5" name="TextBox 4">
+            <a:extLst>
+              <a:ext uri="{FF2B5EF4-FFF2-40B4-BE49-F238E27FC236}">
+                <a16:creationId xmlns:a16="http://schemas.microsoft.com/office/drawing/2014/main" id="{AFF70AE5-C9BD-7D4D-84A6-32860A677BB7}"/>
+              </a:ext>
+            </a:extLst>
+          </p:cNvPr>
+          <p:cNvSpPr txBox="1"/>
+          <p:nvPr/>
+        </p:nvSpPr>
+        <p:spPr>
+          <a:xfrm>
+            <a:off x="8762197" y="4874222"/>
+            <a:ext cx="2086212" cy="369332"/>
+          </a:xfrm>
+          <a:prstGeom prst="rect">
+            <a:avLst/>
+          </a:prstGeom>
+          <a:noFill/>
+        </p:spPr>
+        <p:txBody>
+          <a:bodyPr wrap="none" rtlCol="0">
+            <a:spAutoFit/>
+          </a:bodyPr>
+          <a:lstStyle/>
+          <a:p>
+            <a:r>
+              <a:rPr lang="en-US" dirty="0"/>
+              <a:t>Code examples Only</a:t>
+            </a:r>
+          </a:p>
+        </p:txBody>
+      </p:sp>
+      <p:sp>
+        <p:nvSpPr>
+          <p:cNvPr id="6" name="Triangle 5">
+            <a:extLst>
+              <a:ext uri="{FF2B5EF4-FFF2-40B4-BE49-F238E27FC236}">
+                <a16:creationId xmlns:a16="http://schemas.microsoft.com/office/drawing/2014/main" id="{F41BA58A-CC7D-8442-A172-723FE061A98B}"/>
+              </a:ext>
+            </a:extLst>
+          </p:cNvPr>
+          <p:cNvSpPr/>
+          <p:nvPr/>
+        </p:nvSpPr>
+        <p:spPr>
+          <a:xfrm>
+            <a:off x="179882" y="984059"/>
+            <a:ext cx="289282" cy="249381"/>
+          </a:xfrm>
+          <a:prstGeom prst="triangle">
+            <a:avLst/>
+          </a:prstGeom>
+          <a:solidFill>
+            <a:schemeClr val="accent4"/>
+          </a:solidFill>
+          <a:ln>
+            <a:solidFill>
+              <a:schemeClr val="accent4"/>
+            </a:solidFill>
+          </a:ln>
+        </p:spPr>
+        <p:style>
+          <a:lnRef idx="2">
+            <a:schemeClr val="accent1">
+              <a:shade val="50000"/>
+            </a:schemeClr>
+          </a:lnRef>
+          <a:fillRef idx="1">
+            <a:schemeClr val="accent1"/>
+          </a:fillRef>
+          <a:effectRef idx="0">
+            <a:schemeClr val="accent1"/>
+          </a:effectRef>
+          <a:fontRef idx="minor">
+            <a:schemeClr val="lt1"/>
+          </a:fontRef>
+        </p:style>
+        <p:txBody>
+          <a:bodyPr rtlCol="0" anchor="ctr"/>
+          <a:lstStyle/>
+          <a:p>
+            <a:pPr algn="ctr"/>
+            <a:endParaRPr lang="en-US"/>
+          </a:p>
+        </p:txBody>
+      </p:sp>
+      <p:sp>
+        <p:nvSpPr>
+          <p:cNvPr id="7" name="Triangle 6">
+            <a:extLst>
+              <a:ext uri="{FF2B5EF4-FFF2-40B4-BE49-F238E27FC236}">
+                <a16:creationId xmlns:a16="http://schemas.microsoft.com/office/drawing/2014/main" id="{ACEEAB89-F14D-F446-8383-AE2565D9FC8E}"/>
+              </a:ext>
+            </a:extLst>
+          </p:cNvPr>
+          <p:cNvSpPr/>
+          <p:nvPr/>
+        </p:nvSpPr>
+        <p:spPr>
+          <a:xfrm>
+            <a:off x="179882" y="1233440"/>
+            <a:ext cx="289282" cy="249381"/>
+          </a:xfrm>
+          <a:prstGeom prst="triangle">
+            <a:avLst/>
+          </a:prstGeom>
+          <a:solidFill>
+            <a:schemeClr val="accent4"/>
+          </a:solidFill>
+          <a:ln>
+            <a:solidFill>
+              <a:schemeClr val="accent4"/>
+            </a:solidFill>
+          </a:ln>
+        </p:spPr>
+        <p:style>
+          <a:lnRef idx="2">
+            <a:schemeClr val="accent1">
+              <a:shade val="50000"/>
+            </a:schemeClr>
+          </a:lnRef>
+          <a:fillRef idx="1">
+            <a:schemeClr val="accent1"/>
+          </a:fillRef>
+          <a:effectRef idx="0">
+            <a:schemeClr val="accent1"/>
+          </a:effectRef>
+          <a:fontRef idx="minor">
+            <a:schemeClr val="lt1"/>
+          </a:fontRef>
+        </p:style>
+        <p:txBody>
+          <a:bodyPr rtlCol="0" anchor="ctr"/>
+          <a:lstStyle/>
+          <a:p>
+            <a:pPr algn="ctr"/>
+            <a:endParaRPr lang="en-US"/>
+          </a:p>
+        </p:txBody>
+      </p:sp>
+      <p:sp>
+        <p:nvSpPr>
+          <p:cNvPr id="8" name="Triangle 7">
+            <a:extLst>
+              <a:ext uri="{FF2B5EF4-FFF2-40B4-BE49-F238E27FC236}">
+                <a16:creationId xmlns:a16="http://schemas.microsoft.com/office/drawing/2014/main" id="{195F0A92-BD55-AB4A-987A-36F5F5B28055}"/>
+              </a:ext>
+            </a:extLst>
+          </p:cNvPr>
+          <p:cNvSpPr/>
+          <p:nvPr/>
+        </p:nvSpPr>
+        <p:spPr>
+          <a:xfrm>
+            <a:off x="179882" y="3766861"/>
+            <a:ext cx="289282" cy="249381"/>
+          </a:xfrm>
+          <a:prstGeom prst="triangle">
+            <a:avLst/>
+          </a:prstGeom>
+          <a:solidFill>
+            <a:schemeClr val="accent4"/>
+          </a:solidFill>
+          <a:ln>
+            <a:solidFill>
+              <a:schemeClr val="accent4"/>
+            </a:solidFill>
+          </a:ln>
+        </p:spPr>
+        <p:style>
+          <a:lnRef idx="2">
+            <a:schemeClr val="accent1">
+              <a:shade val="50000"/>
+            </a:schemeClr>
+          </a:lnRef>
+          <a:fillRef idx="1">
+            <a:schemeClr val="accent1"/>
+          </a:fillRef>
+          <a:effectRef idx="0">
+            <a:schemeClr val="accent1"/>
+          </a:effectRef>
+          <a:fontRef idx="minor">
+            <a:schemeClr val="lt1"/>
+          </a:fontRef>
+        </p:style>
+        <p:txBody>
+          <a:bodyPr rtlCol="0" anchor="ctr"/>
+          <a:lstStyle/>
+          <a:p>
+            <a:pPr algn="ctr"/>
+            <a:endParaRPr lang="en-US"/>
           </a:p>
         </p:txBody>
       </p:sp>
@@ -7031,14 +7286,14 @@
           <p:nvPr>
             <p:extLst>
               <p:ext uri="{D42A27DB-BD31-4B8C-83A1-F6EECF244321}">
-                <p14:modId xmlns:p14="http://schemas.microsoft.com/office/powerpoint/2010/main" val="1599311772"/>
+                <p14:modId xmlns:p14="http://schemas.microsoft.com/office/powerpoint/2010/main" val="108120464"/>
               </p:ext>
             </p:extLst>
           </p:nvPr>
         </p:nvGraphicFramePr>
         <p:xfrm>
-          <a:off x="1" y="1092530"/>
-          <a:ext cx="12191998" cy="5608320"/>
+          <a:off x="775376" y="1059782"/>
+          <a:ext cx="10932755" cy="5699760"/>
         </p:xfrm>
         <a:graphic>
           <a:graphicData uri="http://schemas.openxmlformats.org/drawingml/2006/table">
@@ -7047,17 +7302,10 @@
                 <a:tableStyleId>{69012ECD-51FC-41F1-AA8D-1B2483CD663E}</a:tableStyleId>
               </a:tblPr>
               <a:tblGrid>
-                <a:gridCol w="1669248">
+                <a:gridCol w="1913255">
                   <a:extLst>
                     <a:ext uri="{9D8B030D-6E8A-4147-A177-3AD203B41FA5}">
                       <a16:colId xmlns:a16="http://schemas.microsoft.com/office/drawing/2014/main" val="1616472569"/>
-                    </a:ext>
-                  </a:extLst>
-                </a:gridCol>
-                <a:gridCol w="1503250">
-                  <a:extLst>
-                    <a:ext uri="{9D8B030D-6E8A-4147-A177-3AD203B41FA5}">
-                      <a16:colId xmlns:a16="http://schemas.microsoft.com/office/drawing/2014/main" val="1101055628"/>
                     </a:ext>
                   </a:extLst>
                 </a:gridCol>
@@ -7135,43 +7383,6 @@
                     <a:p>
                       <a:pPr algn="ctr"/>
                       <a:r>
-                        <a:rPr lang="en-US" sz="1100" dirty="0" err="1"/>
-                        <a:t>RESTFul</a:t>
-                      </a:r>
-                      <a:r>
-                        <a:rPr lang="en-US" sz="1100" dirty="0"/>
-                        <a:t> API</a:t>
-                      </a:r>
-                    </a:p>
-                  </a:txBody>
-                  <a:tcPr>
-                    <a:lnL w="12700" cap="flat" cmpd="sng" algn="ctr">
-                      <a:solidFill>
-                        <a:schemeClr val="tx1"/>
-                      </a:solidFill>
-                      <a:prstDash val="solid"/>
-                      <a:round/>
-                      <a:headEnd type="none" w="med" len="med"/>
-                      <a:tailEnd type="none" w="med" len="med"/>
-                    </a:lnL>
-                    <a:lnR w="12700" cap="flat" cmpd="sng" algn="ctr">
-                      <a:solidFill>
-                        <a:schemeClr val="tx1"/>
-                      </a:solidFill>
-                      <a:prstDash val="solid"/>
-                      <a:round/>
-                      <a:headEnd type="none" w="med" len="med"/>
-                      <a:tailEnd type="none" w="med" len="med"/>
-                    </a:lnR>
-                  </a:tcPr>
-                </a:tc>
-                <a:tc>
-                  <a:txBody>
-                    <a:bodyPr/>
-                    <a:lstStyle/>
-                    <a:p>
-                      <a:pPr algn="ctr"/>
-                      <a:r>
                         <a:rPr lang="en-US" sz="1100" dirty="0"/>
                         <a:t>iOS</a:t>
                       </a:r>
@@ -7387,42 +7598,6 @@
                     </a:p>
                   </a:txBody>
                   <a:tcPr>
-                    <a:lnR w="12700" cap="flat" cmpd="sng" algn="ctr">
-                      <a:solidFill>
-                        <a:schemeClr val="tx1"/>
-                      </a:solidFill>
-                      <a:prstDash val="solid"/>
-                      <a:round/>
-                      <a:headEnd type="none" w="med" len="med"/>
-                      <a:tailEnd type="none" w="med" len="med"/>
-                    </a:lnR>
-                    <a:solidFill>
-                      <a:schemeClr val="accent1">
-                        <a:lumMod val="60000"/>
-                        <a:lumOff val="40000"/>
-                      </a:schemeClr>
-                    </a:solidFill>
-                  </a:tcPr>
-                </a:tc>
-                <a:tc>
-                  <a:txBody>
-                    <a:bodyPr/>
-                    <a:lstStyle/>
-                    <a:p>
-                      <a:pPr algn="ctr"/>
-                      <a:endParaRPr lang="en-US" sz="1100" dirty="0"/>
-                    </a:p>
-                  </a:txBody>
-                  <a:tcPr>
-                    <a:lnL w="12700" cap="flat" cmpd="sng" algn="ctr">
-                      <a:solidFill>
-                        <a:schemeClr val="tx1"/>
-                      </a:solidFill>
-                      <a:prstDash val="solid"/>
-                      <a:round/>
-                      <a:headEnd type="none" w="med" len="med"/>
-                      <a:tailEnd type="none" w="med" len="med"/>
-                    </a:lnL>
                     <a:lnR w="12700" cap="flat" cmpd="sng" algn="ctr">
                       <a:solidFill>
                         <a:schemeClr val="tx1"/>
@@ -7986,6 +8161,42 @@
                     </a:lnR>
                   </a:tcPr>
                 </a:tc>
+                <a:extLst>
+                  <a:ext uri="{0D108BD9-81ED-4DB2-BD59-A6C34878D82A}">
+                    <a16:rowId xmlns:a16="http://schemas.microsoft.com/office/drawing/2014/main" val="2407405527"/>
+                  </a:ext>
+                </a:extLst>
+              </a:tr>
+              <a:tr h="0">
+                <a:tc>
+                  <a:txBody>
+                    <a:bodyPr/>
+                    <a:lstStyle/>
+                    <a:p>
+                      <a:pPr algn="r"/>
+                      <a:r>
+                        <a:rPr lang="en-US" sz="1100" dirty="0"/>
+                        <a:t>Pin</a:t>
+                      </a:r>
+                      <a:endParaRPr lang="en-US" sz="1100" dirty="0">
+                        <a:solidFill>
+                          <a:schemeClr val="bg1"/>
+                        </a:solidFill>
+                      </a:endParaRPr>
+                    </a:p>
+                  </a:txBody>
+                  <a:tcPr>
+                    <a:lnR w="12700" cap="flat" cmpd="sng" algn="ctr">
+                      <a:solidFill>
+                        <a:schemeClr val="tx1"/>
+                      </a:solidFill>
+                      <a:prstDash val="solid"/>
+                      <a:round/>
+                      <a:headEnd type="none" w="med" len="med"/>
+                      <a:tailEnd type="none" w="med" len="med"/>
+                    </a:lnR>
+                  </a:tcPr>
+                </a:tc>
                 <a:tc>
                   <a:txBody>
                     <a:bodyPr/>
@@ -8035,42 +8246,6 @@
                     </a:lnR>
                   </a:tcPr>
                 </a:tc>
-                <a:extLst>
-                  <a:ext uri="{0D108BD9-81ED-4DB2-BD59-A6C34878D82A}">
-                    <a16:rowId xmlns:a16="http://schemas.microsoft.com/office/drawing/2014/main" val="2407405527"/>
-                  </a:ext>
-                </a:extLst>
-              </a:tr>
-              <a:tr h="0">
-                <a:tc>
-                  <a:txBody>
-                    <a:bodyPr/>
-                    <a:lstStyle/>
-                    <a:p>
-                      <a:pPr algn="r"/>
-                      <a:r>
-                        <a:rPr lang="en-US" sz="1100" dirty="0"/>
-                        <a:t>Pin</a:t>
-                      </a:r>
-                      <a:endParaRPr lang="en-US" sz="1100" dirty="0">
-                        <a:solidFill>
-                          <a:schemeClr val="bg1"/>
-                        </a:solidFill>
-                      </a:endParaRPr>
-                    </a:p>
-                  </a:txBody>
-                  <a:tcPr>
-                    <a:lnR w="12700" cap="flat" cmpd="sng" algn="ctr">
-                      <a:solidFill>
-                        <a:schemeClr val="tx1"/>
-                      </a:solidFill>
-                      <a:prstDash val="solid"/>
-                      <a:round/>
-                      <a:headEnd type="none" w="med" len="med"/>
-                      <a:tailEnd type="none" w="med" len="med"/>
-                    </a:lnR>
-                  </a:tcPr>
-                </a:tc>
                 <a:tc>
                   <a:txBody>
                     <a:bodyPr/>
@@ -8316,6 +8491,42 @@
                     </a:lnR>
                   </a:tcPr>
                 </a:tc>
+                <a:extLst>
+                  <a:ext uri="{0D108BD9-81ED-4DB2-BD59-A6C34878D82A}">
+                    <a16:rowId xmlns:a16="http://schemas.microsoft.com/office/drawing/2014/main" val="797911464"/>
+                  </a:ext>
+                </a:extLst>
+              </a:tr>
+              <a:tr h="0">
+                <a:tc>
+                  <a:txBody>
+                    <a:bodyPr/>
+                    <a:lstStyle/>
+                    <a:p>
+                      <a:pPr algn="r"/>
+                      <a:r>
+                        <a:rPr lang="en-US" sz="1100" dirty="0"/>
+                        <a:t>Beacon</a:t>
+                      </a:r>
+                      <a:endParaRPr lang="en-US" sz="1100" dirty="0">
+                        <a:solidFill>
+                          <a:schemeClr val="bg1"/>
+                        </a:solidFill>
+                      </a:endParaRPr>
+                    </a:p>
+                  </a:txBody>
+                  <a:tcPr>
+                    <a:lnR w="12700" cap="flat" cmpd="sng" algn="ctr">
+                      <a:solidFill>
+                        <a:schemeClr val="tx1"/>
+                      </a:solidFill>
+                      <a:prstDash val="solid"/>
+                      <a:round/>
+                      <a:headEnd type="none" w="med" len="med"/>
+                      <a:tailEnd type="none" w="med" len="med"/>
+                    </a:lnR>
+                  </a:tcPr>
+                </a:tc>
                 <a:tc>
                   <a:txBody>
                     <a:bodyPr/>
@@ -8414,9 +8625,205 @@
                     </a:lnR>
                   </a:tcPr>
                 </a:tc>
+                <a:tc>
+                  <a:txBody>
+                    <a:bodyPr/>
+                    <a:lstStyle/>
+                    <a:p>
+                      <a:pPr marL="0" marR="0" lvl="0" indent="0" algn="ctr" defTabSz="914400" rtl="0" eaLnBrk="1" fontAlgn="auto" latinLnBrk="0" hangingPunct="1">
+                        <a:lnSpc>
+                          <a:spcPct val="100000"/>
+                        </a:lnSpc>
+                        <a:spcBef>
+                          <a:spcPts val="0"/>
+                        </a:spcBef>
+                        <a:spcAft>
+                          <a:spcPts val="0"/>
+                        </a:spcAft>
+                        <a:buClrTx/>
+                        <a:buSzTx/>
+                        <a:buFontTx/>
+                        <a:buNone/>
+                        <a:tabLst/>
+                        <a:defRPr/>
+                      </a:pPr>
+                      <a:r>
+                        <a:rPr lang="en-US" sz="1100" dirty="0"/>
+                        <a:t>❌</a:t>
+                      </a:r>
+                    </a:p>
+                  </a:txBody>
+                  <a:tcPr>
+                    <a:lnL w="12700" cap="flat" cmpd="sng" algn="ctr">
+                      <a:solidFill>
+                        <a:schemeClr val="tx1"/>
+                      </a:solidFill>
+                      <a:prstDash val="solid"/>
+                      <a:round/>
+                      <a:headEnd type="none" w="med" len="med"/>
+                      <a:tailEnd type="none" w="med" len="med"/>
+                    </a:lnL>
+                    <a:lnR w="12700" cap="flat" cmpd="sng" algn="ctr">
+                      <a:solidFill>
+                        <a:schemeClr val="tx1"/>
+                      </a:solidFill>
+                      <a:prstDash val="solid"/>
+                      <a:round/>
+                      <a:headEnd type="none" w="med" len="med"/>
+                      <a:tailEnd type="none" w="med" len="med"/>
+                    </a:lnR>
+                  </a:tcPr>
+                </a:tc>
+                <a:tc>
+                  <a:txBody>
+                    <a:bodyPr/>
+                    <a:lstStyle/>
+                    <a:p>
+                      <a:pPr marL="0" marR="0" lvl="0" indent="0" algn="ctr" defTabSz="914400" rtl="0" eaLnBrk="1" fontAlgn="auto" latinLnBrk="0" hangingPunct="1">
+                        <a:lnSpc>
+                          <a:spcPct val="100000"/>
+                        </a:lnSpc>
+                        <a:spcBef>
+                          <a:spcPts val="0"/>
+                        </a:spcBef>
+                        <a:spcAft>
+                          <a:spcPts val="0"/>
+                        </a:spcAft>
+                        <a:buClrTx/>
+                        <a:buSzTx/>
+                        <a:buFontTx/>
+                        <a:buNone/>
+                        <a:tabLst/>
+                        <a:defRPr/>
+                      </a:pPr>
+                      <a:r>
+                        <a:rPr lang="en-US" sz="1100" dirty="0"/>
+                        <a:t>❌</a:t>
+                      </a:r>
+                    </a:p>
+                  </a:txBody>
+                  <a:tcPr>
+                    <a:lnL w="12700" cap="flat" cmpd="sng" algn="ctr">
+                      <a:solidFill>
+                        <a:schemeClr val="tx1"/>
+                      </a:solidFill>
+                      <a:prstDash val="solid"/>
+                      <a:round/>
+                      <a:headEnd type="none" w="med" len="med"/>
+                      <a:tailEnd type="none" w="med" len="med"/>
+                    </a:lnL>
+                    <a:lnR w="12700" cap="flat" cmpd="sng" algn="ctr">
+                      <a:solidFill>
+                        <a:schemeClr val="tx1"/>
+                      </a:solidFill>
+                      <a:prstDash val="solid"/>
+                      <a:round/>
+                      <a:headEnd type="none" w="med" len="med"/>
+                      <a:tailEnd type="none" w="med" len="med"/>
+                    </a:lnR>
+                  </a:tcPr>
+                </a:tc>
+                <a:tc>
+                  <a:txBody>
+                    <a:bodyPr/>
+                    <a:lstStyle/>
+                    <a:p>
+                      <a:pPr marL="0" marR="0" lvl="0" indent="0" algn="ctr" defTabSz="914400" rtl="0" eaLnBrk="1" fontAlgn="auto" latinLnBrk="0" hangingPunct="1">
+                        <a:lnSpc>
+                          <a:spcPct val="100000"/>
+                        </a:lnSpc>
+                        <a:spcBef>
+                          <a:spcPts val="0"/>
+                        </a:spcBef>
+                        <a:spcAft>
+                          <a:spcPts val="0"/>
+                        </a:spcAft>
+                        <a:buClrTx/>
+                        <a:buSzTx/>
+                        <a:buFontTx/>
+                        <a:buNone/>
+                        <a:tabLst/>
+                        <a:defRPr/>
+                      </a:pPr>
+                      <a:r>
+                        <a:rPr lang="en-US" sz="1100" dirty="0"/>
+                        <a:t>❌</a:t>
+                      </a:r>
+                    </a:p>
+                  </a:txBody>
+                  <a:tcPr>
+                    <a:lnL w="12700" cap="flat" cmpd="sng" algn="ctr">
+                      <a:solidFill>
+                        <a:schemeClr val="tx1"/>
+                      </a:solidFill>
+                      <a:prstDash val="solid"/>
+                      <a:round/>
+                      <a:headEnd type="none" w="med" len="med"/>
+                      <a:tailEnd type="none" w="med" len="med"/>
+                    </a:lnL>
+                    <a:lnR w="12700" cap="flat" cmpd="sng" algn="ctr">
+                      <a:solidFill>
+                        <a:schemeClr val="tx1"/>
+                      </a:solidFill>
+                      <a:prstDash val="solid"/>
+                      <a:round/>
+                      <a:headEnd type="none" w="med" len="med"/>
+                      <a:tailEnd type="none" w="med" len="med"/>
+                    </a:lnR>
+                  </a:tcPr>
+                </a:tc>
+                <a:tc>
+                  <a:txBody>
+                    <a:bodyPr/>
+                    <a:lstStyle/>
+                    <a:p>
+                      <a:pPr marL="0" marR="0" lvl="0" indent="0" algn="ctr" defTabSz="914400" rtl="0" eaLnBrk="1" fontAlgn="auto" latinLnBrk="0" hangingPunct="1">
+                        <a:lnSpc>
+                          <a:spcPct val="100000"/>
+                        </a:lnSpc>
+                        <a:spcBef>
+                          <a:spcPts val="0"/>
+                        </a:spcBef>
+                        <a:spcAft>
+                          <a:spcPts val="0"/>
+                        </a:spcAft>
+                        <a:buClrTx/>
+                        <a:buSzTx/>
+                        <a:buFontTx/>
+                        <a:buNone/>
+                        <a:tabLst/>
+                        <a:defRPr/>
+                      </a:pPr>
+                      <a:r>
+                        <a:rPr lang="en-US" sz="1100" dirty="0"/>
+                        <a:t>❌</a:t>
+                      </a:r>
+                    </a:p>
+                  </a:txBody>
+                  <a:tcPr>
+                    <a:lnL w="12700" cap="flat" cmpd="sng" algn="ctr">
+                      <a:solidFill>
+                        <a:schemeClr val="tx1"/>
+                      </a:solidFill>
+                      <a:prstDash val="solid"/>
+                      <a:round/>
+                      <a:headEnd type="none" w="med" len="med"/>
+                      <a:tailEnd type="none" w="med" len="med"/>
+                    </a:lnL>
+                    <a:lnR w="12700" cap="flat" cmpd="sng" algn="ctr">
+                      <a:solidFill>
+                        <a:schemeClr val="tx1"/>
+                      </a:solidFill>
+                      <a:prstDash val="solid"/>
+                      <a:round/>
+                      <a:headEnd type="none" w="med" len="med"/>
+                      <a:tailEnd type="none" w="med" len="med"/>
+                    </a:lnR>
+                  </a:tcPr>
+                </a:tc>
                 <a:extLst>
                   <a:ext uri="{0D108BD9-81ED-4DB2-BD59-A6C34878D82A}">
-                    <a16:rowId xmlns:a16="http://schemas.microsoft.com/office/drawing/2014/main" val="797911464"/>
+                    <a16:rowId xmlns:a16="http://schemas.microsoft.com/office/drawing/2014/main" val="3742644145"/>
                   </a:ext>
                 </a:extLst>
               </a:tr>
@@ -8426,14 +8833,295 @@
                     <a:bodyPr/>
                     <a:lstStyle/>
                     <a:p>
-                      <a:pPr algn="r"/>
                       <a:r>
                         <a:rPr lang="en-US" sz="1100" dirty="0"/>
-                        <a:t>Beacon</a:t>
+                        <a:t>Custom Location Mode :</a:t>
                       </a:r>
                       <a:endParaRPr lang="en-US" sz="1100" dirty="0">
                         <a:solidFill>
                           <a:schemeClr val="bg1"/>
+                        </a:solidFill>
+                      </a:endParaRPr>
+                    </a:p>
+                  </a:txBody>
+                  <a:tcPr>
+                    <a:lnR w="12700" cap="flat" cmpd="sng" algn="ctr">
+                      <a:solidFill>
+                        <a:schemeClr val="tx1"/>
+                      </a:solidFill>
+                      <a:prstDash val="solid"/>
+                      <a:round/>
+                      <a:headEnd type="none" w="med" len="med"/>
+                      <a:tailEnd type="none" w="med" len="med"/>
+                    </a:lnR>
+                    <a:solidFill>
+                      <a:schemeClr val="accent1">
+                        <a:lumMod val="60000"/>
+                        <a:lumOff val="40000"/>
+                      </a:schemeClr>
+                    </a:solidFill>
+                  </a:tcPr>
+                </a:tc>
+                <a:tc>
+                  <a:txBody>
+                    <a:bodyPr/>
+                    <a:lstStyle/>
+                    <a:p>
+                      <a:pPr algn="ctr"/>
+                      <a:endParaRPr lang="en-US" sz="1100" dirty="0">
+                        <a:solidFill>
+                          <a:schemeClr val="bg1"/>
+                        </a:solidFill>
+                      </a:endParaRPr>
+                    </a:p>
+                  </a:txBody>
+                  <a:tcPr>
+                    <a:lnL w="12700" cap="flat" cmpd="sng" algn="ctr">
+                      <a:solidFill>
+                        <a:schemeClr val="tx1"/>
+                      </a:solidFill>
+                      <a:prstDash val="solid"/>
+                      <a:round/>
+                      <a:headEnd type="none" w="med" len="med"/>
+                      <a:tailEnd type="none" w="med" len="med"/>
+                    </a:lnL>
+                    <a:lnR w="12700" cap="flat" cmpd="sng" algn="ctr">
+                      <a:solidFill>
+                        <a:schemeClr val="tx1"/>
+                      </a:solidFill>
+                      <a:prstDash val="solid"/>
+                      <a:round/>
+                      <a:headEnd type="none" w="med" len="med"/>
+                      <a:tailEnd type="none" w="med" len="med"/>
+                    </a:lnR>
+                    <a:solidFill>
+                      <a:schemeClr val="accent1">
+                        <a:lumMod val="60000"/>
+                        <a:lumOff val="40000"/>
+                      </a:schemeClr>
+                    </a:solidFill>
+                  </a:tcPr>
+                </a:tc>
+                <a:tc>
+                  <a:txBody>
+                    <a:bodyPr/>
+                    <a:lstStyle/>
+                    <a:p>
+                      <a:pPr algn="ctr"/>
+                      <a:endParaRPr lang="en-US" sz="1100" dirty="0">
+                        <a:solidFill>
+                          <a:schemeClr val="bg1"/>
+                        </a:solidFill>
+                      </a:endParaRPr>
+                    </a:p>
+                  </a:txBody>
+                  <a:tcPr>
+                    <a:lnL w="12700" cap="flat" cmpd="sng" algn="ctr">
+                      <a:solidFill>
+                        <a:schemeClr val="tx1"/>
+                      </a:solidFill>
+                      <a:prstDash val="solid"/>
+                      <a:round/>
+                      <a:headEnd type="none" w="med" len="med"/>
+                      <a:tailEnd type="none" w="med" len="med"/>
+                    </a:lnL>
+                    <a:lnR w="12700" cap="flat" cmpd="sng" algn="ctr">
+                      <a:solidFill>
+                        <a:schemeClr val="tx1"/>
+                      </a:solidFill>
+                      <a:prstDash val="solid"/>
+                      <a:round/>
+                      <a:headEnd type="none" w="med" len="med"/>
+                      <a:tailEnd type="none" w="med" len="med"/>
+                    </a:lnR>
+                    <a:solidFill>
+                      <a:schemeClr val="accent1">
+                        <a:lumMod val="60000"/>
+                        <a:lumOff val="40000"/>
+                      </a:schemeClr>
+                    </a:solidFill>
+                  </a:tcPr>
+                </a:tc>
+                <a:tc>
+                  <a:txBody>
+                    <a:bodyPr/>
+                    <a:lstStyle/>
+                    <a:p>
+                      <a:pPr algn="ctr"/>
+                      <a:endParaRPr lang="en-US" sz="1100" dirty="0">
+                        <a:solidFill>
+                          <a:schemeClr val="bg1"/>
+                        </a:solidFill>
+                      </a:endParaRPr>
+                    </a:p>
+                  </a:txBody>
+                  <a:tcPr>
+                    <a:lnL w="12700" cap="flat" cmpd="sng" algn="ctr">
+                      <a:solidFill>
+                        <a:schemeClr val="tx1"/>
+                      </a:solidFill>
+                      <a:prstDash val="solid"/>
+                      <a:round/>
+                      <a:headEnd type="none" w="med" len="med"/>
+                      <a:tailEnd type="none" w="med" len="med"/>
+                    </a:lnL>
+                    <a:lnR w="12700" cap="flat" cmpd="sng" algn="ctr">
+                      <a:solidFill>
+                        <a:schemeClr val="tx1"/>
+                      </a:solidFill>
+                      <a:prstDash val="solid"/>
+                      <a:round/>
+                      <a:headEnd type="none" w="med" len="med"/>
+                      <a:tailEnd type="none" w="med" len="med"/>
+                    </a:lnR>
+                    <a:solidFill>
+                      <a:schemeClr val="accent1">
+                        <a:lumMod val="60000"/>
+                        <a:lumOff val="40000"/>
+                      </a:schemeClr>
+                    </a:solidFill>
+                  </a:tcPr>
+                </a:tc>
+                <a:tc>
+                  <a:txBody>
+                    <a:bodyPr/>
+                    <a:lstStyle/>
+                    <a:p>
+                      <a:pPr algn="ctr"/>
+                      <a:endParaRPr lang="en-US" sz="1100" dirty="0">
+                        <a:solidFill>
+                          <a:schemeClr val="bg1"/>
+                        </a:solidFill>
+                      </a:endParaRPr>
+                    </a:p>
+                  </a:txBody>
+                  <a:tcPr>
+                    <a:lnL w="12700" cap="flat" cmpd="sng" algn="ctr">
+                      <a:solidFill>
+                        <a:schemeClr val="tx1"/>
+                      </a:solidFill>
+                      <a:prstDash val="solid"/>
+                      <a:round/>
+                      <a:headEnd type="none" w="med" len="med"/>
+                      <a:tailEnd type="none" w="med" len="med"/>
+                    </a:lnL>
+                    <a:lnR w="12700" cap="flat" cmpd="sng" algn="ctr">
+                      <a:solidFill>
+                        <a:schemeClr val="tx1"/>
+                      </a:solidFill>
+                      <a:prstDash val="solid"/>
+                      <a:round/>
+                      <a:headEnd type="none" w="med" len="med"/>
+                      <a:tailEnd type="none" w="med" len="med"/>
+                    </a:lnR>
+                    <a:solidFill>
+                      <a:schemeClr val="accent1">
+                        <a:lumMod val="60000"/>
+                        <a:lumOff val="40000"/>
+                      </a:schemeClr>
+                    </a:solidFill>
+                  </a:tcPr>
+                </a:tc>
+                <a:tc>
+                  <a:txBody>
+                    <a:bodyPr/>
+                    <a:lstStyle/>
+                    <a:p>
+                      <a:pPr algn="ctr"/>
+                      <a:endParaRPr lang="en-US" sz="1100" dirty="0">
+                        <a:solidFill>
+                          <a:schemeClr val="bg1"/>
+                        </a:solidFill>
+                      </a:endParaRPr>
+                    </a:p>
+                  </a:txBody>
+                  <a:tcPr>
+                    <a:lnL w="12700" cap="flat" cmpd="sng" algn="ctr">
+                      <a:solidFill>
+                        <a:schemeClr val="tx1"/>
+                      </a:solidFill>
+                      <a:prstDash val="solid"/>
+                      <a:round/>
+                      <a:headEnd type="none" w="med" len="med"/>
+                      <a:tailEnd type="none" w="med" len="med"/>
+                    </a:lnL>
+                    <a:lnR w="12700" cap="flat" cmpd="sng" algn="ctr">
+                      <a:solidFill>
+                        <a:schemeClr val="tx1"/>
+                      </a:solidFill>
+                      <a:prstDash val="solid"/>
+                      <a:round/>
+                      <a:headEnd type="none" w="med" len="med"/>
+                      <a:tailEnd type="none" w="med" len="med"/>
+                    </a:lnR>
+                    <a:solidFill>
+                      <a:schemeClr val="accent1">
+                        <a:lumMod val="60000"/>
+                        <a:lumOff val="40000"/>
+                      </a:schemeClr>
+                    </a:solidFill>
+                  </a:tcPr>
+                </a:tc>
+                <a:tc>
+                  <a:txBody>
+                    <a:bodyPr/>
+                    <a:lstStyle/>
+                    <a:p>
+                      <a:pPr algn="ctr"/>
+                      <a:endParaRPr lang="en-US" sz="1100" dirty="0">
+                        <a:solidFill>
+                          <a:schemeClr val="bg1"/>
+                        </a:solidFill>
+                      </a:endParaRPr>
+                    </a:p>
+                  </a:txBody>
+                  <a:tcPr>
+                    <a:lnL w="12700" cap="flat" cmpd="sng" algn="ctr">
+                      <a:solidFill>
+                        <a:schemeClr val="tx1"/>
+                      </a:solidFill>
+                      <a:prstDash val="solid"/>
+                      <a:round/>
+                      <a:headEnd type="none" w="med" len="med"/>
+                      <a:tailEnd type="none" w="med" len="med"/>
+                    </a:lnL>
+                    <a:lnR w="12700" cap="flat" cmpd="sng" algn="ctr">
+                      <a:solidFill>
+                        <a:schemeClr val="tx1"/>
+                      </a:solidFill>
+                      <a:prstDash val="solid"/>
+                      <a:round/>
+                      <a:headEnd type="none" w="med" len="med"/>
+                      <a:tailEnd type="none" w="med" len="med"/>
+                    </a:lnR>
+                    <a:solidFill>
+                      <a:schemeClr val="accent1">
+                        <a:lumMod val="60000"/>
+                        <a:lumOff val="40000"/>
+                      </a:schemeClr>
+                    </a:solidFill>
+                  </a:tcPr>
+                </a:tc>
+                <a:extLst>
+                  <a:ext uri="{0D108BD9-81ED-4DB2-BD59-A6C34878D82A}">
+                    <a16:rowId xmlns:a16="http://schemas.microsoft.com/office/drawing/2014/main" val="919168081"/>
+                  </a:ext>
+                </a:extLst>
+              </a:tr>
+              <a:tr h="0">
+                <a:tc>
+                  <a:txBody>
+                    <a:bodyPr/>
+                    <a:lstStyle/>
+                    <a:p>
+                      <a:pPr algn="r"/>
+                      <a:r>
+                        <a:rPr lang="en-US" sz="1100" dirty="0"/>
+                        <a:t>Foreground Mode</a:t>
+                      </a:r>
+                      <a:endParaRPr lang="en-US" sz="1100" dirty="0">
+                        <a:solidFill>
+                          <a:schemeClr val="tx1"/>
                         </a:solidFill>
                       </a:endParaRPr>
                     </a:p>
@@ -8621,7 +9309,234 @@
                       </a:pPr>
                       <a:r>
                         <a:rPr lang="en-US" sz="1100" dirty="0"/>
-                        <a:t>❌</a:t>
+                        <a:t>✅</a:t>
+                      </a:r>
+                    </a:p>
+                  </a:txBody>
+                  <a:tcPr>
+                    <a:lnL w="12700" cap="flat" cmpd="sng" algn="ctr">
+                      <a:solidFill>
+                        <a:schemeClr val="tx1"/>
+                      </a:solidFill>
+                      <a:prstDash val="solid"/>
+                      <a:round/>
+                      <a:headEnd type="none" w="med" len="med"/>
+                      <a:tailEnd type="none" w="med" len="med"/>
+                    </a:lnL>
+                    <a:lnR w="12700" cap="flat" cmpd="sng" algn="ctr">
+                      <a:solidFill>
+                        <a:schemeClr val="tx1"/>
+                      </a:solidFill>
+                      <a:prstDash val="solid"/>
+                      <a:round/>
+                      <a:headEnd type="none" w="med" len="med"/>
+                      <a:tailEnd type="none" w="med" len="med"/>
+                    </a:lnR>
+                  </a:tcPr>
+                </a:tc>
+                <a:tc>
+                  <a:txBody>
+                    <a:bodyPr/>
+                    <a:lstStyle/>
+                    <a:p>
+                      <a:pPr marL="0" marR="0" lvl="0" indent="0" algn="ctr" defTabSz="914400" rtl="0" eaLnBrk="1" fontAlgn="auto" latinLnBrk="0" hangingPunct="1">
+                        <a:lnSpc>
+                          <a:spcPct val="100000"/>
+                        </a:lnSpc>
+                        <a:spcBef>
+                          <a:spcPts val="0"/>
+                        </a:spcBef>
+                        <a:spcAft>
+                          <a:spcPts val="0"/>
+                        </a:spcAft>
+                        <a:buClrTx/>
+                        <a:buSzTx/>
+                        <a:buFontTx/>
+                        <a:buNone/>
+                        <a:tabLst/>
+                        <a:defRPr/>
+                      </a:pPr>
+                      <a:r>
+                        <a:rPr lang="en-US" sz="1100" dirty="0"/>
+                        <a:t>✅</a:t>
+                      </a:r>
+                    </a:p>
+                  </a:txBody>
+                  <a:tcPr>
+                    <a:lnL w="12700" cap="flat" cmpd="sng" algn="ctr">
+                      <a:solidFill>
+                        <a:schemeClr val="tx1"/>
+                      </a:solidFill>
+                      <a:prstDash val="solid"/>
+                      <a:round/>
+                      <a:headEnd type="none" w="med" len="med"/>
+                      <a:tailEnd type="none" w="med" len="med"/>
+                    </a:lnL>
+                    <a:lnR w="12700" cap="flat" cmpd="sng" algn="ctr">
+                      <a:solidFill>
+                        <a:schemeClr val="tx1"/>
+                      </a:solidFill>
+                      <a:prstDash val="solid"/>
+                      <a:round/>
+                      <a:headEnd type="none" w="med" len="med"/>
+                      <a:tailEnd type="none" w="med" len="med"/>
+                    </a:lnR>
+                  </a:tcPr>
+                </a:tc>
+                <a:tc>
+                  <a:txBody>
+                    <a:bodyPr/>
+                    <a:lstStyle/>
+                    <a:p>
+                      <a:pPr marL="0" marR="0" lvl="0" indent="0" algn="ctr" defTabSz="914400" rtl="0" eaLnBrk="1" fontAlgn="auto" latinLnBrk="0" hangingPunct="1">
+                        <a:lnSpc>
+                          <a:spcPct val="100000"/>
+                        </a:lnSpc>
+                        <a:spcBef>
+                          <a:spcPts val="0"/>
+                        </a:spcBef>
+                        <a:spcAft>
+                          <a:spcPts val="0"/>
+                        </a:spcAft>
+                        <a:buClrTx/>
+                        <a:buSzTx/>
+                        <a:buFontTx/>
+                        <a:buNone/>
+                        <a:tabLst/>
+                        <a:defRPr/>
+                      </a:pPr>
+                      <a:r>
+                        <a:rPr lang="en-US" sz="1100" dirty="0"/>
+                        <a:t>✅</a:t>
+                      </a:r>
+                    </a:p>
+                  </a:txBody>
+                  <a:tcPr>
+                    <a:lnL w="12700" cap="flat" cmpd="sng" algn="ctr">
+                      <a:solidFill>
+                        <a:schemeClr val="tx1"/>
+                      </a:solidFill>
+                      <a:prstDash val="solid"/>
+                      <a:round/>
+                      <a:headEnd type="none" w="med" len="med"/>
+                      <a:tailEnd type="none" w="med" len="med"/>
+                    </a:lnL>
+                    <a:lnR w="12700" cap="flat" cmpd="sng" algn="ctr">
+                      <a:solidFill>
+                        <a:schemeClr val="tx1"/>
+                      </a:solidFill>
+                      <a:prstDash val="solid"/>
+                      <a:round/>
+                      <a:headEnd type="none" w="med" len="med"/>
+                      <a:tailEnd type="none" w="med" len="med"/>
+                    </a:lnR>
+                  </a:tcPr>
+                </a:tc>
+                <a:extLst>
+                  <a:ext uri="{0D108BD9-81ED-4DB2-BD59-A6C34878D82A}">
+                    <a16:rowId xmlns:a16="http://schemas.microsoft.com/office/drawing/2014/main" val="2354163182"/>
+                  </a:ext>
+                </a:extLst>
+              </a:tr>
+              <a:tr h="0">
+                <a:tc>
+                  <a:txBody>
+                    <a:bodyPr/>
+                    <a:lstStyle/>
+                    <a:p>
+                      <a:pPr algn="r"/>
+                      <a:r>
+                        <a:rPr lang="en-US" sz="1100" dirty="0"/>
+                        <a:t>Background mode</a:t>
+                      </a:r>
+                    </a:p>
+                  </a:txBody>
+                  <a:tcPr>
+                    <a:lnR w="12700" cap="flat" cmpd="sng" algn="ctr">
+                      <a:solidFill>
+                        <a:schemeClr val="tx1"/>
+                      </a:solidFill>
+                      <a:prstDash val="solid"/>
+                      <a:round/>
+                      <a:headEnd type="none" w="med" len="med"/>
+                      <a:tailEnd type="none" w="med" len="med"/>
+                    </a:lnR>
+                  </a:tcPr>
+                </a:tc>
+                <a:tc>
+                  <a:txBody>
+                    <a:bodyPr/>
+                    <a:lstStyle/>
+                    <a:p>
+                      <a:pPr marL="0" marR="0" lvl="0" indent="0" algn="ctr" defTabSz="914400" rtl="0" eaLnBrk="1" fontAlgn="auto" latinLnBrk="0" hangingPunct="1">
+                        <a:lnSpc>
+                          <a:spcPct val="100000"/>
+                        </a:lnSpc>
+                        <a:spcBef>
+                          <a:spcPts val="0"/>
+                        </a:spcBef>
+                        <a:spcAft>
+                          <a:spcPts val="0"/>
+                        </a:spcAft>
+                        <a:buClrTx/>
+                        <a:buSzTx/>
+                        <a:buFontTx/>
+                        <a:buNone/>
+                        <a:tabLst/>
+                        <a:defRPr/>
+                      </a:pPr>
+                      <a:r>
+                        <a:rPr lang="en-US" sz="1100" dirty="0"/>
+                        <a:t>✅</a:t>
+                      </a:r>
+                    </a:p>
+                  </a:txBody>
+                  <a:tcPr>
+                    <a:lnL w="12700" cap="flat" cmpd="sng" algn="ctr">
+                      <a:solidFill>
+                        <a:schemeClr val="tx1"/>
+                      </a:solidFill>
+                      <a:prstDash val="solid"/>
+                      <a:round/>
+                      <a:headEnd type="none" w="med" len="med"/>
+                      <a:tailEnd type="none" w="med" len="med"/>
+                    </a:lnL>
+                    <a:lnR w="12700" cap="flat" cmpd="sng" algn="ctr">
+                      <a:solidFill>
+                        <a:schemeClr val="tx1"/>
+                      </a:solidFill>
+                      <a:prstDash val="solid"/>
+                      <a:round/>
+                      <a:headEnd type="none" w="med" len="med"/>
+                      <a:tailEnd type="none" w="med" len="med"/>
+                    </a:lnR>
+                  </a:tcPr>
+                </a:tc>
+                <a:tc>
+                  <a:txBody>
+                    <a:bodyPr/>
+                    <a:lstStyle/>
+                    <a:p>
+                      <a:pPr marL="0" marR="0" lvl="0" indent="0" algn="ctr" defTabSz="914400" rtl="0" eaLnBrk="1" fontAlgn="auto" latinLnBrk="0" hangingPunct="1">
+                        <a:lnSpc>
+                          <a:spcPct val="100000"/>
+                        </a:lnSpc>
+                        <a:spcBef>
+                          <a:spcPts val="0"/>
+                        </a:spcBef>
+                        <a:spcAft>
+                          <a:spcPts val="0"/>
+                        </a:spcAft>
+                        <a:buClrTx/>
+                        <a:buSzTx/>
+                        <a:buFontTx/>
+                        <a:buNone/>
+                        <a:tabLst/>
+                        <a:defRPr/>
+                      </a:pPr>
+                      <a:r>
+                        <a:rPr lang="en-US" sz="1100" dirty="0"/>
+                        <a:t>✅</a:t>
                       </a:r>
                     </a:p>
                   </a:txBody>
@@ -8719,7 +9634,185 @@
                       </a:pPr>
                       <a:r>
                         <a:rPr lang="en-US" sz="1100" dirty="0"/>
-                        <a:t>❌</a:t>
+                        <a:t>✅</a:t>
+                      </a:r>
+                    </a:p>
+                  </a:txBody>
+                  <a:tcPr>
+                    <a:lnL w="12700" cap="flat" cmpd="sng" algn="ctr">
+                      <a:solidFill>
+                        <a:schemeClr val="tx1"/>
+                      </a:solidFill>
+                      <a:prstDash val="solid"/>
+                      <a:round/>
+                      <a:headEnd type="none" w="med" len="med"/>
+                      <a:tailEnd type="none" w="med" len="med"/>
+                    </a:lnL>
+                    <a:lnR w="12700" cap="flat" cmpd="sng" algn="ctr">
+                      <a:solidFill>
+                        <a:schemeClr val="tx1"/>
+                      </a:solidFill>
+                      <a:prstDash val="solid"/>
+                      <a:round/>
+                      <a:headEnd type="none" w="med" len="med"/>
+                      <a:tailEnd type="none" w="med" len="med"/>
+                    </a:lnR>
+                  </a:tcPr>
+                </a:tc>
+                <a:tc>
+                  <a:txBody>
+                    <a:bodyPr/>
+                    <a:lstStyle/>
+                    <a:p>
+                      <a:pPr marL="0" marR="0" lvl="0" indent="0" algn="ctr" defTabSz="914400" rtl="0" eaLnBrk="1" fontAlgn="auto" latinLnBrk="0" hangingPunct="1">
+                        <a:lnSpc>
+                          <a:spcPct val="100000"/>
+                        </a:lnSpc>
+                        <a:spcBef>
+                          <a:spcPts val="0"/>
+                        </a:spcBef>
+                        <a:spcAft>
+                          <a:spcPts val="0"/>
+                        </a:spcAft>
+                        <a:buClrTx/>
+                        <a:buSzTx/>
+                        <a:buFontTx/>
+                        <a:buNone/>
+                        <a:tabLst/>
+                        <a:defRPr/>
+                      </a:pPr>
+                      <a:r>
+                        <a:rPr lang="en-US" sz="1100" dirty="0"/>
+                        <a:t>✅</a:t>
+                      </a:r>
+                    </a:p>
+                  </a:txBody>
+                  <a:tcPr>
+                    <a:lnL w="12700" cap="flat" cmpd="sng" algn="ctr">
+                      <a:solidFill>
+                        <a:schemeClr val="tx1"/>
+                      </a:solidFill>
+                      <a:prstDash val="solid"/>
+                      <a:round/>
+                      <a:headEnd type="none" w="med" len="med"/>
+                      <a:tailEnd type="none" w="med" len="med"/>
+                    </a:lnL>
+                    <a:lnR w="12700" cap="flat" cmpd="sng" algn="ctr">
+                      <a:solidFill>
+                        <a:schemeClr val="tx1"/>
+                      </a:solidFill>
+                      <a:prstDash val="solid"/>
+                      <a:round/>
+                      <a:headEnd type="none" w="med" len="med"/>
+                      <a:tailEnd type="none" w="med" len="med"/>
+                    </a:lnR>
+                  </a:tcPr>
+                </a:tc>
+                <a:tc>
+                  <a:txBody>
+                    <a:bodyPr/>
+                    <a:lstStyle/>
+                    <a:p>
+                      <a:pPr marL="0" marR="0" lvl="0" indent="0" algn="ctr" defTabSz="914400" rtl="0" eaLnBrk="1" fontAlgn="auto" latinLnBrk="0" hangingPunct="1">
+                        <a:lnSpc>
+                          <a:spcPct val="100000"/>
+                        </a:lnSpc>
+                        <a:spcBef>
+                          <a:spcPts val="0"/>
+                        </a:spcBef>
+                        <a:spcAft>
+                          <a:spcPts val="0"/>
+                        </a:spcAft>
+                        <a:buClrTx/>
+                        <a:buSzTx/>
+                        <a:buFontTx/>
+                        <a:buNone/>
+                        <a:tabLst/>
+                        <a:defRPr/>
+                      </a:pPr>
+                      <a:r>
+                        <a:rPr lang="en-US" sz="1100" dirty="0"/>
+                        <a:t>✅</a:t>
+                      </a:r>
+                    </a:p>
+                  </a:txBody>
+                  <a:tcPr>
+                    <a:lnL w="12700" cap="flat" cmpd="sng" algn="ctr">
+                      <a:solidFill>
+                        <a:schemeClr val="tx1"/>
+                      </a:solidFill>
+                      <a:prstDash val="solid"/>
+                      <a:round/>
+                      <a:headEnd type="none" w="med" len="med"/>
+                      <a:tailEnd type="none" w="med" len="med"/>
+                    </a:lnL>
+                    <a:lnR w="12700" cap="flat" cmpd="sng" algn="ctr">
+                      <a:solidFill>
+                        <a:schemeClr val="tx1"/>
+                      </a:solidFill>
+                      <a:prstDash val="solid"/>
+                      <a:round/>
+                      <a:headEnd type="none" w="med" len="med"/>
+                      <a:tailEnd type="none" w="med" len="med"/>
+                    </a:lnR>
+                  </a:tcPr>
+                </a:tc>
+                <a:extLst>
+                  <a:ext uri="{0D108BD9-81ED-4DB2-BD59-A6C34878D82A}">
+                    <a16:rowId xmlns:a16="http://schemas.microsoft.com/office/drawing/2014/main" val="3818772247"/>
+                  </a:ext>
+                </a:extLst>
+              </a:tr>
+              <a:tr h="0">
+                <a:tc>
+                  <a:txBody>
+                    <a:bodyPr/>
+                    <a:lstStyle/>
+                    <a:p>
+                      <a:pPr algn="r"/>
+                      <a:r>
+                        <a:rPr lang="en-US" sz="1100" dirty="0"/>
+                        <a:t>Terminated mode</a:t>
+                      </a:r>
+                    </a:p>
+                  </a:txBody>
+                  <a:tcPr>
+                    <a:lnR w="12700" cap="flat" cmpd="sng" algn="ctr">
+                      <a:solidFill>
+                        <a:schemeClr val="tx1"/>
+                      </a:solidFill>
+                      <a:prstDash val="solid"/>
+                      <a:round/>
+                      <a:headEnd type="none" w="med" len="med"/>
+                      <a:tailEnd type="none" w="med" len="med"/>
+                    </a:lnR>
+                  </a:tcPr>
+                </a:tc>
+                <a:tc>
+                  <a:txBody>
+                    <a:bodyPr/>
+                    <a:lstStyle/>
+                    <a:p>
+                      <a:pPr marL="0" marR="0" lvl="0" indent="0" algn="ctr" defTabSz="914400" rtl="0" eaLnBrk="1" fontAlgn="auto" latinLnBrk="0" hangingPunct="1">
+                        <a:lnSpc>
+                          <a:spcPct val="100000"/>
+                        </a:lnSpc>
+                        <a:spcBef>
+                          <a:spcPts val="0"/>
+                        </a:spcBef>
+                        <a:spcAft>
+                          <a:spcPts val="0"/>
+                        </a:spcAft>
+                        <a:buClrTx/>
+                        <a:buSzTx/>
+                        <a:buFontTx/>
+                        <a:buNone/>
+                        <a:tabLst/>
+                        <a:defRPr/>
+                      </a:pPr>
+                      <a:r>
+                        <a:rPr lang="en-US" sz="1100" dirty="0"/>
+                        <a:t>✅</a:t>
                       </a:r>
                     </a:p>
                   </a:txBody>
@@ -8793,336 +9886,28 @@
                     </a:lnR>
                   </a:tcPr>
                 </a:tc>
-                <a:extLst>
-                  <a:ext uri="{0D108BD9-81ED-4DB2-BD59-A6C34878D82A}">
-                    <a16:rowId xmlns:a16="http://schemas.microsoft.com/office/drawing/2014/main" val="3742644145"/>
-                  </a:ext>
-                </a:extLst>
-              </a:tr>
-              <a:tr h="0">
-                <a:tc>
-                  <a:txBody>
-                    <a:bodyPr/>
-                    <a:lstStyle/>
-                    <a:p>
-                      <a:r>
-                        <a:rPr lang="en-US" sz="1100" dirty="0"/>
-                        <a:t>Persistency:</a:t>
-                      </a:r>
-                      <a:endParaRPr lang="en-US" sz="1100" dirty="0">
-                        <a:solidFill>
-                          <a:schemeClr val="bg1"/>
-                        </a:solidFill>
-                      </a:endParaRPr>
-                    </a:p>
-                  </a:txBody>
-                  <a:tcPr>
-                    <a:lnR w="12700" cap="flat" cmpd="sng" algn="ctr">
-                      <a:solidFill>
-                        <a:schemeClr val="tx1"/>
-                      </a:solidFill>
-                      <a:prstDash val="solid"/>
-                      <a:round/>
-                      <a:headEnd type="none" w="med" len="med"/>
-                      <a:tailEnd type="none" w="med" len="med"/>
-                    </a:lnR>
-                    <a:solidFill>
-                      <a:schemeClr val="accent1">
-                        <a:lumMod val="60000"/>
-                        <a:lumOff val="40000"/>
-                      </a:schemeClr>
-                    </a:solidFill>
-                  </a:tcPr>
-                </a:tc>
-                <a:tc>
-                  <a:txBody>
-                    <a:bodyPr/>
-                    <a:lstStyle/>
-                    <a:p>
-                      <a:pPr algn="ctr"/>
-                      <a:endParaRPr lang="en-US" sz="1100" dirty="0"/>
-                    </a:p>
-                  </a:txBody>
-                  <a:tcPr>
-                    <a:lnL w="12700" cap="flat" cmpd="sng" algn="ctr">
-                      <a:solidFill>
-                        <a:schemeClr val="tx1"/>
-                      </a:solidFill>
-                      <a:prstDash val="solid"/>
-                      <a:round/>
-                      <a:headEnd type="none" w="med" len="med"/>
-                      <a:tailEnd type="none" w="med" len="med"/>
-                    </a:lnL>
-                    <a:lnR w="12700" cap="flat" cmpd="sng" algn="ctr">
-                      <a:solidFill>
-                        <a:schemeClr val="tx1"/>
-                      </a:solidFill>
-                      <a:prstDash val="solid"/>
-                      <a:round/>
-                      <a:headEnd type="none" w="med" len="med"/>
-                      <a:tailEnd type="none" w="med" len="med"/>
-                    </a:lnR>
-                    <a:solidFill>
-                      <a:schemeClr val="accent1">
-                        <a:lumMod val="60000"/>
-                        <a:lumOff val="40000"/>
-                      </a:schemeClr>
-                    </a:solidFill>
-                  </a:tcPr>
-                </a:tc>
-                <a:tc>
-                  <a:txBody>
-                    <a:bodyPr/>
-                    <a:lstStyle/>
-                    <a:p>
-                      <a:pPr algn="ctr"/>
-                      <a:endParaRPr lang="en-US" sz="1100" dirty="0"/>
-                    </a:p>
-                  </a:txBody>
-                  <a:tcPr>
-                    <a:lnL w="12700" cap="flat" cmpd="sng" algn="ctr">
-                      <a:solidFill>
-                        <a:schemeClr val="tx1"/>
-                      </a:solidFill>
-                      <a:prstDash val="solid"/>
-                      <a:round/>
-                      <a:headEnd type="none" w="med" len="med"/>
-                      <a:tailEnd type="none" w="med" len="med"/>
-                    </a:lnL>
-                    <a:lnR w="12700" cap="flat" cmpd="sng" algn="ctr">
-                      <a:solidFill>
-                        <a:schemeClr val="tx1"/>
-                      </a:solidFill>
-                      <a:prstDash val="solid"/>
-                      <a:round/>
-                      <a:headEnd type="none" w="med" len="med"/>
-                      <a:tailEnd type="none" w="med" len="med"/>
-                    </a:lnR>
-                    <a:solidFill>
-                      <a:schemeClr val="accent1">
-                        <a:lumMod val="60000"/>
-                        <a:lumOff val="40000"/>
-                      </a:schemeClr>
-                    </a:solidFill>
-                  </a:tcPr>
-                </a:tc>
-                <a:tc>
-                  <a:txBody>
-                    <a:bodyPr/>
-                    <a:lstStyle/>
-                    <a:p>
-                      <a:pPr algn="ctr"/>
-                      <a:endParaRPr lang="en-US" sz="1100" dirty="0"/>
-                    </a:p>
-                  </a:txBody>
-                  <a:tcPr>
-                    <a:lnL w="12700" cap="flat" cmpd="sng" algn="ctr">
-                      <a:solidFill>
-                        <a:schemeClr val="tx1"/>
-                      </a:solidFill>
-                      <a:prstDash val="solid"/>
-                      <a:round/>
-                      <a:headEnd type="none" w="med" len="med"/>
-                      <a:tailEnd type="none" w="med" len="med"/>
-                    </a:lnL>
-                    <a:lnR w="12700" cap="flat" cmpd="sng" algn="ctr">
-                      <a:solidFill>
-                        <a:schemeClr val="tx1"/>
-                      </a:solidFill>
-                      <a:prstDash val="solid"/>
-                      <a:round/>
-                      <a:headEnd type="none" w="med" len="med"/>
-                      <a:tailEnd type="none" w="med" len="med"/>
-                    </a:lnR>
-                    <a:solidFill>
-                      <a:schemeClr val="accent1">
-                        <a:lumMod val="60000"/>
-                        <a:lumOff val="40000"/>
-                      </a:schemeClr>
-                    </a:solidFill>
-                  </a:tcPr>
-                </a:tc>
-                <a:tc>
-                  <a:txBody>
-                    <a:bodyPr/>
-                    <a:lstStyle/>
-                    <a:p>
-                      <a:pPr algn="ctr"/>
-                      <a:endParaRPr lang="en-US" sz="1100" dirty="0"/>
-                    </a:p>
-                  </a:txBody>
-                  <a:tcPr>
-                    <a:lnL w="12700" cap="flat" cmpd="sng" algn="ctr">
-                      <a:solidFill>
-                        <a:schemeClr val="tx1"/>
-                      </a:solidFill>
-                      <a:prstDash val="solid"/>
-                      <a:round/>
-                      <a:headEnd type="none" w="med" len="med"/>
-                      <a:tailEnd type="none" w="med" len="med"/>
-                    </a:lnL>
-                    <a:lnR w="12700" cap="flat" cmpd="sng" algn="ctr">
-                      <a:solidFill>
-                        <a:schemeClr val="tx1"/>
-                      </a:solidFill>
-                      <a:prstDash val="solid"/>
-                      <a:round/>
-                      <a:headEnd type="none" w="med" len="med"/>
-                      <a:tailEnd type="none" w="med" len="med"/>
-                    </a:lnR>
-                    <a:solidFill>
-                      <a:schemeClr val="accent1">
-                        <a:lumMod val="60000"/>
-                        <a:lumOff val="40000"/>
-                      </a:schemeClr>
-                    </a:solidFill>
-                  </a:tcPr>
-                </a:tc>
-                <a:tc>
-                  <a:txBody>
-                    <a:bodyPr/>
-                    <a:lstStyle/>
-                    <a:p>
-                      <a:pPr algn="ctr"/>
-                      <a:endParaRPr lang="en-US" sz="1100" dirty="0"/>
-                    </a:p>
-                  </a:txBody>
-                  <a:tcPr>
-                    <a:lnL w="12700" cap="flat" cmpd="sng" algn="ctr">
-                      <a:solidFill>
-                        <a:schemeClr val="tx1"/>
-                      </a:solidFill>
-                      <a:prstDash val="solid"/>
-                      <a:round/>
-                      <a:headEnd type="none" w="med" len="med"/>
-                      <a:tailEnd type="none" w="med" len="med"/>
-                    </a:lnL>
-                    <a:lnR w="12700" cap="flat" cmpd="sng" algn="ctr">
-                      <a:solidFill>
-                        <a:schemeClr val="tx1"/>
-                      </a:solidFill>
-                      <a:prstDash val="solid"/>
-                      <a:round/>
-                      <a:headEnd type="none" w="med" len="med"/>
-                      <a:tailEnd type="none" w="med" len="med"/>
-                    </a:lnR>
-                    <a:solidFill>
-                      <a:schemeClr val="accent1">
-                        <a:lumMod val="60000"/>
-                        <a:lumOff val="40000"/>
-                      </a:schemeClr>
-                    </a:solidFill>
-                  </a:tcPr>
-                </a:tc>
-                <a:tc>
-                  <a:txBody>
-                    <a:bodyPr/>
-                    <a:lstStyle/>
-                    <a:p>
-                      <a:pPr algn="ctr"/>
-                      <a:endParaRPr lang="en-US" sz="1100" dirty="0"/>
-                    </a:p>
-                  </a:txBody>
-                  <a:tcPr>
-                    <a:lnL w="12700" cap="flat" cmpd="sng" algn="ctr">
-                      <a:solidFill>
-                        <a:schemeClr val="tx1"/>
-                      </a:solidFill>
-                      <a:prstDash val="solid"/>
-                      <a:round/>
-                      <a:headEnd type="none" w="med" len="med"/>
-                      <a:tailEnd type="none" w="med" len="med"/>
-                    </a:lnL>
-                    <a:lnR w="12700" cap="flat" cmpd="sng" algn="ctr">
-                      <a:solidFill>
-                        <a:schemeClr val="tx1"/>
-                      </a:solidFill>
-                      <a:prstDash val="solid"/>
-                      <a:round/>
-                      <a:headEnd type="none" w="med" len="med"/>
-                      <a:tailEnd type="none" w="med" len="med"/>
-                    </a:lnR>
-                    <a:solidFill>
-                      <a:schemeClr val="accent1">
-                        <a:lumMod val="60000"/>
-                        <a:lumOff val="40000"/>
-                      </a:schemeClr>
-                    </a:solidFill>
-                  </a:tcPr>
-                </a:tc>
-                <a:tc>
-                  <a:txBody>
-                    <a:bodyPr/>
-                    <a:lstStyle/>
-                    <a:p>
-                      <a:pPr algn="ctr"/>
-                      <a:endParaRPr lang="en-US" sz="1100" dirty="0"/>
-                    </a:p>
-                  </a:txBody>
-                  <a:tcPr>
-                    <a:lnL w="12700" cap="flat" cmpd="sng" algn="ctr">
-                      <a:solidFill>
-                        <a:schemeClr val="tx1"/>
-                      </a:solidFill>
-                      <a:prstDash val="solid"/>
-                      <a:round/>
-                      <a:headEnd type="none" w="med" len="med"/>
-                      <a:tailEnd type="none" w="med" len="med"/>
-                    </a:lnL>
-                    <a:lnR w="12700" cap="flat" cmpd="sng" algn="ctr">
-                      <a:solidFill>
-                        <a:schemeClr val="tx1"/>
-                      </a:solidFill>
-                      <a:prstDash val="solid"/>
-                      <a:round/>
-                      <a:headEnd type="none" w="med" len="med"/>
-                      <a:tailEnd type="none" w="med" len="med"/>
-                    </a:lnR>
-                    <a:solidFill>
-                      <a:schemeClr val="accent1">
-                        <a:lumMod val="60000"/>
-                        <a:lumOff val="40000"/>
-                      </a:schemeClr>
-                    </a:solidFill>
-                  </a:tcPr>
-                </a:tc>
-                <a:extLst>
-                  <a:ext uri="{0D108BD9-81ED-4DB2-BD59-A6C34878D82A}">
-                    <a16:rowId xmlns:a16="http://schemas.microsoft.com/office/drawing/2014/main" val="1113368881"/>
-                  </a:ext>
-                </a:extLst>
-              </a:tr>
-              <a:tr h="0">
-                <a:tc>
-                  <a:txBody>
-                    <a:bodyPr/>
-                    <a:lstStyle/>
-                    <a:p>
-                      <a:pPr algn="r"/>
-                      <a:r>
-                        <a:rPr lang="en-US" sz="1100" dirty="0"/>
-                        <a:t>Device</a:t>
-                      </a:r>
-                    </a:p>
-                  </a:txBody>
-                  <a:tcPr>
-                    <a:lnR w="12700" cap="flat" cmpd="sng" algn="ctr">
-                      <a:solidFill>
-                        <a:schemeClr val="tx1"/>
-                      </a:solidFill>
-                      <a:prstDash val="solid"/>
-                      <a:round/>
-                      <a:headEnd type="none" w="med" len="med"/>
-                      <a:tailEnd type="none" w="med" len="med"/>
-                    </a:lnR>
-                  </a:tcPr>
-                </a:tc>
-                <a:tc>
-                  <a:txBody>
-                    <a:bodyPr/>
-                    <a:lstStyle/>
-                    <a:p>
-                      <a:pPr algn="ctr"/>
+                <a:tc>
+                  <a:txBody>
+                    <a:bodyPr/>
+                    <a:lstStyle/>
+                    <a:p>
+                      <a:pPr marL="0" marR="0" lvl="0" indent="0" algn="ctr" defTabSz="914400" rtl="0" eaLnBrk="1" fontAlgn="auto" latinLnBrk="0" hangingPunct="1">
+                        <a:lnSpc>
+                          <a:spcPct val="100000"/>
+                        </a:lnSpc>
+                        <a:spcBef>
+                          <a:spcPts val="0"/>
+                        </a:spcBef>
+                        <a:spcAft>
+                          <a:spcPts val="0"/>
+                        </a:spcAft>
+                        <a:buClrTx/>
+                        <a:buSzTx/>
+                        <a:buFontTx/>
+                        <a:buNone/>
+                        <a:tabLst/>
+                        <a:defRPr/>
+                      </a:pPr>
                       <a:r>
                         <a:rPr lang="en-US" sz="1100" dirty="0"/>
                         <a:t>❌</a:t>
@@ -9253,6 +10038,1676 @@
                     <a:bodyPr/>
                     <a:lstStyle/>
                     <a:p>
+                      <a:pPr marL="0" marR="0" lvl="0" indent="0" algn="ctr" defTabSz="914400" rtl="0" eaLnBrk="1" fontAlgn="auto" latinLnBrk="0" hangingPunct="1">
+                        <a:lnSpc>
+                          <a:spcPct val="100000"/>
+                        </a:lnSpc>
+                        <a:spcBef>
+                          <a:spcPts val="0"/>
+                        </a:spcBef>
+                        <a:spcAft>
+                          <a:spcPts val="0"/>
+                        </a:spcAft>
+                        <a:buClrTx/>
+                        <a:buSzTx/>
+                        <a:buFontTx/>
+                        <a:buNone/>
+                        <a:tabLst/>
+                        <a:defRPr/>
+                      </a:pPr>
+                      <a:r>
+                        <a:rPr lang="en-US" sz="1100" dirty="0"/>
+                        <a:t>✅</a:t>
+                      </a:r>
+                    </a:p>
+                  </a:txBody>
+                  <a:tcPr>
+                    <a:lnL w="12700" cap="flat" cmpd="sng" algn="ctr">
+                      <a:solidFill>
+                        <a:schemeClr val="tx1"/>
+                      </a:solidFill>
+                      <a:prstDash val="solid"/>
+                      <a:round/>
+                      <a:headEnd type="none" w="med" len="med"/>
+                      <a:tailEnd type="none" w="med" len="med"/>
+                    </a:lnL>
+                    <a:lnR w="12700" cap="flat" cmpd="sng" algn="ctr">
+                      <a:solidFill>
+                        <a:schemeClr val="tx1"/>
+                      </a:solidFill>
+                      <a:prstDash val="solid"/>
+                      <a:round/>
+                      <a:headEnd type="none" w="med" len="med"/>
+                      <a:tailEnd type="none" w="med" len="med"/>
+                    </a:lnR>
+                  </a:tcPr>
+                </a:tc>
+                <a:extLst>
+                  <a:ext uri="{0D108BD9-81ED-4DB2-BD59-A6C34878D82A}">
+                    <a16:rowId xmlns:a16="http://schemas.microsoft.com/office/drawing/2014/main" val="3440784862"/>
+                  </a:ext>
+                </a:extLst>
+              </a:tr>
+              <a:tr h="0">
+                <a:tc>
+                  <a:txBody>
+                    <a:bodyPr/>
+                    <a:lstStyle/>
+                    <a:p>
+                      <a:r>
+                        <a:rPr lang="en-US" sz="1100" dirty="0"/>
+                        <a:t>Getting Matches via :</a:t>
+                      </a:r>
+                      <a:endParaRPr lang="en-US" sz="1100" dirty="0">
+                        <a:solidFill>
+                          <a:schemeClr val="bg1"/>
+                        </a:solidFill>
+                      </a:endParaRPr>
+                    </a:p>
+                  </a:txBody>
+                  <a:tcPr>
+                    <a:lnR w="12700" cap="flat" cmpd="sng" algn="ctr">
+                      <a:solidFill>
+                        <a:schemeClr val="tx1"/>
+                      </a:solidFill>
+                      <a:prstDash val="solid"/>
+                      <a:round/>
+                      <a:headEnd type="none" w="med" len="med"/>
+                      <a:tailEnd type="none" w="med" len="med"/>
+                    </a:lnR>
+                    <a:solidFill>
+                      <a:schemeClr val="accent1">
+                        <a:lumMod val="60000"/>
+                        <a:lumOff val="40000"/>
+                      </a:schemeClr>
+                    </a:solidFill>
+                  </a:tcPr>
+                </a:tc>
+                <a:tc>
+                  <a:txBody>
+                    <a:bodyPr/>
+                    <a:lstStyle/>
+                    <a:p>
+                      <a:pPr algn="ctr"/>
+                      <a:endParaRPr lang="en-US" sz="1100" dirty="0">
+                        <a:solidFill>
+                          <a:schemeClr val="bg1"/>
+                        </a:solidFill>
+                      </a:endParaRPr>
+                    </a:p>
+                  </a:txBody>
+                  <a:tcPr>
+                    <a:lnL w="12700" cap="flat" cmpd="sng" algn="ctr">
+                      <a:solidFill>
+                        <a:schemeClr val="tx1"/>
+                      </a:solidFill>
+                      <a:prstDash val="solid"/>
+                      <a:round/>
+                      <a:headEnd type="none" w="med" len="med"/>
+                      <a:tailEnd type="none" w="med" len="med"/>
+                    </a:lnL>
+                    <a:lnR w="12700" cap="flat" cmpd="sng" algn="ctr">
+                      <a:solidFill>
+                        <a:schemeClr val="tx1"/>
+                      </a:solidFill>
+                      <a:prstDash val="solid"/>
+                      <a:round/>
+                      <a:headEnd type="none" w="med" len="med"/>
+                      <a:tailEnd type="none" w="med" len="med"/>
+                    </a:lnR>
+                    <a:solidFill>
+                      <a:schemeClr val="accent1">
+                        <a:lumMod val="60000"/>
+                        <a:lumOff val="40000"/>
+                      </a:schemeClr>
+                    </a:solidFill>
+                  </a:tcPr>
+                </a:tc>
+                <a:tc>
+                  <a:txBody>
+                    <a:bodyPr/>
+                    <a:lstStyle/>
+                    <a:p>
+                      <a:pPr algn="ctr"/>
+                      <a:endParaRPr lang="en-US" sz="1100" dirty="0">
+                        <a:solidFill>
+                          <a:schemeClr val="bg1"/>
+                        </a:solidFill>
+                      </a:endParaRPr>
+                    </a:p>
+                  </a:txBody>
+                  <a:tcPr>
+                    <a:lnL w="12700" cap="flat" cmpd="sng" algn="ctr">
+                      <a:solidFill>
+                        <a:schemeClr val="tx1"/>
+                      </a:solidFill>
+                      <a:prstDash val="solid"/>
+                      <a:round/>
+                      <a:headEnd type="none" w="med" len="med"/>
+                      <a:tailEnd type="none" w="med" len="med"/>
+                    </a:lnL>
+                    <a:lnR w="12700" cap="flat" cmpd="sng" algn="ctr">
+                      <a:solidFill>
+                        <a:schemeClr val="tx1"/>
+                      </a:solidFill>
+                      <a:prstDash val="solid"/>
+                      <a:round/>
+                      <a:headEnd type="none" w="med" len="med"/>
+                      <a:tailEnd type="none" w="med" len="med"/>
+                    </a:lnR>
+                    <a:solidFill>
+                      <a:schemeClr val="accent1">
+                        <a:lumMod val="60000"/>
+                        <a:lumOff val="40000"/>
+                      </a:schemeClr>
+                    </a:solidFill>
+                  </a:tcPr>
+                </a:tc>
+                <a:tc>
+                  <a:txBody>
+                    <a:bodyPr/>
+                    <a:lstStyle/>
+                    <a:p>
+                      <a:pPr algn="ctr"/>
+                      <a:endParaRPr lang="en-US" sz="1100" dirty="0">
+                        <a:solidFill>
+                          <a:schemeClr val="bg1"/>
+                        </a:solidFill>
+                      </a:endParaRPr>
+                    </a:p>
+                  </a:txBody>
+                  <a:tcPr>
+                    <a:lnL w="12700" cap="flat" cmpd="sng" algn="ctr">
+                      <a:solidFill>
+                        <a:schemeClr val="tx1"/>
+                      </a:solidFill>
+                      <a:prstDash val="solid"/>
+                      <a:round/>
+                      <a:headEnd type="none" w="med" len="med"/>
+                      <a:tailEnd type="none" w="med" len="med"/>
+                    </a:lnL>
+                    <a:lnR w="12700" cap="flat" cmpd="sng" algn="ctr">
+                      <a:solidFill>
+                        <a:schemeClr val="tx1"/>
+                      </a:solidFill>
+                      <a:prstDash val="solid"/>
+                      <a:round/>
+                      <a:headEnd type="none" w="med" len="med"/>
+                      <a:tailEnd type="none" w="med" len="med"/>
+                    </a:lnR>
+                    <a:solidFill>
+                      <a:schemeClr val="accent1">
+                        <a:lumMod val="60000"/>
+                        <a:lumOff val="40000"/>
+                      </a:schemeClr>
+                    </a:solidFill>
+                  </a:tcPr>
+                </a:tc>
+                <a:tc>
+                  <a:txBody>
+                    <a:bodyPr/>
+                    <a:lstStyle/>
+                    <a:p>
+                      <a:pPr algn="ctr"/>
+                      <a:endParaRPr lang="en-US" sz="1100" dirty="0">
+                        <a:solidFill>
+                          <a:schemeClr val="bg1"/>
+                        </a:solidFill>
+                      </a:endParaRPr>
+                    </a:p>
+                  </a:txBody>
+                  <a:tcPr>
+                    <a:lnL w="12700" cap="flat" cmpd="sng" algn="ctr">
+                      <a:solidFill>
+                        <a:schemeClr val="tx1"/>
+                      </a:solidFill>
+                      <a:prstDash val="solid"/>
+                      <a:round/>
+                      <a:headEnd type="none" w="med" len="med"/>
+                      <a:tailEnd type="none" w="med" len="med"/>
+                    </a:lnL>
+                    <a:lnR w="12700" cap="flat" cmpd="sng" algn="ctr">
+                      <a:solidFill>
+                        <a:schemeClr val="tx1"/>
+                      </a:solidFill>
+                      <a:prstDash val="solid"/>
+                      <a:round/>
+                      <a:headEnd type="none" w="med" len="med"/>
+                      <a:tailEnd type="none" w="med" len="med"/>
+                    </a:lnR>
+                    <a:solidFill>
+                      <a:schemeClr val="accent1">
+                        <a:lumMod val="60000"/>
+                        <a:lumOff val="40000"/>
+                      </a:schemeClr>
+                    </a:solidFill>
+                  </a:tcPr>
+                </a:tc>
+                <a:tc>
+                  <a:txBody>
+                    <a:bodyPr/>
+                    <a:lstStyle/>
+                    <a:p>
+                      <a:pPr algn="ctr"/>
+                      <a:endParaRPr lang="en-US" sz="1100" dirty="0">
+                        <a:solidFill>
+                          <a:schemeClr val="bg1"/>
+                        </a:solidFill>
+                      </a:endParaRPr>
+                    </a:p>
+                  </a:txBody>
+                  <a:tcPr>
+                    <a:lnL w="12700" cap="flat" cmpd="sng" algn="ctr">
+                      <a:solidFill>
+                        <a:schemeClr val="tx1"/>
+                      </a:solidFill>
+                      <a:prstDash val="solid"/>
+                      <a:round/>
+                      <a:headEnd type="none" w="med" len="med"/>
+                      <a:tailEnd type="none" w="med" len="med"/>
+                    </a:lnL>
+                    <a:lnR w="12700" cap="flat" cmpd="sng" algn="ctr">
+                      <a:solidFill>
+                        <a:schemeClr val="tx1"/>
+                      </a:solidFill>
+                      <a:prstDash val="solid"/>
+                      <a:round/>
+                      <a:headEnd type="none" w="med" len="med"/>
+                      <a:tailEnd type="none" w="med" len="med"/>
+                    </a:lnR>
+                    <a:solidFill>
+                      <a:schemeClr val="accent1">
+                        <a:lumMod val="60000"/>
+                        <a:lumOff val="40000"/>
+                      </a:schemeClr>
+                    </a:solidFill>
+                  </a:tcPr>
+                </a:tc>
+                <a:tc>
+                  <a:txBody>
+                    <a:bodyPr/>
+                    <a:lstStyle/>
+                    <a:p>
+                      <a:pPr algn="ctr"/>
+                      <a:endParaRPr lang="en-US" sz="1100" dirty="0">
+                        <a:solidFill>
+                          <a:schemeClr val="bg1"/>
+                        </a:solidFill>
+                      </a:endParaRPr>
+                    </a:p>
+                  </a:txBody>
+                  <a:tcPr>
+                    <a:lnL w="12700" cap="flat" cmpd="sng" algn="ctr">
+                      <a:solidFill>
+                        <a:schemeClr val="tx1"/>
+                      </a:solidFill>
+                      <a:prstDash val="solid"/>
+                      <a:round/>
+                      <a:headEnd type="none" w="med" len="med"/>
+                      <a:tailEnd type="none" w="med" len="med"/>
+                    </a:lnL>
+                    <a:lnR w="12700" cap="flat" cmpd="sng" algn="ctr">
+                      <a:solidFill>
+                        <a:schemeClr val="tx1"/>
+                      </a:solidFill>
+                      <a:prstDash val="solid"/>
+                      <a:round/>
+                      <a:headEnd type="none" w="med" len="med"/>
+                      <a:tailEnd type="none" w="med" len="med"/>
+                    </a:lnR>
+                    <a:solidFill>
+                      <a:schemeClr val="accent1">
+                        <a:lumMod val="60000"/>
+                        <a:lumOff val="40000"/>
+                      </a:schemeClr>
+                    </a:solidFill>
+                  </a:tcPr>
+                </a:tc>
+                <a:extLst>
+                  <a:ext uri="{0D108BD9-81ED-4DB2-BD59-A6C34878D82A}">
+                    <a16:rowId xmlns:a16="http://schemas.microsoft.com/office/drawing/2014/main" val="2390916447"/>
+                  </a:ext>
+                </a:extLst>
+              </a:tr>
+              <a:tr h="0">
+                <a:tc>
+                  <a:txBody>
+                    <a:bodyPr/>
+                    <a:lstStyle/>
+                    <a:p>
+                      <a:pPr algn="r"/>
+                      <a:r>
+                        <a:rPr lang="en-US" sz="1100" dirty="0"/>
+                        <a:t>Push notification (APNS, FCM)</a:t>
+                      </a:r>
+                    </a:p>
+                  </a:txBody>
+                  <a:tcPr>
+                    <a:lnR w="12700" cap="flat" cmpd="sng" algn="ctr">
+                      <a:solidFill>
+                        <a:schemeClr val="tx1"/>
+                      </a:solidFill>
+                      <a:prstDash val="solid"/>
+                      <a:round/>
+                      <a:headEnd type="none" w="med" len="med"/>
+                      <a:tailEnd type="none" w="med" len="med"/>
+                    </a:lnR>
+                  </a:tcPr>
+                </a:tc>
+                <a:tc>
+                  <a:txBody>
+                    <a:bodyPr/>
+                    <a:lstStyle/>
+                    <a:p>
+                      <a:pPr marL="0" marR="0" lvl="0" indent="0" algn="ctr" defTabSz="914400" rtl="0" eaLnBrk="1" fontAlgn="auto" latinLnBrk="0" hangingPunct="1">
+                        <a:lnSpc>
+                          <a:spcPct val="100000"/>
+                        </a:lnSpc>
+                        <a:spcBef>
+                          <a:spcPts val="0"/>
+                        </a:spcBef>
+                        <a:spcAft>
+                          <a:spcPts val="0"/>
+                        </a:spcAft>
+                        <a:buClrTx/>
+                        <a:buSzTx/>
+                        <a:buFontTx/>
+                        <a:buNone/>
+                        <a:tabLst/>
+                        <a:defRPr/>
+                      </a:pPr>
+                      <a:r>
+                        <a:rPr lang="en-US" sz="1100" dirty="0"/>
+                        <a:t>✅</a:t>
+                      </a:r>
+                    </a:p>
+                  </a:txBody>
+                  <a:tcPr>
+                    <a:lnL w="12700" cap="flat" cmpd="sng" algn="ctr">
+                      <a:solidFill>
+                        <a:schemeClr val="tx1"/>
+                      </a:solidFill>
+                      <a:prstDash val="solid"/>
+                      <a:round/>
+                      <a:headEnd type="none" w="med" len="med"/>
+                      <a:tailEnd type="none" w="med" len="med"/>
+                    </a:lnL>
+                    <a:lnR w="12700" cap="flat" cmpd="sng" algn="ctr">
+                      <a:solidFill>
+                        <a:schemeClr val="tx1"/>
+                      </a:solidFill>
+                      <a:prstDash val="solid"/>
+                      <a:round/>
+                      <a:headEnd type="none" w="med" len="med"/>
+                      <a:tailEnd type="none" w="med" len="med"/>
+                    </a:lnR>
+                  </a:tcPr>
+                </a:tc>
+                <a:tc>
+                  <a:txBody>
+                    <a:bodyPr/>
+                    <a:lstStyle/>
+                    <a:p>
+                      <a:pPr marL="0" marR="0" lvl="0" indent="0" algn="ctr" defTabSz="914400" rtl="0" eaLnBrk="1" fontAlgn="auto" latinLnBrk="0" hangingPunct="1">
+                        <a:lnSpc>
+                          <a:spcPct val="100000"/>
+                        </a:lnSpc>
+                        <a:spcBef>
+                          <a:spcPts val="0"/>
+                        </a:spcBef>
+                        <a:spcAft>
+                          <a:spcPts val="0"/>
+                        </a:spcAft>
+                        <a:buClrTx/>
+                        <a:buSzTx/>
+                        <a:buFontTx/>
+                        <a:buNone/>
+                        <a:tabLst/>
+                        <a:defRPr/>
+                      </a:pPr>
+                      <a:r>
+                        <a:rPr lang="en-US" sz="1100" dirty="0"/>
+                        <a:t>✅</a:t>
+                      </a:r>
+                    </a:p>
+                  </a:txBody>
+                  <a:tcPr>
+                    <a:lnL w="12700" cap="flat" cmpd="sng" algn="ctr">
+                      <a:solidFill>
+                        <a:schemeClr val="tx1"/>
+                      </a:solidFill>
+                      <a:prstDash val="solid"/>
+                      <a:round/>
+                      <a:headEnd type="none" w="med" len="med"/>
+                      <a:tailEnd type="none" w="med" len="med"/>
+                    </a:lnL>
+                    <a:lnR w="12700" cap="flat" cmpd="sng" algn="ctr">
+                      <a:solidFill>
+                        <a:schemeClr val="tx1"/>
+                      </a:solidFill>
+                      <a:prstDash val="solid"/>
+                      <a:round/>
+                      <a:headEnd type="none" w="med" len="med"/>
+                      <a:tailEnd type="none" w="med" len="med"/>
+                    </a:lnR>
+                  </a:tcPr>
+                </a:tc>
+                <a:tc>
+                  <a:txBody>
+                    <a:bodyPr/>
+                    <a:lstStyle/>
+                    <a:p>
+                      <a:pPr marL="0" marR="0" lvl="0" indent="0" algn="ctr" defTabSz="914400" rtl="0" eaLnBrk="1" fontAlgn="auto" latinLnBrk="0" hangingPunct="1">
+                        <a:lnSpc>
+                          <a:spcPct val="100000"/>
+                        </a:lnSpc>
+                        <a:spcBef>
+                          <a:spcPts val="0"/>
+                        </a:spcBef>
+                        <a:spcAft>
+                          <a:spcPts val="0"/>
+                        </a:spcAft>
+                        <a:buClrTx/>
+                        <a:buSzTx/>
+                        <a:buFontTx/>
+                        <a:buNone/>
+                        <a:tabLst/>
+                        <a:defRPr/>
+                      </a:pPr>
+                      <a:r>
+                        <a:rPr lang="en-US" sz="1100"/>
+                        <a:t>❌</a:t>
+                      </a:r>
+                    </a:p>
+                  </a:txBody>
+                  <a:tcPr>
+                    <a:lnL w="12700" cap="flat" cmpd="sng" algn="ctr">
+                      <a:solidFill>
+                        <a:schemeClr val="tx1"/>
+                      </a:solidFill>
+                      <a:prstDash val="solid"/>
+                      <a:round/>
+                      <a:headEnd type="none" w="med" len="med"/>
+                      <a:tailEnd type="none" w="med" len="med"/>
+                    </a:lnL>
+                    <a:lnR w="12700" cap="flat" cmpd="sng" algn="ctr">
+                      <a:solidFill>
+                        <a:schemeClr val="tx1"/>
+                      </a:solidFill>
+                      <a:prstDash val="solid"/>
+                      <a:round/>
+                      <a:headEnd type="none" w="med" len="med"/>
+                      <a:tailEnd type="none" w="med" len="med"/>
+                    </a:lnR>
+                  </a:tcPr>
+                </a:tc>
+                <a:tc>
+                  <a:txBody>
+                    <a:bodyPr/>
+                    <a:lstStyle/>
+                    <a:p>
+                      <a:pPr marL="0" marR="0" lvl="0" indent="0" algn="ctr" defTabSz="914400" rtl="0" eaLnBrk="1" fontAlgn="auto" latinLnBrk="0" hangingPunct="1">
+                        <a:lnSpc>
+                          <a:spcPct val="100000"/>
+                        </a:lnSpc>
+                        <a:spcBef>
+                          <a:spcPts val="0"/>
+                        </a:spcBef>
+                        <a:spcAft>
+                          <a:spcPts val="0"/>
+                        </a:spcAft>
+                        <a:buClrTx/>
+                        <a:buSzTx/>
+                        <a:buFontTx/>
+                        <a:buNone/>
+                        <a:tabLst/>
+                        <a:defRPr/>
+                      </a:pPr>
+                      <a:r>
+                        <a:rPr lang="en-US" sz="1100" dirty="0"/>
+                        <a:t>✅</a:t>
+                      </a:r>
+                    </a:p>
+                  </a:txBody>
+                  <a:tcPr>
+                    <a:lnL w="12700" cap="flat" cmpd="sng" algn="ctr">
+                      <a:solidFill>
+                        <a:schemeClr val="tx1"/>
+                      </a:solidFill>
+                      <a:prstDash val="solid"/>
+                      <a:round/>
+                      <a:headEnd type="none" w="med" len="med"/>
+                      <a:tailEnd type="none" w="med" len="med"/>
+                    </a:lnL>
+                    <a:lnR w="12700" cap="flat" cmpd="sng" algn="ctr">
+                      <a:solidFill>
+                        <a:schemeClr val="tx1"/>
+                      </a:solidFill>
+                      <a:prstDash val="solid"/>
+                      <a:round/>
+                      <a:headEnd type="none" w="med" len="med"/>
+                      <a:tailEnd type="none" w="med" len="med"/>
+                    </a:lnR>
+                  </a:tcPr>
+                </a:tc>
+                <a:tc>
+                  <a:txBody>
+                    <a:bodyPr/>
+                    <a:lstStyle/>
+                    <a:p>
+                      <a:pPr marL="0" marR="0" lvl="0" indent="0" algn="ctr" defTabSz="914400" rtl="0" eaLnBrk="1" fontAlgn="auto" latinLnBrk="0" hangingPunct="1">
+                        <a:lnSpc>
+                          <a:spcPct val="100000"/>
+                        </a:lnSpc>
+                        <a:spcBef>
+                          <a:spcPts val="0"/>
+                        </a:spcBef>
+                        <a:spcAft>
+                          <a:spcPts val="0"/>
+                        </a:spcAft>
+                        <a:buClrTx/>
+                        <a:buSzTx/>
+                        <a:buFontTx/>
+                        <a:buNone/>
+                        <a:tabLst/>
+                        <a:defRPr/>
+                      </a:pPr>
+                      <a:r>
+                        <a:rPr lang="en-US" sz="1100" dirty="0"/>
+                        <a:t>✅</a:t>
+                      </a:r>
+                    </a:p>
+                  </a:txBody>
+                  <a:tcPr>
+                    <a:lnL w="12700" cap="flat" cmpd="sng" algn="ctr">
+                      <a:solidFill>
+                        <a:schemeClr val="tx1"/>
+                      </a:solidFill>
+                      <a:prstDash val="solid"/>
+                      <a:round/>
+                      <a:headEnd type="none" w="med" len="med"/>
+                      <a:tailEnd type="none" w="med" len="med"/>
+                    </a:lnL>
+                    <a:lnR w="12700" cap="flat" cmpd="sng" algn="ctr">
+                      <a:solidFill>
+                        <a:schemeClr val="tx1"/>
+                      </a:solidFill>
+                      <a:prstDash val="solid"/>
+                      <a:round/>
+                      <a:headEnd type="none" w="med" len="med"/>
+                      <a:tailEnd type="none" w="med" len="med"/>
+                    </a:lnR>
+                  </a:tcPr>
+                </a:tc>
+                <a:tc>
+                  <a:txBody>
+                    <a:bodyPr/>
+                    <a:lstStyle/>
+                    <a:p>
+                      <a:pPr marL="0" marR="0" lvl="0" indent="0" algn="ctr" defTabSz="914400" rtl="0" eaLnBrk="1" fontAlgn="auto" latinLnBrk="0" hangingPunct="1">
+                        <a:lnSpc>
+                          <a:spcPct val="100000"/>
+                        </a:lnSpc>
+                        <a:spcBef>
+                          <a:spcPts val="0"/>
+                        </a:spcBef>
+                        <a:spcAft>
+                          <a:spcPts val="0"/>
+                        </a:spcAft>
+                        <a:buClrTx/>
+                        <a:buSzTx/>
+                        <a:buFontTx/>
+                        <a:buNone/>
+                        <a:tabLst/>
+                        <a:defRPr/>
+                      </a:pPr>
+                      <a:r>
+                        <a:rPr lang="en-US" sz="1100" dirty="0"/>
+                        <a:t>✅</a:t>
+                      </a:r>
+                    </a:p>
+                  </a:txBody>
+                  <a:tcPr>
+                    <a:lnL w="12700" cap="flat" cmpd="sng" algn="ctr">
+                      <a:solidFill>
+                        <a:schemeClr val="tx1"/>
+                      </a:solidFill>
+                      <a:prstDash val="solid"/>
+                      <a:round/>
+                      <a:headEnd type="none" w="med" len="med"/>
+                      <a:tailEnd type="none" w="med" len="med"/>
+                    </a:lnL>
+                    <a:lnR w="12700" cap="flat" cmpd="sng" algn="ctr">
+                      <a:solidFill>
+                        <a:schemeClr val="tx1"/>
+                      </a:solidFill>
+                      <a:prstDash val="solid"/>
+                      <a:round/>
+                      <a:headEnd type="none" w="med" len="med"/>
+                      <a:tailEnd type="none" w="med" len="med"/>
+                    </a:lnR>
+                  </a:tcPr>
+                </a:tc>
+                <a:extLst>
+                  <a:ext uri="{0D108BD9-81ED-4DB2-BD59-A6C34878D82A}">
+                    <a16:rowId xmlns:a16="http://schemas.microsoft.com/office/drawing/2014/main" val="2379558656"/>
+                  </a:ext>
+                </a:extLst>
+              </a:tr>
+              <a:tr h="0">
+                <a:tc>
+                  <a:txBody>
+                    <a:bodyPr/>
+                    <a:lstStyle/>
+                    <a:p>
+                      <a:pPr algn="r"/>
+                      <a:r>
+                        <a:rPr lang="en-US" sz="1100" dirty="0"/>
+                        <a:t>WebSocket</a:t>
+                      </a:r>
+                    </a:p>
+                  </a:txBody>
+                  <a:tcPr>
+                    <a:lnR w="12700" cap="flat" cmpd="sng" algn="ctr">
+                      <a:solidFill>
+                        <a:schemeClr val="tx1"/>
+                      </a:solidFill>
+                      <a:prstDash val="solid"/>
+                      <a:round/>
+                      <a:headEnd type="none" w="med" len="med"/>
+                      <a:tailEnd type="none" w="med" len="med"/>
+                    </a:lnR>
+                  </a:tcPr>
+                </a:tc>
+                <a:tc>
+                  <a:txBody>
+                    <a:bodyPr/>
+                    <a:lstStyle/>
+                    <a:p>
+                      <a:pPr marL="0" marR="0" lvl="0" indent="0" algn="ctr" defTabSz="914400" rtl="0" eaLnBrk="1" fontAlgn="auto" latinLnBrk="0" hangingPunct="1">
+                        <a:lnSpc>
+                          <a:spcPct val="100000"/>
+                        </a:lnSpc>
+                        <a:spcBef>
+                          <a:spcPts val="0"/>
+                        </a:spcBef>
+                        <a:spcAft>
+                          <a:spcPts val="0"/>
+                        </a:spcAft>
+                        <a:buClrTx/>
+                        <a:buSzTx/>
+                        <a:buFontTx/>
+                        <a:buNone/>
+                        <a:tabLst/>
+                        <a:defRPr/>
+                      </a:pPr>
+                      <a:r>
+                        <a:rPr lang="en-US" sz="1100" dirty="0"/>
+                        <a:t>✅</a:t>
+                      </a:r>
+                    </a:p>
+                  </a:txBody>
+                  <a:tcPr>
+                    <a:lnL w="12700" cap="flat" cmpd="sng" algn="ctr">
+                      <a:solidFill>
+                        <a:schemeClr val="tx1"/>
+                      </a:solidFill>
+                      <a:prstDash val="solid"/>
+                      <a:round/>
+                      <a:headEnd type="none" w="med" len="med"/>
+                      <a:tailEnd type="none" w="med" len="med"/>
+                    </a:lnL>
+                    <a:lnR w="12700" cap="flat" cmpd="sng" algn="ctr">
+                      <a:solidFill>
+                        <a:schemeClr val="tx1"/>
+                      </a:solidFill>
+                      <a:prstDash val="solid"/>
+                      <a:round/>
+                      <a:headEnd type="none" w="med" len="med"/>
+                      <a:tailEnd type="none" w="med" len="med"/>
+                    </a:lnR>
+                  </a:tcPr>
+                </a:tc>
+                <a:tc>
+                  <a:txBody>
+                    <a:bodyPr/>
+                    <a:lstStyle/>
+                    <a:p>
+                      <a:pPr marL="0" marR="0" lvl="0" indent="0" algn="ctr" defTabSz="914400" rtl="0" eaLnBrk="1" fontAlgn="auto" latinLnBrk="0" hangingPunct="1">
+                        <a:lnSpc>
+                          <a:spcPct val="100000"/>
+                        </a:lnSpc>
+                        <a:spcBef>
+                          <a:spcPts val="0"/>
+                        </a:spcBef>
+                        <a:spcAft>
+                          <a:spcPts val="0"/>
+                        </a:spcAft>
+                        <a:buClrTx/>
+                        <a:buSzTx/>
+                        <a:buFontTx/>
+                        <a:buNone/>
+                        <a:tabLst/>
+                        <a:defRPr/>
+                      </a:pPr>
+                      <a:r>
+                        <a:rPr lang="en-US" sz="1100" dirty="0"/>
+                        <a:t>✅</a:t>
+                      </a:r>
+                    </a:p>
+                  </a:txBody>
+                  <a:tcPr>
+                    <a:lnL w="12700" cap="flat" cmpd="sng" algn="ctr">
+                      <a:solidFill>
+                        <a:schemeClr val="tx1"/>
+                      </a:solidFill>
+                      <a:prstDash val="solid"/>
+                      <a:round/>
+                      <a:headEnd type="none" w="med" len="med"/>
+                      <a:tailEnd type="none" w="med" len="med"/>
+                    </a:lnL>
+                    <a:lnR w="12700" cap="flat" cmpd="sng" algn="ctr">
+                      <a:solidFill>
+                        <a:schemeClr val="tx1"/>
+                      </a:solidFill>
+                      <a:prstDash val="solid"/>
+                      <a:round/>
+                      <a:headEnd type="none" w="med" len="med"/>
+                      <a:tailEnd type="none" w="med" len="med"/>
+                    </a:lnR>
+                  </a:tcPr>
+                </a:tc>
+                <a:tc>
+                  <a:txBody>
+                    <a:bodyPr/>
+                    <a:lstStyle/>
+                    <a:p>
+                      <a:pPr marL="0" marR="0" lvl="0" indent="0" algn="ctr" defTabSz="914400" rtl="0" eaLnBrk="1" fontAlgn="auto" latinLnBrk="0" hangingPunct="1">
+                        <a:lnSpc>
+                          <a:spcPct val="100000"/>
+                        </a:lnSpc>
+                        <a:spcBef>
+                          <a:spcPts val="0"/>
+                        </a:spcBef>
+                        <a:spcAft>
+                          <a:spcPts val="0"/>
+                        </a:spcAft>
+                        <a:buClrTx/>
+                        <a:buSzTx/>
+                        <a:buFontTx/>
+                        <a:buNone/>
+                        <a:tabLst/>
+                        <a:defRPr/>
+                      </a:pPr>
+                      <a:r>
+                        <a:rPr lang="en-US" sz="1100" dirty="0"/>
+                        <a:t>✅</a:t>
+                      </a:r>
+                    </a:p>
+                  </a:txBody>
+                  <a:tcPr>
+                    <a:lnL w="12700" cap="flat" cmpd="sng" algn="ctr">
+                      <a:solidFill>
+                        <a:schemeClr val="tx1"/>
+                      </a:solidFill>
+                      <a:prstDash val="solid"/>
+                      <a:round/>
+                      <a:headEnd type="none" w="med" len="med"/>
+                      <a:tailEnd type="none" w="med" len="med"/>
+                    </a:lnL>
+                    <a:lnR w="12700" cap="flat" cmpd="sng" algn="ctr">
+                      <a:solidFill>
+                        <a:schemeClr val="tx1"/>
+                      </a:solidFill>
+                      <a:prstDash val="solid"/>
+                      <a:round/>
+                      <a:headEnd type="none" w="med" len="med"/>
+                      <a:tailEnd type="none" w="med" len="med"/>
+                    </a:lnR>
+                  </a:tcPr>
+                </a:tc>
+                <a:tc>
+                  <a:txBody>
+                    <a:bodyPr/>
+                    <a:lstStyle/>
+                    <a:p>
+                      <a:pPr marL="0" marR="0" lvl="0" indent="0" algn="ctr" defTabSz="914400" rtl="0" eaLnBrk="1" fontAlgn="auto" latinLnBrk="0" hangingPunct="1">
+                        <a:lnSpc>
+                          <a:spcPct val="100000"/>
+                        </a:lnSpc>
+                        <a:spcBef>
+                          <a:spcPts val="0"/>
+                        </a:spcBef>
+                        <a:spcAft>
+                          <a:spcPts val="0"/>
+                        </a:spcAft>
+                        <a:buClrTx/>
+                        <a:buSzTx/>
+                        <a:buFontTx/>
+                        <a:buNone/>
+                        <a:tabLst/>
+                        <a:defRPr/>
+                      </a:pPr>
+                      <a:r>
+                        <a:rPr lang="en-US" sz="1100" dirty="0"/>
+                        <a:t>✅</a:t>
+                      </a:r>
+                    </a:p>
+                  </a:txBody>
+                  <a:tcPr>
+                    <a:lnL w="12700" cap="flat" cmpd="sng" algn="ctr">
+                      <a:solidFill>
+                        <a:schemeClr val="tx1"/>
+                      </a:solidFill>
+                      <a:prstDash val="solid"/>
+                      <a:round/>
+                      <a:headEnd type="none" w="med" len="med"/>
+                      <a:tailEnd type="none" w="med" len="med"/>
+                    </a:lnL>
+                    <a:lnR w="12700" cap="flat" cmpd="sng" algn="ctr">
+                      <a:solidFill>
+                        <a:schemeClr val="tx1"/>
+                      </a:solidFill>
+                      <a:prstDash val="solid"/>
+                      <a:round/>
+                      <a:headEnd type="none" w="med" len="med"/>
+                      <a:tailEnd type="none" w="med" len="med"/>
+                    </a:lnR>
+                  </a:tcPr>
+                </a:tc>
+                <a:tc>
+                  <a:txBody>
+                    <a:bodyPr/>
+                    <a:lstStyle/>
+                    <a:p>
+                      <a:pPr marL="0" marR="0" lvl="0" indent="0" algn="ctr" defTabSz="914400" rtl="0" eaLnBrk="1" fontAlgn="auto" latinLnBrk="0" hangingPunct="1">
+                        <a:lnSpc>
+                          <a:spcPct val="100000"/>
+                        </a:lnSpc>
+                        <a:spcBef>
+                          <a:spcPts val="0"/>
+                        </a:spcBef>
+                        <a:spcAft>
+                          <a:spcPts val="0"/>
+                        </a:spcAft>
+                        <a:buClrTx/>
+                        <a:buSzTx/>
+                        <a:buFontTx/>
+                        <a:buNone/>
+                        <a:tabLst/>
+                        <a:defRPr/>
+                      </a:pPr>
+                      <a:r>
+                        <a:rPr lang="en-US" sz="1100" dirty="0"/>
+                        <a:t>✅</a:t>
+                      </a:r>
+                    </a:p>
+                  </a:txBody>
+                  <a:tcPr>
+                    <a:lnL w="12700" cap="flat" cmpd="sng" algn="ctr">
+                      <a:solidFill>
+                        <a:schemeClr val="tx1"/>
+                      </a:solidFill>
+                      <a:prstDash val="solid"/>
+                      <a:round/>
+                      <a:headEnd type="none" w="med" len="med"/>
+                      <a:tailEnd type="none" w="med" len="med"/>
+                    </a:lnL>
+                    <a:lnR w="12700" cap="flat" cmpd="sng" algn="ctr">
+                      <a:solidFill>
+                        <a:schemeClr val="tx1"/>
+                      </a:solidFill>
+                      <a:prstDash val="solid"/>
+                      <a:round/>
+                      <a:headEnd type="none" w="med" len="med"/>
+                      <a:tailEnd type="none" w="med" len="med"/>
+                    </a:lnR>
+                  </a:tcPr>
+                </a:tc>
+                <a:tc>
+                  <a:txBody>
+                    <a:bodyPr/>
+                    <a:lstStyle/>
+                    <a:p>
+                      <a:pPr marL="0" marR="0" lvl="0" indent="0" algn="ctr" defTabSz="914400" rtl="0" eaLnBrk="1" fontAlgn="auto" latinLnBrk="0" hangingPunct="1">
+                        <a:lnSpc>
+                          <a:spcPct val="100000"/>
+                        </a:lnSpc>
+                        <a:spcBef>
+                          <a:spcPts val="0"/>
+                        </a:spcBef>
+                        <a:spcAft>
+                          <a:spcPts val="0"/>
+                        </a:spcAft>
+                        <a:buClrTx/>
+                        <a:buSzTx/>
+                        <a:buFontTx/>
+                        <a:buNone/>
+                        <a:tabLst/>
+                        <a:defRPr/>
+                      </a:pPr>
+                      <a:r>
+                        <a:rPr lang="en-US" sz="1100" dirty="0"/>
+                        <a:t>✅</a:t>
+                      </a:r>
+                    </a:p>
+                  </a:txBody>
+                  <a:tcPr>
+                    <a:lnL w="12700" cap="flat" cmpd="sng" algn="ctr">
+                      <a:solidFill>
+                        <a:schemeClr val="tx1"/>
+                      </a:solidFill>
+                      <a:prstDash val="solid"/>
+                      <a:round/>
+                      <a:headEnd type="none" w="med" len="med"/>
+                      <a:tailEnd type="none" w="med" len="med"/>
+                    </a:lnL>
+                    <a:lnR w="12700" cap="flat" cmpd="sng" algn="ctr">
+                      <a:solidFill>
+                        <a:schemeClr val="tx1"/>
+                      </a:solidFill>
+                      <a:prstDash val="solid"/>
+                      <a:round/>
+                      <a:headEnd type="none" w="med" len="med"/>
+                      <a:tailEnd type="none" w="med" len="med"/>
+                    </a:lnR>
+                  </a:tcPr>
+                </a:tc>
+                <a:extLst>
+                  <a:ext uri="{0D108BD9-81ED-4DB2-BD59-A6C34878D82A}">
+                    <a16:rowId xmlns:a16="http://schemas.microsoft.com/office/drawing/2014/main" val="3057158034"/>
+                  </a:ext>
+                </a:extLst>
+              </a:tr>
+              <a:tr h="0">
+                <a:tc>
+                  <a:txBody>
+                    <a:bodyPr/>
+                    <a:lstStyle/>
+                    <a:p>
+                      <a:pPr algn="r"/>
+                      <a:r>
+                        <a:rPr lang="en-US" sz="1100" dirty="0"/>
+                        <a:t>Polling</a:t>
+                      </a:r>
+                    </a:p>
+                  </a:txBody>
+                  <a:tcPr>
+                    <a:lnR w="12700" cap="flat" cmpd="sng" algn="ctr">
+                      <a:solidFill>
+                        <a:schemeClr val="tx1"/>
+                      </a:solidFill>
+                      <a:prstDash val="solid"/>
+                      <a:round/>
+                      <a:headEnd type="none" w="med" len="med"/>
+                      <a:tailEnd type="none" w="med" len="med"/>
+                    </a:lnR>
+                  </a:tcPr>
+                </a:tc>
+                <a:tc>
+                  <a:txBody>
+                    <a:bodyPr/>
+                    <a:lstStyle/>
+                    <a:p>
+                      <a:pPr marL="0" marR="0" lvl="0" indent="0" algn="ctr" defTabSz="914400" rtl="0" eaLnBrk="1" fontAlgn="auto" latinLnBrk="0" hangingPunct="1">
+                        <a:lnSpc>
+                          <a:spcPct val="100000"/>
+                        </a:lnSpc>
+                        <a:spcBef>
+                          <a:spcPts val="0"/>
+                        </a:spcBef>
+                        <a:spcAft>
+                          <a:spcPts val="0"/>
+                        </a:spcAft>
+                        <a:buClrTx/>
+                        <a:buSzTx/>
+                        <a:buFontTx/>
+                        <a:buNone/>
+                        <a:tabLst/>
+                        <a:defRPr/>
+                      </a:pPr>
+                      <a:r>
+                        <a:rPr lang="en-US" sz="1100" dirty="0"/>
+                        <a:t>✅</a:t>
+                      </a:r>
+                    </a:p>
+                  </a:txBody>
+                  <a:tcPr>
+                    <a:lnL w="12700" cap="flat" cmpd="sng" algn="ctr">
+                      <a:solidFill>
+                        <a:schemeClr val="tx1"/>
+                      </a:solidFill>
+                      <a:prstDash val="solid"/>
+                      <a:round/>
+                      <a:headEnd type="none" w="med" len="med"/>
+                      <a:tailEnd type="none" w="med" len="med"/>
+                    </a:lnL>
+                    <a:lnR w="12700" cap="flat" cmpd="sng" algn="ctr">
+                      <a:solidFill>
+                        <a:schemeClr val="tx1"/>
+                      </a:solidFill>
+                      <a:prstDash val="solid"/>
+                      <a:round/>
+                      <a:headEnd type="none" w="med" len="med"/>
+                      <a:tailEnd type="none" w="med" len="med"/>
+                    </a:lnR>
+                  </a:tcPr>
+                </a:tc>
+                <a:tc>
+                  <a:txBody>
+                    <a:bodyPr/>
+                    <a:lstStyle/>
+                    <a:p>
+                      <a:pPr marL="0" marR="0" lvl="0" indent="0" algn="ctr" defTabSz="914400" rtl="0" eaLnBrk="1" fontAlgn="auto" latinLnBrk="0" hangingPunct="1">
+                        <a:lnSpc>
+                          <a:spcPct val="100000"/>
+                        </a:lnSpc>
+                        <a:spcBef>
+                          <a:spcPts val="0"/>
+                        </a:spcBef>
+                        <a:spcAft>
+                          <a:spcPts val="0"/>
+                        </a:spcAft>
+                        <a:buClrTx/>
+                        <a:buSzTx/>
+                        <a:buFontTx/>
+                        <a:buNone/>
+                        <a:tabLst/>
+                        <a:defRPr/>
+                      </a:pPr>
+                      <a:r>
+                        <a:rPr lang="en-US" sz="1100" dirty="0"/>
+                        <a:t>✅</a:t>
+                      </a:r>
+                    </a:p>
+                  </a:txBody>
+                  <a:tcPr>
+                    <a:lnL w="12700" cap="flat" cmpd="sng" algn="ctr">
+                      <a:solidFill>
+                        <a:schemeClr val="tx1"/>
+                      </a:solidFill>
+                      <a:prstDash val="solid"/>
+                      <a:round/>
+                      <a:headEnd type="none" w="med" len="med"/>
+                      <a:tailEnd type="none" w="med" len="med"/>
+                    </a:lnL>
+                    <a:lnR w="12700" cap="flat" cmpd="sng" algn="ctr">
+                      <a:solidFill>
+                        <a:schemeClr val="tx1"/>
+                      </a:solidFill>
+                      <a:prstDash val="solid"/>
+                      <a:round/>
+                      <a:headEnd type="none" w="med" len="med"/>
+                      <a:tailEnd type="none" w="med" len="med"/>
+                    </a:lnR>
+                  </a:tcPr>
+                </a:tc>
+                <a:tc>
+                  <a:txBody>
+                    <a:bodyPr/>
+                    <a:lstStyle/>
+                    <a:p>
+                      <a:pPr marL="0" marR="0" lvl="0" indent="0" algn="ctr" defTabSz="914400" rtl="0" eaLnBrk="1" fontAlgn="auto" latinLnBrk="0" hangingPunct="1">
+                        <a:lnSpc>
+                          <a:spcPct val="100000"/>
+                        </a:lnSpc>
+                        <a:spcBef>
+                          <a:spcPts val="0"/>
+                        </a:spcBef>
+                        <a:spcAft>
+                          <a:spcPts val="0"/>
+                        </a:spcAft>
+                        <a:buClrTx/>
+                        <a:buSzTx/>
+                        <a:buFontTx/>
+                        <a:buNone/>
+                        <a:tabLst/>
+                        <a:defRPr/>
+                      </a:pPr>
+                      <a:r>
+                        <a:rPr lang="en-US" sz="1100" dirty="0"/>
+                        <a:t>✅</a:t>
+                      </a:r>
+                    </a:p>
+                  </a:txBody>
+                  <a:tcPr>
+                    <a:lnL w="12700" cap="flat" cmpd="sng" algn="ctr">
+                      <a:solidFill>
+                        <a:schemeClr val="tx1"/>
+                      </a:solidFill>
+                      <a:prstDash val="solid"/>
+                      <a:round/>
+                      <a:headEnd type="none" w="med" len="med"/>
+                      <a:tailEnd type="none" w="med" len="med"/>
+                    </a:lnL>
+                    <a:lnR w="12700" cap="flat" cmpd="sng" algn="ctr">
+                      <a:solidFill>
+                        <a:schemeClr val="tx1"/>
+                      </a:solidFill>
+                      <a:prstDash val="solid"/>
+                      <a:round/>
+                      <a:headEnd type="none" w="med" len="med"/>
+                      <a:tailEnd type="none" w="med" len="med"/>
+                    </a:lnR>
+                  </a:tcPr>
+                </a:tc>
+                <a:tc>
+                  <a:txBody>
+                    <a:bodyPr/>
+                    <a:lstStyle/>
+                    <a:p>
+                      <a:pPr marL="0" marR="0" lvl="0" indent="0" algn="ctr" defTabSz="914400" rtl="0" eaLnBrk="1" fontAlgn="auto" latinLnBrk="0" hangingPunct="1">
+                        <a:lnSpc>
+                          <a:spcPct val="100000"/>
+                        </a:lnSpc>
+                        <a:spcBef>
+                          <a:spcPts val="0"/>
+                        </a:spcBef>
+                        <a:spcAft>
+                          <a:spcPts val="0"/>
+                        </a:spcAft>
+                        <a:buClrTx/>
+                        <a:buSzTx/>
+                        <a:buFontTx/>
+                        <a:buNone/>
+                        <a:tabLst/>
+                        <a:defRPr/>
+                      </a:pPr>
+                      <a:r>
+                        <a:rPr lang="en-US" sz="1100" dirty="0"/>
+                        <a:t>✅</a:t>
+                      </a:r>
+                    </a:p>
+                  </a:txBody>
+                  <a:tcPr>
+                    <a:lnL w="12700" cap="flat" cmpd="sng" algn="ctr">
+                      <a:solidFill>
+                        <a:schemeClr val="tx1"/>
+                      </a:solidFill>
+                      <a:prstDash val="solid"/>
+                      <a:round/>
+                      <a:headEnd type="none" w="med" len="med"/>
+                      <a:tailEnd type="none" w="med" len="med"/>
+                    </a:lnL>
+                    <a:lnR w="12700" cap="flat" cmpd="sng" algn="ctr">
+                      <a:solidFill>
+                        <a:schemeClr val="tx1"/>
+                      </a:solidFill>
+                      <a:prstDash val="solid"/>
+                      <a:round/>
+                      <a:headEnd type="none" w="med" len="med"/>
+                      <a:tailEnd type="none" w="med" len="med"/>
+                    </a:lnR>
+                  </a:tcPr>
+                </a:tc>
+                <a:tc>
+                  <a:txBody>
+                    <a:bodyPr/>
+                    <a:lstStyle/>
+                    <a:p>
+                      <a:pPr marL="0" marR="0" lvl="0" indent="0" algn="ctr" defTabSz="914400" rtl="0" eaLnBrk="1" fontAlgn="auto" latinLnBrk="0" hangingPunct="1">
+                        <a:lnSpc>
+                          <a:spcPct val="100000"/>
+                        </a:lnSpc>
+                        <a:spcBef>
+                          <a:spcPts val="0"/>
+                        </a:spcBef>
+                        <a:spcAft>
+                          <a:spcPts val="0"/>
+                        </a:spcAft>
+                        <a:buClrTx/>
+                        <a:buSzTx/>
+                        <a:buFontTx/>
+                        <a:buNone/>
+                        <a:tabLst/>
+                        <a:defRPr/>
+                      </a:pPr>
+                      <a:r>
+                        <a:rPr lang="en-US" sz="1100" dirty="0"/>
+                        <a:t>✅</a:t>
+                      </a:r>
+                    </a:p>
+                  </a:txBody>
+                  <a:tcPr>
+                    <a:lnL w="12700" cap="flat" cmpd="sng" algn="ctr">
+                      <a:solidFill>
+                        <a:schemeClr val="tx1"/>
+                      </a:solidFill>
+                      <a:prstDash val="solid"/>
+                      <a:round/>
+                      <a:headEnd type="none" w="med" len="med"/>
+                      <a:tailEnd type="none" w="med" len="med"/>
+                    </a:lnL>
+                    <a:lnR w="12700" cap="flat" cmpd="sng" algn="ctr">
+                      <a:solidFill>
+                        <a:schemeClr val="tx1"/>
+                      </a:solidFill>
+                      <a:prstDash val="solid"/>
+                      <a:round/>
+                      <a:headEnd type="none" w="med" len="med"/>
+                      <a:tailEnd type="none" w="med" len="med"/>
+                    </a:lnR>
+                  </a:tcPr>
+                </a:tc>
+                <a:tc>
+                  <a:txBody>
+                    <a:bodyPr/>
+                    <a:lstStyle/>
+                    <a:p>
+                      <a:pPr marL="0" marR="0" lvl="0" indent="0" algn="ctr" defTabSz="914400" rtl="0" eaLnBrk="1" fontAlgn="auto" latinLnBrk="0" hangingPunct="1">
+                        <a:lnSpc>
+                          <a:spcPct val="100000"/>
+                        </a:lnSpc>
+                        <a:spcBef>
+                          <a:spcPts val="0"/>
+                        </a:spcBef>
+                        <a:spcAft>
+                          <a:spcPts val="0"/>
+                        </a:spcAft>
+                        <a:buClrTx/>
+                        <a:buSzTx/>
+                        <a:buFontTx/>
+                        <a:buNone/>
+                        <a:tabLst/>
+                        <a:defRPr/>
+                      </a:pPr>
+                      <a:r>
+                        <a:rPr lang="en-US" sz="1100" dirty="0"/>
+                        <a:t>✅</a:t>
+                      </a:r>
+                    </a:p>
+                  </a:txBody>
+                  <a:tcPr>
+                    <a:lnL w="12700" cap="flat" cmpd="sng" algn="ctr">
+                      <a:solidFill>
+                        <a:schemeClr val="tx1"/>
+                      </a:solidFill>
+                      <a:prstDash val="solid"/>
+                      <a:round/>
+                      <a:headEnd type="none" w="med" len="med"/>
+                      <a:tailEnd type="none" w="med" len="med"/>
+                    </a:lnL>
+                    <a:lnR w="12700" cap="flat" cmpd="sng" algn="ctr">
+                      <a:solidFill>
+                        <a:schemeClr val="tx1"/>
+                      </a:solidFill>
+                      <a:prstDash val="solid"/>
+                      <a:round/>
+                      <a:headEnd type="none" w="med" len="med"/>
+                      <a:tailEnd type="none" w="med" len="med"/>
+                    </a:lnR>
+                  </a:tcPr>
+                </a:tc>
+                <a:extLst>
+                  <a:ext uri="{0D108BD9-81ED-4DB2-BD59-A6C34878D82A}">
+                    <a16:rowId xmlns:a16="http://schemas.microsoft.com/office/drawing/2014/main" val="1379717944"/>
+                  </a:ext>
+                </a:extLst>
+              </a:tr>
+              <a:tr h="0">
+                <a:tc>
+                  <a:txBody>
+                    <a:bodyPr/>
+                    <a:lstStyle/>
+                    <a:p>
+                      <a:r>
+                        <a:rPr lang="en-US" sz="1100" dirty="0"/>
+                        <a:t>Caching of Data, locally store :</a:t>
+                      </a:r>
+                      <a:endParaRPr lang="en-US" sz="1100" dirty="0">
+                        <a:solidFill>
+                          <a:schemeClr val="bg1"/>
+                        </a:solidFill>
+                      </a:endParaRPr>
+                    </a:p>
+                  </a:txBody>
+                  <a:tcPr>
+                    <a:lnR w="12700" cap="flat" cmpd="sng" algn="ctr">
+                      <a:solidFill>
+                        <a:schemeClr val="tx1"/>
+                      </a:solidFill>
+                      <a:prstDash val="solid"/>
+                      <a:round/>
+                      <a:headEnd type="none" w="med" len="med"/>
+                      <a:tailEnd type="none" w="med" len="med"/>
+                    </a:lnR>
+                    <a:solidFill>
+                      <a:srgbClr val="90ABDA"/>
+                    </a:solidFill>
+                  </a:tcPr>
+                </a:tc>
+                <a:tc>
+                  <a:txBody>
+                    <a:bodyPr/>
+                    <a:lstStyle/>
+                    <a:p>
+                      <a:pPr algn="ctr"/>
+                      <a:endParaRPr lang="en-US" sz="1100" dirty="0"/>
+                    </a:p>
+                  </a:txBody>
+                  <a:tcPr>
+                    <a:lnL w="12700" cap="flat" cmpd="sng" algn="ctr">
+                      <a:solidFill>
+                        <a:schemeClr val="tx1"/>
+                      </a:solidFill>
+                      <a:prstDash val="solid"/>
+                      <a:round/>
+                      <a:headEnd type="none" w="med" len="med"/>
+                      <a:tailEnd type="none" w="med" len="med"/>
+                    </a:lnL>
+                    <a:lnR w="12700" cap="flat" cmpd="sng" algn="ctr">
+                      <a:solidFill>
+                        <a:schemeClr val="tx1"/>
+                      </a:solidFill>
+                      <a:prstDash val="solid"/>
+                      <a:round/>
+                      <a:headEnd type="none" w="med" len="med"/>
+                      <a:tailEnd type="none" w="med" len="med"/>
+                    </a:lnR>
+                    <a:solidFill>
+                      <a:srgbClr val="90ABDA"/>
+                    </a:solidFill>
+                  </a:tcPr>
+                </a:tc>
+                <a:tc>
+                  <a:txBody>
+                    <a:bodyPr/>
+                    <a:lstStyle/>
+                    <a:p>
+                      <a:pPr algn="ctr"/>
+                      <a:endParaRPr lang="en-US" sz="1100" dirty="0"/>
+                    </a:p>
+                  </a:txBody>
+                  <a:tcPr>
+                    <a:lnL w="12700" cap="flat" cmpd="sng" algn="ctr">
+                      <a:solidFill>
+                        <a:schemeClr val="tx1"/>
+                      </a:solidFill>
+                      <a:prstDash val="solid"/>
+                      <a:round/>
+                      <a:headEnd type="none" w="med" len="med"/>
+                      <a:tailEnd type="none" w="med" len="med"/>
+                    </a:lnL>
+                    <a:lnR w="12700" cap="flat" cmpd="sng" algn="ctr">
+                      <a:solidFill>
+                        <a:schemeClr val="tx1"/>
+                      </a:solidFill>
+                      <a:prstDash val="solid"/>
+                      <a:round/>
+                      <a:headEnd type="none" w="med" len="med"/>
+                      <a:tailEnd type="none" w="med" len="med"/>
+                    </a:lnR>
+                    <a:solidFill>
+                      <a:srgbClr val="90ABDA"/>
+                    </a:solidFill>
+                  </a:tcPr>
+                </a:tc>
+                <a:tc>
+                  <a:txBody>
+                    <a:bodyPr/>
+                    <a:lstStyle/>
+                    <a:p>
+                      <a:pPr algn="ctr"/>
+                      <a:endParaRPr lang="en-US" sz="1100" dirty="0"/>
+                    </a:p>
+                  </a:txBody>
+                  <a:tcPr>
+                    <a:lnL w="12700" cap="flat" cmpd="sng" algn="ctr">
+                      <a:solidFill>
+                        <a:schemeClr val="tx1"/>
+                      </a:solidFill>
+                      <a:prstDash val="solid"/>
+                      <a:round/>
+                      <a:headEnd type="none" w="med" len="med"/>
+                      <a:tailEnd type="none" w="med" len="med"/>
+                    </a:lnL>
+                    <a:lnR w="12700" cap="flat" cmpd="sng" algn="ctr">
+                      <a:solidFill>
+                        <a:schemeClr val="tx1"/>
+                      </a:solidFill>
+                      <a:prstDash val="solid"/>
+                      <a:round/>
+                      <a:headEnd type="none" w="med" len="med"/>
+                      <a:tailEnd type="none" w="med" len="med"/>
+                    </a:lnR>
+                    <a:solidFill>
+                      <a:srgbClr val="90ABDA"/>
+                    </a:solidFill>
+                  </a:tcPr>
+                </a:tc>
+                <a:tc>
+                  <a:txBody>
+                    <a:bodyPr/>
+                    <a:lstStyle/>
+                    <a:p>
+                      <a:pPr algn="ctr"/>
+                      <a:endParaRPr lang="en-US" sz="1100" dirty="0"/>
+                    </a:p>
+                  </a:txBody>
+                  <a:tcPr>
+                    <a:lnL w="12700" cap="flat" cmpd="sng" algn="ctr">
+                      <a:solidFill>
+                        <a:schemeClr val="tx1"/>
+                      </a:solidFill>
+                      <a:prstDash val="solid"/>
+                      <a:round/>
+                      <a:headEnd type="none" w="med" len="med"/>
+                      <a:tailEnd type="none" w="med" len="med"/>
+                    </a:lnL>
+                    <a:lnR w="12700" cap="flat" cmpd="sng" algn="ctr">
+                      <a:solidFill>
+                        <a:schemeClr val="tx1"/>
+                      </a:solidFill>
+                      <a:prstDash val="solid"/>
+                      <a:round/>
+                      <a:headEnd type="none" w="med" len="med"/>
+                      <a:tailEnd type="none" w="med" len="med"/>
+                    </a:lnR>
+                    <a:solidFill>
+                      <a:srgbClr val="90ABDA"/>
+                    </a:solidFill>
+                  </a:tcPr>
+                </a:tc>
+                <a:tc>
+                  <a:txBody>
+                    <a:bodyPr/>
+                    <a:lstStyle/>
+                    <a:p>
+                      <a:pPr algn="ctr"/>
+                      <a:endParaRPr lang="en-US" sz="1100" dirty="0"/>
+                    </a:p>
+                  </a:txBody>
+                  <a:tcPr>
+                    <a:lnL w="12700" cap="flat" cmpd="sng" algn="ctr">
+                      <a:solidFill>
+                        <a:schemeClr val="tx1"/>
+                      </a:solidFill>
+                      <a:prstDash val="solid"/>
+                      <a:round/>
+                      <a:headEnd type="none" w="med" len="med"/>
+                      <a:tailEnd type="none" w="med" len="med"/>
+                    </a:lnL>
+                    <a:lnR w="12700" cap="flat" cmpd="sng" algn="ctr">
+                      <a:solidFill>
+                        <a:schemeClr val="tx1"/>
+                      </a:solidFill>
+                      <a:prstDash val="solid"/>
+                      <a:round/>
+                      <a:headEnd type="none" w="med" len="med"/>
+                      <a:tailEnd type="none" w="med" len="med"/>
+                    </a:lnR>
+                    <a:solidFill>
+                      <a:srgbClr val="90ABDA"/>
+                    </a:solidFill>
+                  </a:tcPr>
+                </a:tc>
+                <a:tc>
+                  <a:txBody>
+                    <a:bodyPr/>
+                    <a:lstStyle/>
+                    <a:p>
+                      <a:pPr algn="ctr"/>
+                      <a:endParaRPr lang="en-US" sz="1100" dirty="0"/>
+                    </a:p>
+                  </a:txBody>
+                  <a:tcPr>
+                    <a:lnL w="12700" cap="flat" cmpd="sng" algn="ctr">
+                      <a:solidFill>
+                        <a:schemeClr val="tx1"/>
+                      </a:solidFill>
+                      <a:prstDash val="solid"/>
+                      <a:round/>
+                      <a:headEnd type="none" w="med" len="med"/>
+                      <a:tailEnd type="none" w="med" len="med"/>
+                    </a:lnL>
+                    <a:lnR w="12700" cap="flat" cmpd="sng" algn="ctr">
+                      <a:solidFill>
+                        <a:schemeClr val="tx1"/>
+                      </a:solidFill>
+                      <a:prstDash val="solid"/>
+                      <a:round/>
+                      <a:headEnd type="none" w="med" len="med"/>
+                      <a:tailEnd type="none" w="med" len="med"/>
+                    </a:lnR>
+                    <a:solidFill>
+                      <a:srgbClr val="90ABDA"/>
+                    </a:solidFill>
+                  </a:tcPr>
+                </a:tc>
+                <a:extLst>
+                  <a:ext uri="{0D108BD9-81ED-4DB2-BD59-A6C34878D82A}">
+                    <a16:rowId xmlns:a16="http://schemas.microsoft.com/office/drawing/2014/main" val="948968170"/>
+                  </a:ext>
+                </a:extLst>
+              </a:tr>
+              <a:tr h="0">
+                <a:tc>
+                  <a:txBody>
+                    <a:bodyPr/>
+                    <a:lstStyle/>
+                    <a:p>
+                      <a:pPr algn="r"/>
+                      <a:r>
+                        <a:rPr lang="en-US" sz="1100" dirty="0"/>
+                        <a:t>Device</a:t>
+                      </a:r>
+                    </a:p>
+                  </a:txBody>
+                  <a:tcPr>
+                    <a:lnR w="12700" cap="flat" cmpd="sng" algn="ctr">
+                      <a:solidFill>
+                        <a:schemeClr val="tx1"/>
+                      </a:solidFill>
+                      <a:prstDash val="solid"/>
+                      <a:round/>
+                      <a:headEnd type="none" w="med" len="med"/>
+                      <a:tailEnd type="none" w="med" len="med"/>
+                    </a:lnR>
+                  </a:tcPr>
+                </a:tc>
+                <a:tc>
+                  <a:txBody>
+                    <a:bodyPr/>
+                    <a:lstStyle/>
+                    <a:p>
+                      <a:pPr marL="0" marR="0" lvl="0" indent="0" algn="ctr" defTabSz="914400" rtl="0" eaLnBrk="1" fontAlgn="auto" latinLnBrk="0" hangingPunct="1">
+                        <a:lnSpc>
+                          <a:spcPct val="100000"/>
+                        </a:lnSpc>
+                        <a:spcBef>
+                          <a:spcPts val="0"/>
+                        </a:spcBef>
+                        <a:spcAft>
+                          <a:spcPts val="0"/>
+                        </a:spcAft>
+                        <a:buClrTx/>
+                        <a:buSzTx/>
+                        <a:buFontTx/>
+                        <a:buNone/>
+                        <a:tabLst/>
+                        <a:defRPr/>
+                      </a:pPr>
+                      <a:r>
+                        <a:rPr lang="en-US" sz="1100" dirty="0"/>
+                        <a:t>✅</a:t>
+                      </a:r>
+                    </a:p>
+                  </a:txBody>
+                  <a:tcPr>
+                    <a:lnL w="12700" cap="flat" cmpd="sng" algn="ctr">
+                      <a:solidFill>
+                        <a:schemeClr val="tx1"/>
+                      </a:solidFill>
+                      <a:prstDash val="solid"/>
+                      <a:round/>
+                      <a:headEnd type="none" w="med" len="med"/>
+                      <a:tailEnd type="none" w="med" len="med"/>
+                    </a:lnL>
+                    <a:lnR w="12700" cap="flat" cmpd="sng" algn="ctr">
+                      <a:solidFill>
+                        <a:schemeClr val="tx1"/>
+                      </a:solidFill>
+                      <a:prstDash val="solid"/>
+                      <a:round/>
+                      <a:headEnd type="none" w="med" len="med"/>
+                      <a:tailEnd type="none" w="med" len="med"/>
+                    </a:lnR>
+                  </a:tcPr>
+                </a:tc>
+                <a:tc>
+                  <a:txBody>
+                    <a:bodyPr/>
+                    <a:lstStyle/>
+                    <a:p>
+                      <a:pPr marL="0" marR="0" lvl="0" indent="0" algn="ctr" defTabSz="914400" rtl="0" eaLnBrk="1" fontAlgn="auto" latinLnBrk="0" hangingPunct="1">
+                        <a:lnSpc>
+                          <a:spcPct val="100000"/>
+                        </a:lnSpc>
+                        <a:spcBef>
+                          <a:spcPts val="0"/>
+                        </a:spcBef>
+                        <a:spcAft>
+                          <a:spcPts val="0"/>
+                        </a:spcAft>
+                        <a:buClrTx/>
+                        <a:buSzTx/>
+                        <a:buFontTx/>
+                        <a:buNone/>
+                        <a:tabLst/>
+                        <a:defRPr/>
+                      </a:pPr>
+                      <a:r>
+                        <a:rPr lang="en-US" sz="1100" dirty="0"/>
+                        <a:t>✅</a:t>
+                      </a:r>
+                    </a:p>
+                  </a:txBody>
+                  <a:tcPr>
+                    <a:lnL w="12700" cap="flat" cmpd="sng" algn="ctr">
+                      <a:solidFill>
+                        <a:schemeClr val="tx1"/>
+                      </a:solidFill>
+                      <a:prstDash val="solid"/>
+                      <a:round/>
+                      <a:headEnd type="none" w="med" len="med"/>
+                      <a:tailEnd type="none" w="med" len="med"/>
+                    </a:lnL>
+                    <a:lnR w="12700" cap="flat" cmpd="sng" algn="ctr">
+                      <a:solidFill>
+                        <a:schemeClr val="tx1"/>
+                      </a:solidFill>
+                      <a:prstDash val="solid"/>
+                      <a:round/>
+                      <a:headEnd type="none" w="med" len="med"/>
+                      <a:tailEnd type="none" w="med" len="med"/>
+                    </a:lnR>
+                  </a:tcPr>
+                </a:tc>
+                <a:tc>
+                  <a:txBody>
+                    <a:bodyPr/>
+                    <a:lstStyle/>
+                    <a:p>
                       <a:pPr algn="ctr"/>
                       <a:r>
                         <a:rPr lang="en-US" sz="1100" dirty="0"/>
@@ -9286,10 +11741,26 @@
                     <a:bodyPr/>
                     <a:lstStyle/>
                     <a:p>
-                      <a:pPr algn="ctr"/>
+                      <a:pPr marL="0" marR="0" lvl="0" indent="0" algn="ctr" defTabSz="914400" rtl="0" eaLnBrk="1" fontAlgn="auto" latinLnBrk="0" hangingPunct="1">
+                        <a:lnSpc>
+                          <a:spcPct val="100000"/>
+                        </a:lnSpc>
+                        <a:spcBef>
+                          <a:spcPts val="0"/>
+                        </a:spcBef>
+                        <a:spcAft>
+                          <a:spcPts val="0"/>
+                        </a:spcAft>
+                        <a:buClrTx/>
+                        <a:buSzTx/>
+                        <a:buFontTx/>
+                        <a:buNone/>
+                        <a:tabLst/>
+                        <a:defRPr/>
+                      </a:pPr>
                       <a:r>
                         <a:rPr lang="en-US" sz="1100" dirty="0"/>
-                        <a:t>❌</a:t>
+                        <a:t>✅</a:t>
                       </a:r>
                     </a:p>
                   </a:txBody>
@@ -9319,10 +11790,26 @@
                     <a:bodyPr/>
                     <a:lstStyle/>
                     <a:p>
-                      <a:pPr algn="ctr"/>
+                      <a:pPr marL="0" marR="0" lvl="0" indent="0" algn="ctr" defTabSz="914400" rtl="0" eaLnBrk="1" fontAlgn="auto" latinLnBrk="0" hangingPunct="1">
+                        <a:lnSpc>
+                          <a:spcPct val="100000"/>
+                        </a:lnSpc>
+                        <a:spcBef>
+                          <a:spcPts val="0"/>
+                        </a:spcBef>
+                        <a:spcAft>
+                          <a:spcPts val="0"/>
+                        </a:spcAft>
+                        <a:buClrTx/>
+                        <a:buSzTx/>
+                        <a:buFontTx/>
+                        <a:buNone/>
+                        <a:tabLst/>
+                        <a:defRPr/>
+                      </a:pPr>
                       <a:r>
                         <a:rPr lang="en-US" sz="1100" dirty="0"/>
-                        <a:t>❌</a:t>
+                        <a:t>✅</a:t>
                       </a:r>
                     </a:p>
                   </a:txBody>
@@ -9352,10 +11839,26 @@
                     <a:bodyPr/>
                     <a:lstStyle/>
                     <a:p>
-                      <a:pPr algn="ctr"/>
+                      <a:pPr marL="0" marR="0" lvl="0" indent="0" algn="ctr" defTabSz="914400" rtl="0" eaLnBrk="1" fontAlgn="auto" latinLnBrk="0" hangingPunct="1">
+                        <a:lnSpc>
+                          <a:spcPct val="100000"/>
+                        </a:lnSpc>
+                        <a:spcBef>
+                          <a:spcPts val="0"/>
+                        </a:spcBef>
+                        <a:spcAft>
+                          <a:spcPts val="0"/>
+                        </a:spcAft>
+                        <a:buClrTx/>
+                        <a:buSzTx/>
+                        <a:buFontTx/>
+                        <a:buNone/>
+                        <a:tabLst/>
+                        <a:defRPr/>
+                      </a:pPr>
                       <a:r>
                         <a:rPr lang="en-US" sz="1100" dirty="0"/>
-                        <a:t>❌</a:t>
+                        <a:t>✅</a:t>
                       </a:r>
                     </a:p>
                   </a:txBody>
@@ -9382,7 +11885,7 @@
                 </a:tc>
                 <a:extLst>
                   <a:ext uri="{0D108BD9-81ED-4DB2-BD59-A6C34878D82A}">
-                    <a16:rowId xmlns:a16="http://schemas.microsoft.com/office/drawing/2014/main" val="1118407342"/>
+                    <a16:rowId xmlns:a16="http://schemas.microsoft.com/office/drawing/2014/main" val="4186095046"/>
                   </a:ext>
                 </a:extLst>
               </a:tr>
@@ -9400,6 +11903,104 @@
                     </a:p>
                   </a:txBody>
                   <a:tcPr>
+                    <a:lnR w="12700" cap="flat" cmpd="sng" algn="ctr">
+                      <a:solidFill>
+                        <a:schemeClr val="tx1"/>
+                      </a:solidFill>
+                      <a:prstDash val="solid"/>
+                      <a:round/>
+                      <a:headEnd type="none" w="med" len="med"/>
+                      <a:tailEnd type="none" w="med" len="med"/>
+                    </a:lnR>
+                  </a:tcPr>
+                </a:tc>
+                <a:tc>
+                  <a:txBody>
+                    <a:bodyPr/>
+                    <a:lstStyle/>
+                    <a:p>
+                      <a:pPr marL="0" marR="0" lvl="0" indent="0" algn="ctr" defTabSz="914400" rtl="0" eaLnBrk="1" fontAlgn="auto" latinLnBrk="0" hangingPunct="1">
+                        <a:lnSpc>
+                          <a:spcPct val="100000"/>
+                        </a:lnSpc>
+                        <a:spcBef>
+                          <a:spcPts val="0"/>
+                        </a:spcBef>
+                        <a:spcAft>
+                          <a:spcPts val="0"/>
+                        </a:spcAft>
+                        <a:buClrTx/>
+                        <a:buSzTx/>
+                        <a:buFontTx/>
+                        <a:buNone/>
+                        <a:tabLst/>
+                        <a:defRPr/>
+                      </a:pPr>
+                      <a:r>
+                        <a:rPr lang="en-US" sz="1100" dirty="0"/>
+                        <a:t>✅</a:t>
+                      </a:r>
+                    </a:p>
+                  </a:txBody>
+                  <a:tcPr>
+                    <a:lnL w="12700" cap="flat" cmpd="sng" algn="ctr">
+                      <a:solidFill>
+                        <a:schemeClr val="tx1"/>
+                      </a:solidFill>
+                      <a:prstDash val="solid"/>
+                      <a:round/>
+                      <a:headEnd type="none" w="med" len="med"/>
+                      <a:tailEnd type="none" w="med" len="med"/>
+                    </a:lnL>
+                    <a:lnR w="12700" cap="flat" cmpd="sng" algn="ctr">
+                      <a:solidFill>
+                        <a:schemeClr val="tx1"/>
+                      </a:solidFill>
+                      <a:prstDash val="solid"/>
+                      <a:round/>
+                      <a:headEnd type="none" w="med" len="med"/>
+                      <a:tailEnd type="none" w="med" len="med"/>
+                    </a:lnR>
+                  </a:tcPr>
+                </a:tc>
+                <a:tc>
+                  <a:txBody>
+                    <a:bodyPr/>
+                    <a:lstStyle/>
+                    <a:p>
+                      <a:pPr marL="0" marR="0" lvl="0" indent="0" algn="ctr" defTabSz="914400" rtl="0" eaLnBrk="1" fontAlgn="auto" latinLnBrk="0" hangingPunct="1">
+                        <a:lnSpc>
+                          <a:spcPct val="100000"/>
+                        </a:lnSpc>
+                        <a:spcBef>
+                          <a:spcPts val="0"/>
+                        </a:spcBef>
+                        <a:spcAft>
+                          <a:spcPts val="0"/>
+                        </a:spcAft>
+                        <a:buClrTx/>
+                        <a:buSzTx/>
+                        <a:buFontTx/>
+                        <a:buNone/>
+                        <a:tabLst/>
+                        <a:defRPr/>
+                      </a:pPr>
+                      <a:r>
+                        <a:rPr lang="en-US" sz="1100" dirty="0"/>
+                        <a:t>✅</a:t>
+                      </a:r>
+                    </a:p>
+                  </a:txBody>
+                  <a:tcPr>
+                    <a:lnL w="12700" cap="flat" cmpd="sng" algn="ctr">
+                      <a:solidFill>
+                        <a:schemeClr val="tx1"/>
+                      </a:solidFill>
+                      <a:prstDash val="solid"/>
+                      <a:round/>
+                      <a:headEnd type="none" w="med" len="med"/>
+                      <a:tailEnd type="none" w="med" len="med"/>
+                    </a:lnL>
                     <a:lnR w="12700" cap="flat" cmpd="sng" algn="ctr">
                       <a:solidFill>
                         <a:schemeClr val="tx1"/>
@@ -9582,7 +12183,136 @@
                       </a:pPr>
                       <a:r>
                         <a:rPr lang="en-US" sz="1100" dirty="0"/>
-                        <a:t>❌</a:t>
+                        <a:t>✅</a:t>
+                      </a:r>
+                    </a:p>
+                  </a:txBody>
+                  <a:tcPr>
+                    <a:lnL w="12700" cap="flat" cmpd="sng" algn="ctr">
+                      <a:solidFill>
+                        <a:schemeClr val="tx1"/>
+                      </a:solidFill>
+                      <a:prstDash val="solid"/>
+                      <a:round/>
+                      <a:headEnd type="none" w="med" len="med"/>
+                      <a:tailEnd type="none" w="med" len="med"/>
+                    </a:lnL>
+                    <a:lnR w="12700" cap="flat" cmpd="sng" algn="ctr">
+                      <a:solidFill>
+                        <a:schemeClr val="tx1"/>
+                      </a:solidFill>
+                      <a:prstDash val="solid"/>
+                      <a:round/>
+                      <a:headEnd type="none" w="med" len="med"/>
+                      <a:tailEnd type="none" w="med" len="med"/>
+                    </a:lnR>
+                  </a:tcPr>
+                </a:tc>
+                <a:extLst>
+                  <a:ext uri="{0D108BD9-81ED-4DB2-BD59-A6C34878D82A}">
+                    <a16:rowId xmlns:a16="http://schemas.microsoft.com/office/drawing/2014/main" val="1667163422"/>
+                  </a:ext>
+                </a:extLst>
+              </a:tr>
+              <a:tr h="0">
+                <a:tc>
+                  <a:txBody>
+                    <a:bodyPr/>
+                    <a:lstStyle/>
+                    <a:p>
+                      <a:pPr algn="r"/>
+                      <a:r>
+                        <a:rPr lang="en-US" sz="1100" dirty="0"/>
+                        <a:t>Match</a:t>
+                      </a:r>
+                    </a:p>
+                  </a:txBody>
+                  <a:tcPr>
+                    <a:lnR w="12700" cap="flat" cmpd="sng" algn="ctr">
+                      <a:solidFill>
+                        <a:schemeClr val="tx1"/>
+                      </a:solidFill>
+                      <a:prstDash val="solid"/>
+                      <a:round/>
+                      <a:headEnd type="none" w="med" len="med"/>
+                      <a:tailEnd type="none" w="med" len="med"/>
+                    </a:lnR>
+                  </a:tcPr>
+                </a:tc>
+                <a:tc>
+                  <a:txBody>
+                    <a:bodyPr/>
+                    <a:lstStyle/>
+                    <a:p>
+                      <a:pPr marL="0" marR="0" lvl="0" indent="0" algn="ctr" defTabSz="914400" rtl="0" eaLnBrk="1" fontAlgn="auto" latinLnBrk="0" hangingPunct="1">
+                        <a:lnSpc>
+                          <a:spcPct val="100000"/>
+                        </a:lnSpc>
+                        <a:spcBef>
+                          <a:spcPts val="0"/>
+                        </a:spcBef>
+                        <a:spcAft>
+                          <a:spcPts val="0"/>
+                        </a:spcAft>
+                        <a:buClrTx/>
+                        <a:buSzTx/>
+                        <a:buFontTx/>
+                        <a:buNone/>
+                        <a:tabLst/>
+                        <a:defRPr/>
+                      </a:pPr>
+                      <a:r>
+                        <a:rPr lang="en-US" sz="1100" dirty="0"/>
+                        <a:t>✅</a:t>
+                      </a:r>
+                    </a:p>
+                  </a:txBody>
+                  <a:tcPr>
+                    <a:lnL w="12700" cap="flat" cmpd="sng" algn="ctr">
+                      <a:solidFill>
+                        <a:schemeClr val="tx1"/>
+                      </a:solidFill>
+                      <a:prstDash val="solid"/>
+                      <a:round/>
+                      <a:headEnd type="none" w="med" len="med"/>
+                      <a:tailEnd type="none" w="med" len="med"/>
+                    </a:lnL>
+                    <a:lnR w="12700" cap="flat" cmpd="sng" algn="ctr">
+                      <a:solidFill>
+                        <a:schemeClr val="tx1"/>
+                      </a:solidFill>
+                      <a:prstDash val="solid"/>
+                      <a:round/>
+                      <a:headEnd type="none" w="med" len="med"/>
+                      <a:tailEnd type="none" w="med" len="med"/>
+                    </a:lnR>
+                  </a:tcPr>
+                </a:tc>
+                <a:tc>
+                  <a:txBody>
+                    <a:bodyPr/>
+                    <a:lstStyle/>
+                    <a:p>
+                      <a:pPr marL="0" marR="0" lvl="0" indent="0" algn="ctr" defTabSz="914400" rtl="0" eaLnBrk="1" fontAlgn="auto" latinLnBrk="0" hangingPunct="1">
+                        <a:lnSpc>
+                          <a:spcPct val="100000"/>
+                        </a:lnSpc>
+                        <a:spcBef>
+                          <a:spcPts val="0"/>
+                        </a:spcBef>
+                        <a:spcAft>
+                          <a:spcPts val="0"/>
+                        </a:spcAft>
+                        <a:buClrTx/>
+                        <a:buSzTx/>
+                        <a:buFontTx/>
+                        <a:buNone/>
+                        <a:tabLst/>
+                        <a:defRPr/>
+                      </a:pPr>
+                      <a:r>
+                        <a:rPr lang="en-US" sz="1100" dirty="0"/>
+                        <a:t>✅</a:t>
                       </a:r>
                     </a:p>
                   </a:txBody>
@@ -9680,7 +12410,795 @@
                       </a:pPr>
                       <a:r>
                         <a:rPr lang="en-US" sz="1100" dirty="0"/>
+                        <a:t>✅</a:t>
+                      </a:r>
+                    </a:p>
+                  </a:txBody>
+                  <a:tcPr>
+                    <a:lnL w="12700" cap="flat" cmpd="sng" algn="ctr">
+                      <a:solidFill>
+                        <a:schemeClr val="tx1"/>
+                      </a:solidFill>
+                      <a:prstDash val="solid"/>
+                      <a:round/>
+                      <a:headEnd type="none" w="med" len="med"/>
+                      <a:tailEnd type="none" w="med" len="med"/>
+                    </a:lnL>
+                    <a:lnR w="12700" cap="flat" cmpd="sng" algn="ctr">
+                      <a:solidFill>
+                        <a:schemeClr val="tx1"/>
+                      </a:solidFill>
+                      <a:prstDash val="solid"/>
+                      <a:round/>
+                      <a:headEnd type="none" w="med" len="med"/>
+                      <a:tailEnd type="none" w="med" len="med"/>
+                    </a:lnR>
+                  </a:tcPr>
+                </a:tc>
+                <a:tc>
+                  <a:txBody>
+                    <a:bodyPr/>
+                    <a:lstStyle/>
+                    <a:p>
+                      <a:pPr marL="0" marR="0" lvl="0" indent="0" algn="ctr" defTabSz="914400" rtl="0" eaLnBrk="1" fontAlgn="auto" latinLnBrk="0" hangingPunct="1">
+                        <a:lnSpc>
+                          <a:spcPct val="100000"/>
+                        </a:lnSpc>
+                        <a:spcBef>
+                          <a:spcPts val="0"/>
+                        </a:spcBef>
+                        <a:spcAft>
+                          <a:spcPts val="0"/>
+                        </a:spcAft>
+                        <a:buClrTx/>
+                        <a:buSzTx/>
+                        <a:buFontTx/>
+                        <a:buNone/>
+                        <a:tabLst/>
+                        <a:defRPr/>
+                      </a:pPr>
+                      <a:r>
+                        <a:rPr lang="en-US" sz="1100" dirty="0"/>
+                        <a:t>✅</a:t>
+                      </a:r>
+                    </a:p>
+                  </a:txBody>
+                  <a:tcPr>
+                    <a:lnL w="12700" cap="flat" cmpd="sng" algn="ctr">
+                      <a:solidFill>
+                        <a:schemeClr val="tx1"/>
+                      </a:solidFill>
+                      <a:prstDash val="solid"/>
+                      <a:round/>
+                      <a:headEnd type="none" w="med" len="med"/>
+                      <a:tailEnd type="none" w="med" len="med"/>
+                    </a:lnL>
+                    <a:lnR w="12700" cap="flat" cmpd="sng" algn="ctr">
+                      <a:solidFill>
+                        <a:schemeClr val="tx1"/>
+                      </a:solidFill>
+                      <a:prstDash val="solid"/>
+                      <a:round/>
+                      <a:headEnd type="none" w="med" len="med"/>
+                      <a:tailEnd type="none" w="med" len="med"/>
+                    </a:lnR>
+                  </a:tcPr>
+                </a:tc>
+                <a:tc>
+                  <a:txBody>
+                    <a:bodyPr/>
+                    <a:lstStyle/>
+                    <a:p>
+                      <a:pPr marL="0" marR="0" lvl="0" indent="0" algn="ctr" defTabSz="914400" rtl="0" eaLnBrk="1" fontAlgn="auto" latinLnBrk="0" hangingPunct="1">
+                        <a:lnSpc>
+                          <a:spcPct val="100000"/>
+                        </a:lnSpc>
+                        <a:spcBef>
+                          <a:spcPts val="0"/>
+                        </a:spcBef>
+                        <a:spcAft>
+                          <a:spcPts val="0"/>
+                        </a:spcAft>
+                        <a:buClrTx/>
+                        <a:buSzTx/>
+                        <a:buFontTx/>
+                        <a:buNone/>
+                        <a:tabLst/>
+                        <a:defRPr/>
+                      </a:pPr>
+                      <a:r>
+                        <a:rPr lang="en-US" sz="1100" dirty="0"/>
+                        <a:t>✅</a:t>
+                      </a:r>
+                    </a:p>
+                  </a:txBody>
+                  <a:tcPr>
+                    <a:lnL w="12700" cap="flat" cmpd="sng" algn="ctr">
+                      <a:solidFill>
+                        <a:schemeClr val="tx1"/>
+                      </a:solidFill>
+                      <a:prstDash val="solid"/>
+                      <a:round/>
+                      <a:headEnd type="none" w="med" len="med"/>
+                      <a:tailEnd type="none" w="med" len="med"/>
+                    </a:lnL>
+                    <a:lnR w="12700" cap="flat" cmpd="sng" algn="ctr">
+                      <a:solidFill>
+                        <a:schemeClr val="tx1"/>
+                      </a:solidFill>
+                      <a:prstDash val="solid"/>
+                      <a:round/>
+                      <a:headEnd type="none" w="med" len="med"/>
+                      <a:tailEnd type="none" w="med" len="med"/>
+                    </a:lnR>
+                  </a:tcPr>
+                </a:tc>
+                <a:extLst>
+                  <a:ext uri="{0D108BD9-81ED-4DB2-BD59-A6C34878D82A}">
+                    <a16:rowId xmlns:a16="http://schemas.microsoft.com/office/drawing/2014/main" val="2839555764"/>
+                  </a:ext>
+                </a:extLst>
+              </a:tr>
+              <a:tr h="0">
+                <a:tc>
+                  <a:txBody>
+                    <a:bodyPr/>
+                    <a:lstStyle/>
+                    <a:p>
+                      <a:r>
+                        <a:rPr lang="en-US" sz="1100" dirty="0"/>
+                        <a:t>Local states request :</a:t>
+                      </a:r>
+                    </a:p>
+                  </a:txBody>
+                  <a:tcPr>
+                    <a:lnR w="12700" cap="flat" cmpd="sng" algn="ctr">
+                      <a:solidFill>
+                        <a:schemeClr val="tx1"/>
+                      </a:solidFill>
+                      <a:prstDash val="solid"/>
+                      <a:round/>
+                      <a:headEnd type="none" w="med" len="med"/>
+                      <a:tailEnd type="none" w="med" len="med"/>
+                    </a:lnR>
+                    <a:solidFill>
+                      <a:schemeClr val="accent1">
+                        <a:lumMod val="60000"/>
+                        <a:lumOff val="40000"/>
+                      </a:schemeClr>
+                    </a:solidFill>
+                  </a:tcPr>
+                </a:tc>
+                <a:tc>
+                  <a:txBody>
+                    <a:bodyPr/>
+                    <a:lstStyle/>
+                    <a:p>
+                      <a:pPr algn="ctr"/>
+                      <a:endParaRPr lang="en-US" sz="1100" dirty="0"/>
+                    </a:p>
+                  </a:txBody>
+                  <a:tcPr>
+                    <a:lnL w="12700" cap="flat" cmpd="sng" algn="ctr">
+                      <a:solidFill>
+                        <a:schemeClr val="tx1"/>
+                      </a:solidFill>
+                      <a:prstDash val="solid"/>
+                      <a:round/>
+                      <a:headEnd type="none" w="med" len="med"/>
+                      <a:tailEnd type="none" w="med" len="med"/>
+                    </a:lnL>
+                    <a:lnR w="12700" cap="flat" cmpd="sng" algn="ctr">
+                      <a:solidFill>
+                        <a:schemeClr val="tx1"/>
+                      </a:solidFill>
+                      <a:prstDash val="solid"/>
+                      <a:round/>
+                      <a:headEnd type="none" w="med" len="med"/>
+                      <a:tailEnd type="none" w="med" len="med"/>
+                    </a:lnR>
+                    <a:solidFill>
+                      <a:schemeClr val="accent1">
+                        <a:lumMod val="60000"/>
+                        <a:lumOff val="40000"/>
+                      </a:schemeClr>
+                    </a:solidFill>
+                  </a:tcPr>
+                </a:tc>
+                <a:tc>
+                  <a:txBody>
+                    <a:bodyPr/>
+                    <a:lstStyle/>
+                    <a:p>
+                      <a:pPr algn="ctr"/>
+                      <a:endParaRPr lang="en-US" sz="1100" dirty="0"/>
+                    </a:p>
+                  </a:txBody>
+                  <a:tcPr>
+                    <a:lnL w="12700" cap="flat" cmpd="sng" algn="ctr">
+                      <a:solidFill>
+                        <a:schemeClr val="tx1"/>
+                      </a:solidFill>
+                      <a:prstDash val="solid"/>
+                      <a:round/>
+                      <a:headEnd type="none" w="med" len="med"/>
+                      <a:tailEnd type="none" w="med" len="med"/>
+                    </a:lnL>
+                    <a:lnR w="12700" cap="flat" cmpd="sng" algn="ctr">
+                      <a:solidFill>
+                        <a:schemeClr val="tx1"/>
+                      </a:solidFill>
+                      <a:prstDash val="solid"/>
+                      <a:round/>
+                      <a:headEnd type="none" w="med" len="med"/>
+                      <a:tailEnd type="none" w="med" len="med"/>
+                    </a:lnR>
+                    <a:solidFill>
+                      <a:schemeClr val="accent1">
+                        <a:lumMod val="60000"/>
+                        <a:lumOff val="40000"/>
+                      </a:schemeClr>
+                    </a:solidFill>
+                  </a:tcPr>
+                </a:tc>
+                <a:tc>
+                  <a:txBody>
+                    <a:bodyPr/>
+                    <a:lstStyle/>
+                    <a:p>
+                      <a:pPr algn="ctr"/>
+                      <a:endParaRPr lang="en-US" sz="1100" dirty="0"/>
+                    </a:p>
+                  </a:txBody>
+                  <a:tcPr>
+                    <a:lnL w="12700" cap="flat" cmpd="sng" algn="ctr">
+                      <a:solidFill>
+                        <a:schemeClr val="tx1"/>
+                      </a:solidFill>
+                      <a:prstDash val="solid"/>
+                      <a:round/>
+                      <a:headEnd type="none" w="med" len="med"/>
+                      <a:tailEnd type="none" w="med" len="med"/>
+                    </a:lnL>
+                    <a:lnR w="12700" cap="flat" cmpd="sng" algn="ctr">
+                      <a:solidFill>
+                        <a:schemeClr val="tx1"/>
+                      </a:solidFill>
+                      <a:prstDash val="solid"/>
+                      <a:round/>
+                      <a:headEnd type="none" w="med" len="med"/>
+                      <a:tailEnd type="none" w="med" len="med"/>
+                    </a:lnR>
+                    <a:solidFill>
+                      <a:schemeClr val="accent1">
+                        <a:lumMod val="60000"/>
+                        <a:lumOff val="40000"/>
+                      </a:schemeClr>
+                    </a:solidFill>
+                  </a:tcPr>
+                </a:tc>
+                <a:tc>
+                  <a:txBody>
+                    <a:bodyPr/>
+                    <a:lstStyle/>
+                    <a:p>
+                      <a:pPr algn="ctr"/>
+                      <a:endParaRPr lang="en-US" sz="1100" dirty="0"/>
+                    </a:p>
+                  </a:txBody>
+                  <a:tcPr>
+                    <a:lnL w="12700" cap="flat" cmpd="sng" algn="ctr">
+                      <a:solidFill>
+                        <a:schemeClr val="tx1"/>
+                      </a:solidFill>
+                      <a:prstDash val="solid"/>
+                      <a:round/>
+                      <a:headEnd type="none" w="med" len="med"/>
+                      <a:tailEnd type="none" w="med" len="med"/>
+                    </a:lnL>
+                    <a:lnR w="12700" cap="flat" cmpd="sng" algn="ctr">
+                      <a:solidFill>
+                        <a:schemeClr val="tx1"/>
+                      </a:solidFill>
+                      <a:prstDash val="solid"/>
+                      <a:round/>
+                      <a:headEnd type="none" w="med" len="med"/>
+                      <a:tailEnd type="none" w="med" len="med"/>
+                    </a:lnR>
+                    <a:solidFill>
+                      <a:schemeClr val="accent1">
+                        <a:lumMod val="60000"/>
+                        <a:lumOff val="40000"/>
+                      </a:schemeClr>
+                    </a:solidFill>
+                  </a:tcPr>
+                </a:tc>
+                <a:tc>
+                  <a:txBody>
+                    <a:bodyPr/>
+                    <a:lstStyle/>
+                    <a:p>
+                      <a:pPr algn="ctr"/>
+                      <a:endParaRPr lang="en-US" sz="1100" dirty="0"/>
+                    </a:p>
+                  </a:txBody>
+                  <a:tcPr>
+                    <a:lnL w="12700" cap="flat" cmpd="sng" algn="ctr">
+                      <a:solidFill>
+                        <a:schemeClr val="tx1"/>
+                      </a:solidFill>
+                      <a:prstDash val="solid"/>
+                      <a:round/>
+                      <a:headEnd type="none" w="med" len="med"/>
+                      <a:tailEnd type="none" w="med" len="med"/>
+                    </a:lnL>
+                    <a:lnR w="12700" cap="flat" cmpd="sng" algn="ctr">
+                      <a:solidFill>
+                        <a:schemeClr val="tx1"/>
+                      </a:solidFill>
+                      <a:prstDash val="solid"/>
+                      <a:round/>
+                      <a:headEnd type="none" w="med" len="med"/>
+                      <a:tailEnd type="none" w="med" len="med"/>
+                    </a:lnR>
+                    <a:solidFill>
+                      <a:schemeClr val="accent1">
+                        <a:lumMod val="60000"/>
+                        <a:lumOff val="40000"/>
+                      </a:schemeClr>
+                    </a:solidFill>
+                  </a:tcPr>
+                </a:tc>
+                <a:tc>
+                  <a:txBody>
+                    <a:bodyPr/>
+                    <a:lstStyle/>
+                    <a:p>
+                      <a:pPr algn="ctr"/>
+                      <a:endParaRPr lang="en-US" sz="1100" dirty="0"/>
+                    </a:p>
+                  </a:txBody>
+                  <a:tcPr>
+                    <a:lnL w="12700" cap="flat" cmpd="sng" algn="ctr">
+                      <a:solidFill>
+                        <a:schemeClr val="tx1"/>
+                      </a:solidFill>
+                      <a:prstDash val="solid"/>
+                      <a:round/>
+                      <a:headEnd type="none" w="med" len="med"/>
+                      <a:tailEnd type="none" w="med" len="med"/>
+                    </a:lnL>
+                    <a:lnR w="12700" cap="flat" cmpd="sng" algn="ctr">
+                      <a:solidFill>
+                        <a:schemeClr val="tx1"/>
+                      </a:solidFill>
+                      <a:prstDash val="solid"/>
+                      <a:round/>
+                      <a:headEnd type="none" w="med" len="med"/>
+                      <a:tailEnd type="none" w="med" len="med"/>
+                    </a:lnR>
+                    <a:solidFill>
+                      <a:schemeClr val="accent1">
+                        <a:lumMod val="60000"/>
+                        <a:lumOff val="40000"/>
+                      </a:schemeClr>
+                    </a:solidFill>
+                  </a:tcPr>
+                </a:tc>
+                <a:extLst>
+                  <a:ext uri="{0D108BD9-81ED-4DB2-BD59-A6C34878D82A}">
+                    <a16:rowId xmlns:a16="http://schemas.microsoft.com/office/drawing/2014/main" val="2481904"/>
+                  </a:ext>
+                </a:extLst>
+              </a:tr>
+              <a:tr h="0">
+                <a:tc>
+                  <a:txBody>
+                    <a:bodyPr/>
+                    <a:lstStyle/>
+                    <a:p>
+                      <a:pPr algn="r"/>
+                      <a:r>
+                        <a:rPr lang="en-US" sz="1100" dirty="0"/>
+                        <a:t>Device</a:t>
+                      </a:r>
+                    </a:p>
+                  </a:txBody>
+                  <a:tcPr>
+                    <a:lnR w="12700" cap="flat" cmpd="sng" algn="ctr">
+                      <a:solidFill>
+                        <a:schemeClr val="tx1"/>
+                      </a:solidFill>
+                      <a:prstDash val="solid"/>
+                      <a:round/>
+                      <a:headEnd type="none" w="med" len="med"/>
+                      <a:tailEnd type="none" w="med" len="med"/>
+                    </a:lnR>
+                  </a:tcPr>
+                </a:tc>
+                <a:tc>
+                  <a:txBody>
+                    <a:bodyPr/>
+                    <a:lstStyle/>
+                    <a:p>
+                      <a:pPr marL="0" marR="0" lvl="0" indent="0" algn="ctr" defTabSz="914400" rtl="0" eaLnBrk="1" fontAlgn="auto" latinLnBrk="0" hangingPunct="1">
+                        <a:lnSpc>
+                          <a:spcPct val="100000"/>
+                        </a:lnSpc>
+                        <a:spcBef>
+                          <a:spcPts val="0"/>
+                        </a:spcBef>
+                        <a:spcAft>
+                          <a:spcPts val="0"/>
+                        </a:spcAft>
+                        <a:buClrTx/>
+                        <a:buSzTx/>
+                        <a:buFontTx/>
+                        <a:buNone/>
+                        <a:tabLst/>
+                        <a:defRPr/>
+                      </a:pPr>
+                      <a:r>
+                        <a:rPr lang="en-US" sz="1100" dirty="0"/>
+                        <a:t>✅</a:t>
+                      </a:r>
+                    </a:p>
+                  </a:txBody>
+                  <a:tcPr>
+                    <a:lnL w="12700" cap="flat" cmpd="sng" algn="ctr">
+                      <a:solidFill>
+                        <a:schemeClr val="tx1"/>
+                      </a:solidFill>
+                      <a:prstDash val="solid"/>
+                      <a:round/>
+                      <a:headEnd type="none" w="med" len="med"/>
+                      <a:tailEnd type="none" w="med" len="med"/>
+                    </a:lnL>
+                    <a:lnR w="12700" cap="flat" cmpd="sng" algn="ctr">
+                      <a:solidFill>
+                        <a:schemeClr val="tx1"/>
+                      </a:solidFill>
+                      <a:prstDash val="solid"/>
+                      <a:round/>
+                      <a:headEnd type="none" w="med" len="med"/>
+                      <a:tailEnd type="none" w="med" len="med"/>
+                    </a:lnR>
+                  </a:tcPr>
+                </a:tc>
+                <a:tc>
+                  <a:txBody>
+                    <a:bodyPr/>
+                    <a:lstStyle/>
+                    <a:p>
+                      <a:pPr marL="0" marR="0" lvl="0" indent="0" algn="ctr" defTabSz="914400" rtl="0" eaLnBrk="1" fontAlgn="auto" latinLnBrk="0" hangingPunct="1">
+                        <a:lnSpc>
+                          <a:spcPct val="100000"/>
+                        </a:lnSpc>
+                        <a:spcBef>
+                          <a:spcPts val="0"/>
+                        </a:spcBef>
+                        <a:spcAft>
+                          <a:spcPts val="0"/>
+                        </a:spcAft>
+                        <a:buClrTx/>
+                        <a:buSzTx/>
+                        <a:buFontTx/>
+                        <a:buNone/>
+                        <a:tabLst/>
+                        <a:defRPr/>
+                      </a:pPr>
+                      <a:r>
+                        <a:rPr lang="en-US" sz="1100" dirty="0"/>
+                        <a:t>✅</a:t>
+                      </a:r>
+                    </a:p>
+                  </a:txBody>
+                  <a:tcPr>
+                    <a:lnL w="12700" cap="flat" cmpd="sng" algn="ctr">
+                      <a:solidFill>
+                        <a:schemeClr val="tx1"/>
+                      </a:solidFill>
+                      <a:prstDash val="solid"/>
+                      <a:round/>
+                      <a:headEnd type="none" w="med" len="med"/>
+                      <a:tailEnd type="none" w="med" len="med"/>
+                    </a:lnL>
+                    <a:lnR w="12700" cap="flat" cmpd="sng" algn="ctr">
+                      <a:solidFill>
+                        <a:schemeClr val="tx1"/>
+                      </a:solidFill>
+                      <a:prstDash val="solid"/>
+                      <a:round/>
+                      <a:headEnd type="none" w="med" len="med"/>
+                      <a:tailEnd type="none" w="med" len="med"/>
+                    </a:lnR>
+                  </a:tcPr>
+                </a:tc>
+                <a:tc>
+                  <a:txBody>
+                    <a:bodyPr/>
+                    <a:lstStyle/>
+                    <a:p>
+                      <a:pPr algn="ctr"/>
+                      <a:r>
+                        <a:rPr lang="en-US" sz="1100" dirty="0"/>
                         <a:t>❌</a:t>
+                      </a:r>
+                    </a:p>
+                  </a:txBody>
+                  <a:tcPr>
+                    <a:lnL w="12700" cap="flat" cmpd="sng" algn="ctr">
+                      <a:solidFill>
+                        <a:schemeClr val="tx1"/>
+                      </a:solidFill>
+                      <a:prstDash val="solid"/>
+                      <a:round/>
+                      <a:headEnd type="none" w="med" len="med"/>
+                      <a:tailEnd type="none" w="med" len="med"/>
+                    </a:lnL>
+                    <a:lnR w="12700" cap="flat" cmpd="sng" algn="ctr">
+                      <a:solidFill>
+                        <a:schemeClr val="tx1"/>
+                      </a:solidFill>
+                      <a:prstDash val="solid"/>
+                      <a:round/>
+                      <a:headEnd type="none" w="med" len="med"/>
+                      <a:tailEnd type="none" w="med" len="med"/>
+                    </a:lnR>
+                  </a:tcPr>
+                </a:tc>
+                <a:tc>
+                  <a:txBody>
+                    <a:bodyPr/>
+                    <a:lstStyle/>
+                    <a:p>
+                      <a:pPr marL="0" marR="0" lvl="0" indent="0" algn="ctr" defTabSz="914400" rtl="0" eaLnBrk="1" fontAlgn="auto" latinLnBrk="0" hangingPunct="1">
+                        <a:lnSpc>
+                          <a:spcPct val="100000"/>
+                        </a:lnSpc>
+                        <a:spcBef>
+                          <a:spcPts val="0"/>
+                        </a:spcBef>
+                        <a:spcAft>
+                          <a:spcPts val="0"/>
+                        </a:spcAft>
+                        <a:buClrTx/>
+                        <a:buSzTx/>
+                        <a:buFontTx/>
+                        <a:buNone/>
+                        <a:tabLst/>
+                        <a:defRPr/>
+                      </a:pPr>
+                      <a:r>
+                        <a:rPr lang="en-US" sz="1100" dirty="0"/>
+                        <a:t>✅</a:t>
+                      </a:r>
+                    </a:p>
+                  </a:txBody>
+                  <a:tcPr>
+                    <a:lnL w="12700" cap="flat" cmpd="sng" algn="ctr">
+                      <a:solidFill>
+                        <a:schemeClr val="tx1"/>
+                      </a:solidFill>
+                      <a:prstDash val="solid"/>
+                      <a:round/>
+                      <a:headEnd type="none" w="med" len="med"/>
+                      <a:tailEnd type="none" w="med" len="med"/>
+                    </a:lnL>
+                    <a:lnR w="12700" cap="flat" cmpd="sng" algn="ctr">
+                      <a:solidFill>
+                        <a:schemeClr val="tx1"/>
+                      </a:solidFill>
+                      <a:prstDash val="solid"/>
+                      <a:round/>
+                      <a:headEnd type="none" w="med" len="med"/>
+                      <a:tailEnd type="none" w="med" len="med"/>
+                    </a:lnR>
+                  </a:tcPr>
+                </a:tc>
+                <a:tc>
+                  <a:txBody>
+                    <a:bodyPr/>
+                    <a:lstStyle/>
+                    <a:p>
+                      <a:pPr marL="0" marR="0" lvl="0" indent="0" algn="ctr" defTabSz="914400" rtl="0" eaLnBrk="1" fontAlgn="auto" latinLnBrk="0" hangingPunct="1">
+                        <a:lnSpc>
+                          <a:spcPct val="100000"/>
+                        </a:lnSpc>
+                        <a:spcBef>
+                          <a:spcPts val="0"/>
+                        </a:spcBef>
+                        <a:spcAft>
+                          <a:spcPts val="0"/>
+                        </a:spcAft>
+                        <a:buClrTx/>
+                        <a:buSzTx/>
+                        <a:buFontTx/>
+                        <a:buNone/>
+                        <a:tabLst/>
+                        <a:defRPr/>
+                      </a:pPr>
+                      <a:r>
+                        <a:rPr lang="en-US" sz="1100" dirty="0"/>
+                        <a:t>✅</a:t>
+                      </a:r>
+                    </a:p>
+                  </a:txBody>
+                  <a:tcPr>
+                    <a:lnL w="12700" cap="flat" cmpd="sng" algn="ctr">
+                      <a:solidFill>
+                        <a:schemeClr val="tx1"/>
+                      </a:solidFill>
+                      <a:prstDash val="solid"/>
+                      <a:round/>
+                      <a:headEnd type="none" w="med" len="med"/>
+                      <a:tailEnd type="none" w="med" len="med"/>
+                    </a:lnL>
+                    <a:lnR w="12700" cap="flat" cmpd="sng" algn="ctr">
+                      <a:solidFill>
+                        <a:schemeClr val="tx1"/>
+                      </a:solidFill>
+                      <a:prstDash val="solid"/>
+                      <a:round/>
+                      <a:headEnd type="none" w="med" len="med"/>
+                      <a:tailEnd type="none" w="med" len="med"/>
+                    </a:lnR>
+                  </a:tcPr>
+                </a:tc>
+                <a:tc>
+                  <a:txBody>
+                    <a:bodyPr/>
+                    <a:lstStyle/>
+                    <a:p>
+                      <a:pPr marL="0" marR="0" lvl="0" indent="0" algn="ctr" defTabSz="914400" rtl="0" eaLnBrk="1" fontAlgn="auto" latinLnBrk="0" hangingPunct="1">
+                        <a:lnSpc>
+                          <a:spcPct val="100000"/>
+                        </a:lnSpc>
+                        <a:spcBef>
+                          <a:spcPts val="0"/>
+                        </a:spcBef>
+                        <a:spcAft>
+                          <a:spcPts val="0"/>
+                        </a:spcAft>
+                        <a:buClrTx/>
+                        <a:buSzTx/>
+                        <a:buFontTx/>
+                        <a:buNone/>
+                        <a:tabLst/>
+                        <a:defRPr/>
+                      </a:pPr>
+                      <a:r>
+                        <a:rPr lang="en-US" sz="1100" dirty="0"/>
+                        <a:t>✅</a:t>
+                      </a:r>
+                    </a:p>
+                  </a:txBody>
+                  <a:tcPr>
+                    <a:lnL w="12700" cap="flat" cmpd="sng" algn="ctr">
+                      <a:solidFill>
+                        <a:schemeClr val="tx1"/>
+                      </a:solidFill>
+                      <a:prstDash val="solid"/>
+                      <a:round/>
+                      <a:headEnd type="none" w="med" len="med"/>
+                      <a:tailEnd type="none" w="med" len="med"/>
+                    </a:lnL>
+                    <a:lnR w="12700" cap="flat" cmpd="sng" algn="ctr">
+                      <a:solidFill>
+                        <a:schemeClr val="tx1"/>
+                      </a:solidFill>
+                      <a:prstDash val="solid"/>
+                      <a:round/>
+                      <a:headEnd type="none" w="med" len="med"/>
+                      <a:tailEnd type="none" w="med" len="med"/>
+                    </a:lnR>
+                  </a:tcPr>
+                </a:tc>
+                <a:extLst>
+                  <a:ext uri="{0D108BD9-81ED-4DB2-BD59-A6C34878D82A}">
+                    <a16:rowId xmlns:a16="http://schemas.microsoft.com/office/drawing/2014/main" val="1268953817"/>
+                  </a:ext>
+                </a:extLst>
+              </a:tr>
+              <a:tr h="0">
+                <a:tc>
+                  <a:txBody>
+                    <a:bodyPr/>
+                    <a:lstStyle/>
+                    <a:p>
+                      <a:pPr algn="r"/>
+                      <a:r>
+                        <a:rPr lang="en-US" sz="1100" dirty="0"/>
+                        <a:t>Pub/sub</a:t>
+                      </a:r>
+                    </a:p>
+                  </a:txBody>
+                  <a:tcPr>
+                    <a:lnR w="12700" cap="flat" cmpd="sng" algn="ctr">
+                      <a:solidFill>
+                        <a:schemeClr val="tx1"/>
+                      </a:solidFill>
+                      <a:prstDash val="solid"/>
+                      <a:round/>
+                      <a:headEnd type="none" w="med" len="med"/>
+                      <a:tailEnd type="none" w="med" len="med"/>
+                    </a:lnR>
+                  </a:tcPr>
+                </a:tc>
+                <a:tc>
+                  <a:txBody>
+                    <a:bodyPr/>
+                    <a:lstStyle/>
+                    <a:p>
+                      <a:pPr marL="0" marR="0" lvl="0" indent="0" algn="ctr" defTabSz="914400" rtl="0" eaLnBrk="1" fontAlgn="auto" latinLnBrk="0" hangingPunct="1">
+                        <a:lnSpc>
+                          <a:spcPct val="100000"/>
+                        </a:lnSpc>
+                        <a:spcBef>
+                          <a:spcPts val="0"/>
+                        </a:spcBef>
+                        <a:spcAft>
+                          <a:spcPts val="0"/>
+                        </a:spcAft>
+                        <a:buClrTx/>
+                        <a:buSzTx/>
+                        <a:buFontTx/>
+                        <a:buNone/>
+                        <a:tabLst/>
+                        <a:defRPr/>
+                      </a:pPr>
+                      <a:r>
+                        <a:rPr lang="en-US" sz="1100" dirty="0"/>
+                        <a:t>✅</a:t>
+                      </a:r>
+                    </a:p>
+                  </a:txBody>
+                  <a:tcPr>
+                    <a:lnL w="12700" cap="flat" cmpd="sng" algn="ctr">
+                      <a:solidFill>
+                        <a:schemeClr val="tx1"/>
+                      </a:solidFill>
+                      <a:prstDash val="solid"/>
+                      <a:round/>
+                      <a:headEnd type="none" w="med" len="med"/>
+                      <a:tailEnd type="none" w="med" len="med"/>
+                    </a:lnL>
+                    <a:lnR w="12700" cap="flat" cmpd="sng" algn="ctr">
+                      <a:solidFill>
+                        <a:schemeClr val="tx1"/>
+                      </a:solidFill>
+                      <a:prstDash val="solid"/>
+                      <a:round/>
+                      <a:headEnd type="none" w="med" len="med"/>
+                      <a:tailEnd type="none" w="med" len="med"/>
+                    </a:lnR>
+                  </a:tcPr>
+                </a:tc>
+                <a:tc>
+                  <a:txBody>
+                    <a:bodyPr/>
+                    <a:lstStyle/>
+                    <a:p>
+                      <a:pPr marL="0" marR="0" lvl="0" indent="0" algn="ctr" defTabSz="914400" rtl="0" eaLnBrk="1" fontAlgn="auto" latinLnBrk="0" hangingPunct="1">
+                        <a:lnSpc>
+                          <a:spcPct val="100000"/>
+                        </a:lnSpc>
+                        <a:spcBef>
+                          <a:spcPts val="0"/>
+                        </a:spcBef>
+                        <a:spcAft>
+                          <a:spcPts val="0"/>
+                        </a:spcAft>
+                        <a:buClrTx/>
+                        <a:buSzTx/>
+                        <a:buFontTx/>
+                        <a:buNone/>
+                        <a:tabLst/>
+                        <a:defRPr/>
+                      </a:pPr>
+                      <a:r>
+                        <a:rPr lang="en-US" sz="1100" dirty="0"/>
+                        <a:t>✅</a:t>
                       </a:r>
                     </a:p>
                   </a:txBody>
@@ -9754,9 +13272,156 @@
                     </a:lnR>
                   </a:tcPr>
                 </a:tc>
+                <a:tc>
+                  <a:txBody>
+                    <a:bodyPr/>
+                    <a:lstStyle/>
+                    <a:p>
+                      <a:pPr marL="0" marR="0" lvl="0" indent="0" algn="ctr" defTabSz="914400" rtl="0" eaLnBrk="1" fontAlgn="auto" latinLnBrk="0" hangingPunct="1">
+                        <a:lnSpc>
+                          <a:spcPct val="100000"/>
+                        </a:lnSpc>
+                        <a:spcBef>
+                          <a:spcPts val="0"/>
+                        </a:spcBef>
+                        <a:spcAft>
+                          <a:spcPts val="0"/>
+                        </a:spcAft>
+                        <a:buClrTx/>
+                        <a:buSzTx/>
+                        <a:buFontTx/>
+                        <a:buNone/>
+                        <a:tabLst/>
+                        <a:defRPr/>
+                      </a:pPr>
+                      <a:r>
+                        <a:rPr lang="en-US" sz="1100" dirty="0"/>
+                        <a:t>✅</a:t>
+                      </a:r>
+                    </a:p>
+                  </a:txBody>
+                  <a:tcPr>
+                    <a:lnL w="12700" cap="flat" cmpd="sng" algn="ctr">
+                      <a:solidFill>
+                        <a:schemeClr val="tx1"/>
+                      </a:solidFill>
+                      <a:prstDash val="solid"/>
+                      <a:round/>
+                      <a:headEnd type="none" w="med" len="med"/>
+                      <a:tailEnd type="none" w="med" len="med"/>
+                    </a:lnL>
+                    <a:lnR w="12700" cap="flat" cmpd="sng" algn="ctr">
+                      <a:solidFill>
+                        <a:schemeClr val="tx1"/>
+                      </a:solidFill>
+                      <a:prstDash val="solid"/>
+                      <a:round/>
+                      <a:headEnd type="none" w="med" len="med"/>
+                      <a:tailEnd type="none" w="med" len="med"/>
+                    </a:lnR>
+                  </a:tcPr>
+                </a:tc>
+                <a:tc>
+                  <a:txBody>
+                    <a:bodyPr/>
+                    <a:lstStyle/>
+                    <a:p>
+                      <a:pPr marL="0" marR="0" lvl="0" indent="0" algn="ctr" defTabSz="914400" rtl="0" eaLnBrk="1" fontAlgn="auto" latinLnBrk="0" hangingPunct="1">
+                        <a:lnSpc>
+                          <a:spcPct val="100000"/>
+                        </a:lnSpc>
+                        <a:spcBef>
+                          <a:spcPts val="0"/>
+                        </a:spcBef>
+                        <a:spcAft>
+                          <a:spcPts val="0"/>
+                        </a:spcAft>
+                        <a:buClrTx/>
+                        <a:buSzTx/>
+                        <a:buFontTx/>
+                        <a:buNone/>
+                        <a:tabLst/>
+                        <a:defRPr/>
+                      </a:pPr>
+                      <a:r>
+                        <a:rPr lang="en-US" sz="1100" dirty="0"/>
+                        <a:t>✅</a:t>
+                      </a:r>
+                    </a:p>
+                  </a:txBody>
+                  <a:tcPr>
+                    <a:lnL w="12700" cap="flat" cmpd="sng" algn="ctr">
+                      <a:solidFill>
+                        <a:schemeClr val="tx1"/>
+                      </a:solidFill>
+                      <a:prstDash val="solid"/>
+                      <a:round/>
+                      <a:headEnd type="none" w="med" len="med"/>
+                      <a:tailEnd type="none" w="med" len="med"/>
+                    </a:lnL>
+                    <a:lnR w="12700" cap="flat" cmpd="sng" algn="ctr">
+                      <a:solidFill>
+                        <a:schemeClr val="tx1"/>
+                      </a:solidFill>
+                      <a:prstDash val="solid"/>
+                      <a:round/>
+                      <a:headEnd type="none" w="med" len="med"/>
+                      <a:tailEnd type="none" w="med" len="med"/>
+                    </a:lnR>
+                  </a:tcPr>
+                </a:tc>
+                <a:tc>
+                  <a:txBody>
+                    <a:bodyPr/>
+                    <a:lstStyle/>
+                    <a:p>
+                      <a:pPr marL="0" marR="0" lvl="0" indent="0" algn="ctr" defTabSz="914400" rtl="0" eaLnBrk="1" fontAlgn="auto" latinLnBrk="0" hangingPunct="1">
+                        <a:lnSpc>
+                          <a:spcPct val="100000"/>
+                        </a:lnSpc>
+                        <a:spcBef>
+                          <a:spcPts val="0"/>
+                        </a:spcBef>
+                        <a:spcAft>
+                          <a:spcPts val="0"/>
+                        </a:spcAft>
+                        <a:buClrTx/>
+                        <a:buSzTx/>
+                        <a:buFontTx/>
+                        <a:buNone/>
+                        <a:tabLst/>
+                        <a:defRPr/>
+                      </a:pPr>
+                      <a:r>
+                        <a:rPr lang="en-US" sz="1100" dirty="0"/>
+                        <a:t>✅</a:t>
+                      </a:r>
+                    </a:p>
+                  </a:txBody>
+                  <a:tcPr>
+                    <a:lnL w="12700" cap="flat" cmpd="sng" algn="ctr">
+                      <a:solidFill>
+                        <a:schemeClr val="tx1"/>
+                      </a:solidFill>
+                      <a:prstDash val="solid"/>
+                      <a:round/>
+                      <a:headEnd type="none" w="med" len="med"/>
+                      <a:tailEnd type="none" w="med" len="med"/>
+                    </a:lnL>
+                    <a:lnR w="12700" cap="flat" cmpd="sng" algn="ctr">
+                      <a:solidFill>
+                        <a:schemeClr val="tx1"/>
+                      </a:solidFill>
+                      <a:prstDash val="solid"/>
+                      <a:round/>
+                      <a:headEnd type="none" w="med" len="med"/>
+                      <a:tailEnd type="none" w="med" len="med"/>
+                    </a:lnR>
+                  </a:tcPr>
+                </a:tc>
                 <a:extLst>
                   <a:ext uri="{0D108BD9-81ED-4DB2-BD59-A6C34878D82A}">
-                    <a16:rowId xmlns:a16="http://schemas.microsoft.com/office/drawing/2014/main" val="4043217359"/>
+                    <a16:rowId xmlns:a16="http://schemas.microsoft.com/office/drawing/2014/main" val="3489824689"/>
                   </a:ext>
                 </a:extLst>
               </a:tr>
@@ -9774,6 +13439,104 @@
                     </a:p>
                   </a:txBody>
                   <a:tcPr>
+                    <a:lnR w="12700" cap="flat" cmpd="sng" algn="ctr">
+                      <a:solidFill>
+                        <a:schemeClr val="tx1"/>
+                      </a:solidFill>
+                      <a:prstDash val="solid"/>
+                      <a:round/>
+                      <a:headEnd type="none" w="med" len="med"/>
+                      <a:tailEnd type="none" w="med" len="med"/>
+                    </a:lnR>
+                  </a:tcPr>
+                </a:tc>
+                <a:tc>
+                  <a:txBody>
+                    <a:bodyPr/>
+                    <a:lstStyle/>
+                    <a:p>
+                      <a:pPr marL="0" marR="0" lvl="0" indent="0" algn="ctr" defTabSz="914400" rtl="0" eaLnBrk="1" fontAlgn="auto" latinLnBrk="0" hangingPunct="1">
+                        <a:lnSpc>
+                          <a:spcPct val="100000"/>
+                        </a:lnSpc>
+                        <a:spcBef>
+                          <a:spcPts val="0"/>
+                        </a:spcBef>
+                        <a:spcAft>
+                          <a:spcPts val="0"/>
+                        </a:spcAft>
+                        <a:buClrTx/>
+                        <a:buSzTx/>
+                        <a:buFontTx/>
+                        <a:buNone/>
+                        <a:tabLst/>
+                        <a:defRPr/>
+                      </a:pPr>
+                      <a:r>
+                        <a:rPr lang="en-US" sz="1100" dirty="0"/>
+                        <a:t>✅</a:t>
+                      </a:r>
+                    </a:p>
+                  </a:txBody>
+                  <a:tcPr>
+                    <a:lnL w="12700" cap="flat" cmpd="sng" algn="ctr">
+                      <a:solidFill>
+                        <a:schemeClr val="tx1"/>
+                      </a:solidFill>
+                      <a:prstDash val="solid"/>
+                      <a:round/>
+                      <a:headEnd type="none" w="med" len="med"/>
+                      <a:tailEnd type="none" w="med" len="med"/>
+                    </a:lnL>
+                    <a:lnR w="12700" cap="flat" cmpd="sng" algn="ctr">
+                      <a:solidFill>
+                        <a:schemeClr val="tx1"/>
+                      </a:solidFill>
+                      <a:prstDash val="solid"/>
+                      <a:round/>
+                      <a:headEnd type="none" w="med" len="med"/>
+                      <a:tailEnd type="none" w="med" len="med"/>
+                    </a:lnR>
+                  </a:tcPr>
+                </a:tc>
+                <a:tc>
+                  <a:txBody>
+                    <a:bodyPr/>
+                    <a:lstStyle/>
+                    <a:p>
+                      <a:pPr marL="0" marR="0" lvl="0" indent="0" algn="ctr" defTabSz="914400" rtl="0" eaLnBrk="1" fontAlgn="auto" latinLnBrk="0" hangingPunct="1">
+                        <a:lnSpc>
+                          <a:spcPct val="100000"/>
+                        </a:lnSpc>
+                        <a:spcBef>
+                          <a:spcPts val="0"/>
+                        </a:spcBef>
+                        <a:spcAft>
+                          <a:spcPts val="0"/>
+                        </a:spcAft>
+                        <a:buClrTx/>
+                        <a:buSzTx/>
+                        <a:buFontTx/>
+                        <a:buNone/>
+                        <a:tabLst/>
+                        <a:defRPr/>
+                      </a:pPr>
+                      <a:r>
+                        <a:rPr lang="en-US" sz="1100" dirty="0"/>
+                        <a:t>✅</a:t>
+                      </a:r>
+                    </a:p>
+                  </a:txBody>
+                  <a:tcPr>
+                    <a:lnL w="12700" cap="flat" cmpd="sng" algn="ctr">
+                      <a:solidFill>
+                        <a:schemeClr val="tx1"/>
+                      </a:solidFill>
+                      <a:prstDash val="solid"/>
+                      <a:round/>
+                      <a:headEnd type="none" w="med" len="med"/>
+                      <a:tailEnd type="none" w="med" len="med"/>
+                    </a:lnL>
                     <a:lnR w="12700" cap="flat" cmpd="sng" algn="ctr">
                       <a:solidFill>
                         <a:schemeClr val="tx1"/>
@@ -9956,7 +13719,7 @@
                       </a:pPr>
                       <a:r>
                         <a:rPr lang="en-US" sz="1100" dirty="0"/>
-                        <a:t>❌</a:t>
+                        <a:t>✅</a:t>
                       </a:r>
                     </a:p>
                   </a:txBody>
@@ -9981,156 +13744,9 @@
                     </a:lnR>
                   </a:tcPr>
                 </a:tc>
-                <a:tc>
-                  <a:txBody>
-                    <a:bodyPr/>
-                    <a:lstStyle/>
-                    <a:p>
-                      <a:pPr marL="0" marR="0" lvl="0" indent="0" algn="ctr" defTabSz="914400" rtl="0" eaLnBrk="1" fontAlgn="auto" latinLnBrk="0" hangingPunct="1">
-                        <a:lnSpc>
-                          <a:spcPct val="100000"/>
-                        </a:lnSpc>
-                        <a:spcBef>
-                          <a:spcPts val="0"/>
-                        </a:spcBef>
-                        <a:spcAft>
-                          <a:spcPts val="0"/>
-                        </a:spcAft>
-                        <a:buClrTx/>
-                        <a:buSzTx/>
-                        <a:buFontTx/>
-                        <a:buNone/>
-                        <a:tabLst/>
-                        <a:defRPr/>
-                      </a:pPr>
-                      <a:r>
-                        <a:rPr lang="en-US" sz="1100" dirty="0"/>
-                        <a:t>❌</a:t>
-                      </a:r>
-                    </a:p>
-                  </a:txBody>
-                  <a:tcPr>
-                    <a:lnL w="12700" cap="flat" cmpd="sng" algn="ctr">
-                      <a:solidFill>
-                        <a:schemeClr val="tx1"/>
-                      </a:solidFill>
-                      <a:prstDash val="solid"/>
-                      <a:round/>
-                      <a:headEnd type="none" w="med" len="med"/>
-                      <a:tailEnd type="none" w="med" len="med"/>
-                    </a:lnL>
-                    <a:lnR w="12700" cap="flat" cmpd="sng" algn="ctr">
-                      <a:solidFill>
-                        <a:schemeClr val="tx1"/>
-                      </a:solidFill>
-                      <a:prstDash val="solid"/>
-                      <a:round/>
-                      <a:headEnd type="none" w="med" len="med"/>
-                      <a:tailEnd type="none" w="med" len="med"/>
-                    </a:lnR>
-                  </a:tcPr>
-                </a:tc>
-                <a:tc>
-                  <a:txBody>
-                    <a:bodyPr/>
-                    <a:lstStyle/>
-                    <a:p>
-                      <a:pPr marL="0" marR="0" lvl="0" indent="0" algn="ctr" defTabSz="914400" rtl="0" eaLnBrk="1" fontAlgn="auto" latinLnBrk="0" hangingPunct="1">
-                        <a:lnSpc>
-                          <a:spcPct val="100000"/>
-                        </a:lnSpc>
-                        <a:spcBef>
-                          <a:spcPts val="0"/>
-                        </a:spcBef>
-                        <a:spcAft>
-                          <a:spcPts val="0"/>
-                        </a:spcAft>
-                        <a:buClrTx/>
-                        <a:buSzTx/>
-                        <a:buFontTx/>
-                        <a:buNone/>
-                        <a:tabLst/>
-                        <a:defRPr/>
-                      </a:pPr>
-                      <a:r>
-                        <a:rPr lang="en-US" sz="1100" dirty="0"/>
-                        <a:t>❌</a:t>
-                      </a:r>
-                    </a:p>
-                  </a:txBody>
-                  <a:tcPr>
-                    <a:lnL w="12700" cap="flat" cmpd="sng" algn="ctr">
-                      <a:solidFill>
-                        <a:schemeClr val="tx1"/>
-                      </a:solidFill>
-                      <a:prstDash val="solid"/>
-                      <a:round/>
-                      <a:headEnd type="none" w="med" len="med"/>
-                      <a:tailEnd type="none" w="med" len="med"/>
-                    </a:lnL>
-                    <a:lnR w="12700" cap="flat" cmpd="sng" algn="ctr">
-                      <a:solidFill>
-                        <a:schemeClr val="tx1"/>
-                      </a:solidFill>
-                      <a:prstDash val="solid"/>
-                      <a:round/>
-                      <a:headEnd type="none" w="med" len="med"/>
-                      <a:tailEnd type="none" w="med" len="med"/>
-                    </a:lnR>
-                  </a:tcPr>
-                </a:tc>
-                <a:tc>
-                  <a:txBody>
-                    <a:bodyPr/>
-                    <a:lstStyle/>
-                    <a:p>
-                      <a:pPr marL="0" marR="0" lvl="0" indent="0" algn="ctr" defTabSz="914400" rtl="0" eaLnBrk="1" fontAlgn="auto" latinLnBrk="0" hangingPunct="1">
-                        <a:lnSpc>
-                          <a:spcPct val="100000"/>
-                        </a:lnSpc>
-                        <a:spcBef>
-                          <a:spcPts val="0"/>
-                        </a:spcBef>
-                        <a:spcAft>
-                          <a:spcPts val="0"/>
-                        </a:spcAft>
-                        <a:buClrTx/>
-                        <a:buSzTx/>
-                        <a:buFontTx/>
-                        <a:buNone/>
-                        <a:tabLst/>
-                        <a:defRPr/>
-                      </a:pPr>
-                      <a:r>
-                        <a:rPr lang="en-US" sz="1100" dirty="0"/>
-                        <a:t>❌</a:t>
-                      </a:r>
-                    </a:p>
-                  </a:txBody>
-                  <a:tcPr>
-                    <a:lnL w="12700" cap="flat" cmpd="sng" algn="ctr">
-                      <a:solidFill>
-                        <a:schemeClr val="tx1"/>
-                      </a:solidFill>
-                      <a:prstDash val="solid"/>
-                      <a:round/>
-                      <a:headEnd type="none" w="med" len="med"/>
-                      <a:tailEnd type="none" w="med" len="med"/>
-                    </a:lnL>
-                    <a:lnR w="12700" cap="flat" cmpd="sng" algn="ctr">
-                      <a:solidFill>
-                        <a:schemeClr val="tx1"/>
-                      </a:solidFill>
-                      <a:prstDash val="solid"/>
-                      <a:round/>
-                      <a:headEnd type="none" w="med" len="med"/>
-                      <a:tailEnd type="none" w="med" len="med"/>
-                    </a:lnR>
-                  </a:tcPr>
-                </a:tc>
                 <a:extLst>
                   <a:ext uri="{0D108BD9-81ED-4DB2-BD59-A6C34878D82A}">
-                    <a16:rowId xmlns:a16="http://schemas.microsoft.com/office/drawing/2014/main" val="3777033443"/>
+                    <a16:rowId xmlns:a16="http://schemas.microsoft.com/office/drawing/2014/main" val="3628604036"/>
                   </a:ext>
                 </a:extLst>
               </a:tr>
@@ -10141,14 +13757,13 @@
                     <a:lstStyle/>
                     <a:p>
                       <a:r>
+                        <a:rPr lang="en-US" sz="1100" dirty="0" err="1"/>
+                        <a:t>Matchmore</a:t>
+                      </a:r>
+                      <a:r>
                         <a:rPr lang="en-US" sz="1100" dirty="0"/>
-                        <a:t>Custom Location Mode :</a:t>
+                        <a:t> REST API :</a:t>
                       </a:r>
-                      <a:endParaRPr lang="en-US" sz="1100" dirty="0">
-                        <a:solidFill>
-                          <a:schemeClr val="bg1"/>
-                        </a:solidFill>
-                      </a:endParaRPr>
                     </a:p>
                   </a:txBody>
                   <a:tcPr>
@@ -10162,360 +13777,8 @@
                       <a:tailEnd type="none" w="med" len="med"/>
                     </a:lnR>
                     <a:solidFill>
-                      <a:schemeClr val="accent1">
-                        <a:lumMod val="60000"/>
-                        <a:lumOff val="40000"/>
-                      </a:schemeClr>
+                      <a:srgbClr val="90ABDA"/>
                     </a:solidFill>
-                  </a:tcPr>
-                </a:tc>
-                <a:tc>
-                  <a:txBody>
-                    <a:bodyPr/>
-                    <a:lstStyle/>
-                    <a:p>
-                      <a:pPr algn="ctr"/>
-                      <a:endParaRPr lang="en-US" sz="1100" dirty="0">
-                        <a:solidFill>
-                          <a:schemeClr val="bg1"/>
-                        </a:solidFill>
-                      </a:endParaRPr>
-                    </a:p>
-                  </a:txBody>
-                  <a:tcPr>
-                    <a:lnL w="12700" cap="flat" cmpd="sng" algn="ctr">
-                      <a:solidFill>
-                        <a:schemeClr val="tx1"/>
-                      </a:solidFill>
-                      <a:prstDash val="solid"/>
-                      <a:round/>
-                      <a:headEnd type="none" w="med" len="med"/>
-                      <a:tailEnd type="none" w="med" len="med"/>
-                    </a:lnL>
-                    <a:lnR w="12700" cap="flat" cmpd="sng" algn="ctr">
-                      <a:solidFill>
-                        <a:schemeClr val="tx1"/>
-                      </a:solidFill>
-                      <a:prstDash val="solid"/>
-                      <a:round/>
-                      <a:headEnd type="none" w="med" len="med"/>
-                      <a:tailEnd type="none" w="med" len="med"/>
-                    </a:lnR>
-                    <a:solidFill>
-                      <a:schemeClr val="accent1">
-                        <a:lumMod val="60000"/>
-                        <a:lumOff val="40000"/>
-                      </a:schemeClr>
-                    </a:solidFill>
-                  </a:tcPr>
-                </a:tc>
-                <a:tc>
-                  <a:txBody>
-                    <a:bodyPr/>
-                    <a:lstStyle/>
-                    <a:p>
-                      <a:pPr algn="ctr"/>
-                      <a:endParaRPr lang="en-US" sz="1100" dirty="0">
-                        <a:solidFill>
-                          <a:schemeClr val="bg1"/>
-                        </a:solidFill>
-                      </a:endParaRPr>
-                    </a:p>
-                  </a:txBody>
-                  <a:tcPr>
-                    <a:lnL w="12700" cap="flat" cmpd="sng" algn="ctr">
-                      <a:solidFill>
-                        <a:schemeClr val="tx1"/>
-                      </a:solidFill>
-                      <a:prstDash val="solid"/>
-                      <a:round/>
-                      <a:headEnd type="none" w="med" len="med"/>
-                      <a:tailEnd type="none" w="med" len="med"/>
-                    </a:lnL>
-                    <a:lnR w="12700" cap="flat" cmpd="sng" algn="ctr">
-                      <a:solidFill>
-                        <a:schemeClr val="tx1"/>
-                      </a:solidFill>
-                      <a:prstDash val="solid"/>
-                      <a:round/>
-                      <a:headEnd type="none" w="med" len="med"/>
-                      <a:tailEnd type="none" w="med" len="med"/>
-                    </a:lnR>
-                    <a:solidFill>
-                      <a:schemeClr val="accent1">
-                        <a:lumMod val="60000"/>
-                        <a:lumOff val="40000"/>
-                      </a:schemeClr>
-                    </a:solidFill>
-                  </a:tcPr>
-                </a:tc>
-                <a:tc>
-                  <a:txBody>
-                    <a:bodyPr/>
-                    <a:lstStyle/>
-                    <a:p>
-                      <a:pPr algn="ctr"/>
-                      <a:endParaRPr lang="en-US" sz="1100" dirty="0">
-                        <a:solidFill>
-                          <a:schemeClr val="bg1"/>
-                        </a:solidFill>
-                      </a:endParaRPr>
-                    </a:p>
-                  </a:txBody>
-                  <a:tcPr>
-                    <a:lnL w="12700" cap="flat" cmpd="sng" algn="ctr">
-                      <a:solidFill>
-                        <a:schemeClr val="tx1"/>
-                      </a:solidFill>
-                      <a:prstDash val="solid"/>
-                      <a:round/>
-                      <a:headEnd type="none" w="med" len="med"/>
-                      <a:tailEnd type="none" w="med" len="med"/>
-                    </a:lnL>
-                    <a:lnR w="12700" cap="flat" cmpd="sng" algn="ctr">
-                      <a:solidFill>
-                        <a:schemeClr val="tx1"/>
-                      </a:solidFill>
-                      <a:prstDash val="solid"/>
-                      <a:round/>
-                      <a:headEnd type="none" w="med" len="med"/>
-                      <a:tailEnd type="none" w="med" len="med"/>
-                    </a:lnR>
-                    <a:solidFill>
-                      <a:schemeClr val="accent1">
-                        <a:lumMod val="60000"/>
-                        <a:lumOff val="40000"/>
-                      </a:schemeClr>
-                    </a:solidFill>
-                  </a:tcPr>
-                </a:tc>
-                <a:tc>
-                  <a:txBody>
-                    <a:bodyPr/>
-                    <a:lstStyle/>
-                    <a:p>
-                      <a:pPr algn="ctr"/>
-                      <a:endParaRPr lang="en-US" sz="1100" dirty="0">
-                        <a:solidFill>
-                          <a:schemeClr val="bg1"/>
-                        </a:solidFill>
-                      </a:endParaRPr>
-                    </a:p>
-                  </a:txBody>
-                  <a:tcPr>
-                    <a:lnL w="12700" cap="flat" cmpd="sng" algn="ctr">
-                      <a:solidFill>
-                        <a:schemeClr val="tx1"/>
-                      </a:solidFill>
-                      <a:prstDash val="solid"/>
-                      <a:round/>
-                      <a:headEnd type="none" w="med" len="med"/>
-                      <a:tailEnd type="none" w="med" len="med"/>
-                    </a:lnL>
-                    <a:lnR w="12700" cap="flat" cmpd="sng" algn="ctr">
-                      <a:solidFill>
-                        <a:schemeClr val="tx1"/>
-                      </a:solidFill>
-                      <a:prstDash val="solid"/>
-                      <a:round/>
-                      <a:headEnd type="none" w="med" len="med"/>
-                      <a:tailEnd type="none" w="med" len="med"/>
-                    </a:lnR>
-                    <a:solidFill>
-                      <a:schemeClr val="accent1">
-                        <a:lumMod val="60000"/>
-                        <a:lumOff val="40000"/>
-                      </a:schemeClr>
-                    </a:solidFill>
-                  </a:tcPr>
-                </a:tc>
-                <a:tc>
-                  <a:txBody>
-                    <a:bodyPr/>
-                    <a:lstStyle/>
-                    <a:p>
-                      <a:pPr algn="ctr"/>
-                      <a:endParaRPr lang="en-US" sz="1100" dirty="0">
-                        <a:solidFill>
-                          <a:schemeClr val="bg1"/>
-                        </a:solidFill>
-                      </a:endParaRPr>
-                    </a:p>
-                  </a:txBody>
-                  <a:tcPr>
-                    <a:lnL w="12700" cap="flat" cmpd="sng" algn="ctr">
-                      <a:solidFill>
-                        <a:schemeClr val="tx1"/>
-                      </a:solidFill>
-                      <a:prstDash val="solid"/>
-                      <a:round/>
-                      <a:headEnd type="none" w="med" len="med"/>
-                      <a:tailEnd type="none" w="med" len="med"/>
-                    </a:lnL>
-                    <a:lnR w="12700" cap="flat" cmpd="sng" algn="ctr">
-                      <a:solidFill>
-                        <a:schemeClr val="tx1"/>
-                      </a:solidFill>
-                      <a:prstDash val="solid"/>
-                      <a:round/>
-                      <a:headEnd type="none" w="med" len="med"/>
-                      <a:tailEnd type="none" w="med" len="med"/>
-                    </a:lnR>
-                    <a:solidFill>
-                      <a:schemeClr val="accent1">
-                        <a:lumMod val="60000"/>
-                        <a:lumOff val="40000"/>
-                      </a:schemeClr>
-                    </a:solidFill>
-                  </a:tcPr>
-                </a:tc>
-                <a:tc>
-                  <a:txBody>
-                    <a:bodyPr/>
-                    <a:lstStyle/>
-                    <a:p>
-                      <a:pPr algn="ctr"/>
-                      <a:endParaRPr lang="en-US" sz="1100" dirty="0">
-                        <a:solidFill>
-                          <a:schemeClr val="bg1"/>
-                        </a:solidFill>
-                      </a:endParaRPr>
-                    </a:p>
-                  </a:txBody>
-                  <a:tcPr>
-                    <a:lnL w="12700" cap="flat" cmpd="sng" algn="ctr">
-                      <a:solidFill>
-                        <a:schemeClr val="tx1"/>
-                      </a:solidFill>
-                      <a:prstDash val="solid"/>
-                      <a:round/>
-                      <a:headEnd type="none" w="med" len="med"/>
-                      <a:tailEnd type="none" w="med" len="med"/>
-                    </a:lnL>
-                    <a:lnR w="12700" cap="flat" cmpd="sng" algn="ctr">
-                      <a:solidFill>
-                        <a:schemeClr val="tx1"/>
-                      </a:solidFill>
-                      <a:prstDash val="solid"/>
-                      <a:round/>
-                      <a:headEnd type="none" w="med" len="med"/>
-                      <a:tailEnd type="none" w="med" len="med"/>
-                    </a:lnR>
-                    <a:solidFill>
-                      <a:schemeClr val="accent1">
-                        <a:lumMod val="60000"/>
-                        <a:lumOff val="40000"/>
-                      </a:schemeClr>
-                    </a:solidFill>
-                  </a:tcPr>
-                </a:tc>
-                <a:tc>
-                  <a:txBody>
-                    <a:bodyPr/>
-                    <a:lstStyle/>
-                    <a:p>
-                      <a:pPr algn="ctr"/>
-                      <a:endParaRPr lang="en-US" sz="1100" dirty="0">
-                        <a:solidFill>
-                          <a:schemeClr val="bg1"/>
-                        </a:solidFill>
-                      </a:endParaRPr>
-                    </a:p>
-                  </a:txBody>
-                  <a:tcPr>
-                    <a:lnL w="12700" cap="flat" cmpd="sng" algn="ctr">
-                      <a:solidFill>
-                        <a:schemeClr val="tx1"/>
-                      </a:solidFill>
-                      <a:prstDash val="solid"/>
-                      <a:round/>
-                      <a:headEnd type="none" w="med" len="med"/>
-                      <a:tailEnd type="none" w="med" len="med"/>
-                    </a:lnL>
-                    <a:lnR w="12700" cap="flat" cmpd="sng" algn="ctr">
-                      <a:solidFill>
-                        <a:schemeClr val="tx1"/>
-                      </a:solidFill>
-                      <a:prstDash val="solid"/>
-                      <a:round/>
-                      <a:headEnd type="none" w="med" len="med"/>
-                      <a:tailEnd type="none" w="med" len="med"/>
-                    </a:lnR>
-                    <a:solidFill>
-                      <a:schemeClr val="accent1">
-                        <a:lumMod val="60000"/>
-                        <a:lumOff val="40000"/>
-                      </a:schemeClr>
-                    </a:solidFill>
-                  </a:tcPr>
-                </a:tc>
-                <a:extLst>
-                  <a:ext uri="{0D108BD9-81ED-4DB2-BD59-A6C34878D82A}">
-                    <a16:rowId xmlns:a16="http://schemas.microsoft.com/office/drawing/2014/main" val="919168081"/>
-                  </a:ext>
-                </a:extLst>
-              </a:tr>
-              <a:tr h="0">
-                <a:tc>
-                  <a:txBody>
-                    <a:bodyPr/>
-                    <a:lstStyle/>
-                    <a:p>
-                      <a:pPr algn="r"/>
-                      <a:r>
-                        <a:rPr lang="en-US" sz="1100" dirty="0"/>
-                        <a:t>Foreground Mode</a:t>
-                      </a:r>
-                      <a:endParaRPr lang="en-US" sz="1100" dirty="0">
-                        <a:solidFill>
-                          <a:schemeClr val="tx1"/>
-                        </a:solidFill>
-                      </a:endParaRPr>
-                    </a:p>
-                  </a:txBody>
-                  <a:tcPr>
-                    <a:lnR w="12700" cap="flat" cmpd="sng" algn="ctr">
-                      <a:solidFill>
-                        <a:schemeClr val="tx1"/>
-                      </a:solidFill>
-                      <a:prstDash val="solid"/>
-                      <a:round/>
-                      <a:headEnd type="none" w="med" len="med"/>
-                      <a:tailEnd type="none" w="med" len="med"/>
-                    </a:lnR>
-                  </a:tcPr>
-                </a:tc>
-                <a:tc>
-                  <a:txBody>
-                    <a:bodyPr/>
-                    <a:lstStyle/>
-                    <a:p>
-                      <a:pPr algn="ctr"/>
-                      <a:r>
-                        <a:rPr lang="en-US" sz="1100" dirty="0"/>
-                        <a:t>❌</a:t>
-                      </a:r>
-                    </a:p>
-                  </a:txBody>
-                  <a:tcPr>
-                    <a:lnL w="12700" cap="flat" cmpd="sng" algn="ctr">
-                      <a:solidFill>
-                        <a:schemeClr val="tx1"/>
-                      </a:solidFill>
-                      <a:prstDash val="solid"/>
-                      <a:round/>
-                      <a:headEnd type="none" w="med" len="med"/>
-                      <a:tailEnd type="none" w="med" len="med"/>
-                    </a:lnL>
-                    <a:lnR w="12700" cap="flat" cmpd="sng" algn="ctr">
-                      <a:solidFill>
-                        <a:schemeClr val="tx1"/>
-                      </a:solidFill>
-                      <a:prstDash val="solid"/>
-                      <a:round/>
-                      <a:headEnd type="none" w="med" len="med"/>
-                      <a:tailEnd type="none" w="med" len="med"/>
-                    </a:lnR>
                   </a:tcPr>
                 </a:tc>
                 <a:tc>
@@ -10565,6 +13828,9 @@
                       <a:headEnd type="none" w="med" len="med"/>
                       <a:tailEnd type="none" w="med" len="med"/>
                     </a:lnR>
+                    <a:solidFill>
+                      <a:srgbClr val="90ABDA"/>
+                    </a:solidFill>
                   </a:tcPr>
                 </a:tc>
                 <a:tc>
@@ -10614,6 +13880,9 @@
                       <a:headEnd type="none" w="med" len="med"/>
                       <a:tailEnd type="none" w="med" len="med"/>
                     </a:lnR>
+                    <a:solidFill>
+                      <a:srgbClr val="90ABDA"/>
+                    </a:solidFill>
                   </a:tcPr>
                 </a:tc>
                 <a:tc>
@@ -10663,6 +13932,9 @@
                       <a:headEnd type="none" w="med" len="med"/>
                       <a:tailEnd type="none" w="med" len="med"/>
                     </a:lnR>
+                    <a:solidFill>
+                      <a:srgbClr val="90ABDA"/>
+                    </a:solidFill>
                   </a:tcPr>
                 </a:tc>
                 <a:tc>
@@ -10712,6 +13984,9 @@
                       <a:headEnd type="none" w="med" len="med"/>
                       <a:tailEnd type="none" w="med" len="med"/>
                     </a:lnR>
+                    <a:solidFill>
+                      <a:srgbClr val="90ABDA"/>
+                    </a:solidFill>
                   </a:tcPr>
                 </a:tc>
                 <a:tc>
@@ -10761,6 +14036,9 @@
                       <a:headEnd type="none" w="med" len="med"/>
                       <a:tailEnd type="none" w="med" len="med"/>
                     </a:lnR>
+                    <a:solidFill>
+                      <a:srgbClr val="90ABDA"/>
+                    </a:solidFill>
                   </a:tcPr>
                 </a:tc>
                 <a:tc>
@@ -10810,3532 +14088,14 @@
                       <a:headEnd type="none" w="med" len="med"/>
                       <a:tailEnd type="none" w="med" len="med"/>
                     </a:lnR>
+                    <a:solidFill>
+                      <a:srgbClr val="90ABDA"/>
+                    </a:solidFill>
                   </a:tcPr>
                 </a:tc>
                 <a:extLst>
                   <a:ext uri="{0D108BD9-81ED-4DB2-BD59-A6C34878D82A}">
-                    <a16:rowId xmlns:a16="http://schemas.microsoft.com/office/drawing/2014/main" val="2354163182"/>
-                  </a:ext>
-                </a:extLst>
-              </a:tr>
-              <a:tr h="0">
-                <a:tc>
-                  <a:txBody>
-                    <a:bodyPr/>
-                    <a:lstStyle/>
-                    <a:p>
-                      <a:pPr algn="r"/>
-                      <a:r>
-                        <a:rPr lang="en-US" sz="1100" dirty="0"/>
-                        <a:t>Background mode</a:t>
-                      </a:r>
-                    </a:p>
-                  </a:txBody>
-                  <a:tcPr>
-                    <a:lnR w="12700" cap="flat" cmpd="sng" algn="ctr">
-                      <a:solidFill>
-                        <a:schemeClr val="tx1"/>
-                      </a:solidFill>
-                      <a:prstDash val="solid"/>
-                      <a:round/>
-                      <a:headEnd type="none" w="med" len="med"/>
-                      <a:tailEnd type="none" w="med" len="med"/>
-                    </a:lnR>
-                  </a:tcPr>
-                </a:tc>
-                <a:tc>
-                  <a:txBody>
-                    <a:bodyPr/>
-                    <a:lstStyle/>
-                    <a:p>
-                      <a:pPr marL="0" marR="0" lvl="0" indent="0" algn="ctr" defTabSz="914400" rtl="0" eaLnBrk="1" fontAlgn="auto" latinLnBrk="0" hangingPunct="1">
-                        <a:lnSpc>
-                          <a:spcPct val="100000"/>
-                        </a:lnSpc>
-                        <a:spcBef>
-                          <a:spcPts val="0"/>
-                        </a:spcBef>
-                        <a:spcAft>
-                          <a:spcPts val="0"/>
-                        </a:spcAft>
-                        <a:buClrTx/>
-                        <a:buSzTx/>
-                        <a:buFontTx/>
-                        <a:buNone/>
-                        <a:tabLst/>
-                        <a:defRPr/>
-                      </a:pPr>
-                      <a:r>
-                        <a:rPr lang="en-US" sz="1100" dirty="0"/>
-                        <a:t>❌</a:t>
-                      </a:r>
-                    </a:p>
-                  </a:txBody>
-                  <a:tcPr>
-                    <a:lnL w="12700" cap="flat" cmpd="sng" algn="ctr">
-                      <a:solidFill>
-                        <a:schemeClr val="tx1"/>
-                      </a:solidFill>
-                      <a:prstDash val="solid"/>
-                      <a:round/>
-                      <a:headEnd type="none" w="med" len="med"/>
-                      <a:tailEnd type="none" w="med" len="med"/>
-                    </a:lnL>
-                    <a:lnR w="12700" cap="flat" cmpd="sng" algn="ctr">
-                      <a:solidFill>
-                        <a:schemeClr val="tx1"/>
-                      </a:solidFill>
-                      <a:prstDash val="solid"/>
-                      <a:round/>
-                      <a:headEnd type="none" w="med" len="med"/>
-                      <a:tailEnd type="none" w="med" len="med"/>
-                    </a:lnR>
-                  </a:tcPr>
-                </a:tc>
-                <a:tc>
-                  <a:txBody>
-                    <a:bodyPr/>
-                    <a:lstStyle/>
-                    <a:p>
-                      <a:pPr marL="0" marR="0" lvl="0" indent="0" algn="ctr" defTabSz="914400" rtl="0" eaLnBrk="1" fontAlgn="auto" latinLnBrk="0" hangingPunct="1">
-                        <a:lnSpc>
-                          <a:spcPct val="100000"/>
-                        </a:lnSpc>
-                        <a:spcBef>
-                          <a:spcPts val="0"/>
-                        </a:spcBef>
-                        <a:spcAft>
-                          <a:spcPts val="0"/>
-                        </a:spcAft>
-                        <a:buClrTx/>
-                        <a:buSzTx/>
-                        <a:buFontTx/>
-                        <a:buNone/>
-                        <a:tabLst/>
-                        <a:defRPr/>
-                      </a:pPr>
-                      <a:r>
-                        <a:rPr lang="en-US" sz="1100" dirty="0"/>
-                        <a:t>✅</a:t>
-                      </a:r>
-                    </a:p>
-                  </a:txBody>
-                  <a:tcPr>
-                    <a:lnL w="12700" cap="flat" cmpd="sng" algn="ctr">
-                      <a:solidFill>
-                        <a:schemeClr val="tx1"/>
-                      </a:solidFill>
-                      <a:prstDash val="solid"/>
-                      <a:round/>
-                      <a:headEnd type="none" w="med" len="med"/>
-                      <a:tailEnd type="none" w="med" len="med"/>
-                    </a:lnL>
-                    <a:lnR w="12700" cap="flat" cmpd="sng" algn="ctr">
-                      <a:solidFill>
-                        <a:schemeClr val="tx1"/>
-                      </a:solidFill>
-                      <a:prstDash val="solid"/>
-                      <a:round/>
-                      <a:headEnd type="none" w="med" len="med"/>
-                      <a:tailEnd type="none" w="med" len="med"/>
-                    </a:lnR>
-                  </a:tcPr>
-                </a:tc>
-                <a:tc>
-                  <a:txBody>
-                    <a:bodyPr/>
-                    <a:lstStyle/>
-                    <a:p>
-                      <a:pPr marL="0" marR="0" lvl="0" indent="0" algn="ctr" defTabSz="914400" rtl="0" eaLnBrk="1" fontAlgn="auto" latinLnBrk="0" hangingPunct="1">
-                        <a:lnSpc>
-                          <a:spcPct val="100000"/>
-                        </a:lnSpc>
-                        <a:spcBef>
-                          <a:spcPts val="0"/>
-                        </a:spcBef>
-                        <a:spcAft>
-                          <a:spcPts val="0"/>
-                        </a:spcAft>
-                        <a:buClrTx/>
-                        <a:buSzTx/>
-                        <a:buFontTx/>
-                        <a:buNone/>
-                        <a:tabLst/>
-                        <a:defRPr/>
-                      </a:pPr>
-                      <a:r>
-                        <a:rPr lang="en-US" sz="1100" dirty="0"/>
-                        <a:t>✅</a:t>
-                      </a:r>
-                    </a:p>
-                  </a:txBody>
-                  <a:tcPr>
-                    <a:lnL w="12700" cap="flat" cmpd="sng" algn="ctr">
-                      <a:solidFill>
-                        <a:schemeClr val="tx1"/>
-                      </a:solidFill>
-                      <a:prstDash val="solid"/>
-                      <a:round/>
-                      <a:headEnd type="none" w="med" len="med"/>
-                      <a:tailEnd type="none" w="med" len="med"/>
-                    </a:lnL>
-                    <a:lnR w="12700" cap="flat" cmpd="sng" algn="ctr">
-                      <a:solidFill>
-                        <a:schemeClr val="tx1"/>
-                      </a:solidFill>
-                      <a:prstDash val="solid"/>
-                      <a:round/>
-                      <a:headEnd type="none" w="med" len="med"/>
-                      <a:tailEnd type="none" w="med" len="med"/>
-                    </a:lnR>
-                  </a:tcPr>
-                </a:tc>
-                <a:tc>
-                  <a:txBody>
-                    <a:bodyPr/>
-                    <a:lstStyle/>
-                    <a:p>
-                      <a:pPr marL="0" marR="0" lvl="0" indent="0" algn="ctr" defTabSz="914400" rtl="0" eaLnBrk="1" fontAlgn="auto" latinLnBrk="0" hangingPunct="1">
-                        <a:lnSpc>
-                          <a:spcPct val="100000"/>
-                        </a:lnSpc>
-                        <a:spcBef>
-                          <a:spcPts val="0"/>
-                        </a:spcBef>
-                        <a:spcAft>
-                          <a:spcPts val="0"/>
-                        </a:spcAft>
-                        <a:buClrTx/>
-                        <a:buSzTx/>
-                        <a:buFontTx/>
-                        <a:buNone/>
-                        <a:tabLst/>
-                        <a:defRPr/>
-                      </a:pPr>
-                      <a:r>
-                        <a:rPr lang="en-US" sz="1100" dirty="0"/>
-                        <a:t>✅</a:t>
-                      </a:r>
-                    </a:p>
-                  </a:txBody>
-                  <a:tcPr>
-                    <a:lnL w="12700" cap="flat" cmpd="sng" algn="ctr">
-                      <a:solidFill>
-                        <a:schemeClr val="tx1"/>
-                      </a:solidFill>
-                      <a:prstDash val="solid"/>
-                      <a:round/>
-                      <a:headEnd type="none" w="med" len="med"/>
-                      <a:tailEnd type="none" w="med" len="med"/>
-                    </a:lnL>
-                    <a:lnR w="12700" cap="flat" cmpd="sng" algn="ctr">
-                      <a:solidFill>
-                        <a:schemeClr val="tx1"/>
-                      </a:solidFill>
-                      <a:prstDash val="solid"/>
-                      <a:round/>
-                      <a:headEnd type="none" w="med" len="med"/>
-                      <a:tailEnd type="none" w="med" len="med"/>
-                    </a:lnR>
-                  </a:tcPr>
-                </a:tc>
-                <a:tc>
-                  <a:txBody>
-                    <a:bodyPr/>
-                    <a:lstStyle/>
-                    <a:p>
-                      <a:pPr marL="0" marR="0" lvl="0" indent="0" algn="ctr" defTabSz="914400" rtl="0" eaLnBrk="1" fontAlgn="auto" latinLnBrk="0" hangingPunct="1">
-                        <a:lnSpc>
-                          <a:spcPct val="100000"/>
-                        </a:lnSpc>
-                        <a:spcBef>
-                          <a:spcPts val="0"/>
-                        </a:spcBef>
-                        <a:spcAft>
-                          <a:spcPts val="0"/>
-                        </a:spcAft>
-                        <a:buClrTx/>
-                        <a:buSzTx/>
-                        <a:buFontTx/>
-                        <a:buNone/>
-                        <a:tabLst/>
-                        <a:defRPr/>
-                      </a:pPr>
-                      <a:r>
-                        <a:rPr lang="en-US" sz="1100" dirty="0"/>
-                        <a:t>✅</a:t>
-                      </a:r>
-                    </a:p>
-                  </a:txBody>
-                  <a:tcPr>
-                    <a:lnL w="12700" cap="flat" cmpd="sng" algn="ctr">
-                      <a:solidFill>
-                        <a:schemeClr val="tx1"/>
-                      </a:solidFill>
-                      <a:prstDash val="solid"/>
-                      <a:round/>
-                      <a:headEnd type="none" w="med" len="med"/>
-                      <a:tailEnd type="none" w="med" len="med"/>
-                    </a:lnL>
-                    <a:lnR w="12700" cap="flat" cmpd="sng" algn="ctr">
-                      <a:solidFill>
-                        <a:schemeClr val="tx1"/>
-                      </a:solidFill>
-                      <a:prstDash val="solid"/>
-                      <a:round/>
-                      <a:headEnd type="none" w="med" len="med"/>
-                      <a:tailEnd type="none" w="med" len="med"/>
-                    </a:lnR>
-                  </a:tcPr>
-                </a:tc>
-                <a:tc>
-                  <a:txBody>
-                    <a:bodyPr/>
-                    <a:lstStyle/>
-                    <a:p>
-                      <a:pPr marL="0" marR="0" lvl="0" indent="0" algn="ctr" defTabSz="914400" rtl="0" eaLnBrk="1" fontAlgn="auto" latinLnBrk="0" hangingPunct="1">
-                        <a:lnSpc>
-                          <a:spcPct val="100000"/>
-                        </a:lnSpc>
-                        <a:spcBef>
-                          <a:spcPts val="0"/>
-                        </a:spcBef>
-                        <a:spcAft>
-                          <a:spcPts val="0"/>
-                        </a:spcAft>
-                        <a:buClrTx/>
-                        <a:buSzTx/>
-                        <a:buFontTx/>
-                        <a:buNone/>
-                        <a:tabLst/>
-                        <a:defRPr/>
-                      </a:pPr>
-                      <a:r>
-                        <a:rPr lang="en-US" sz="1100" dirty="0"/>
-                        <a:t>✅</a:t>
-                      </a:r>
-                    </a:p>
-                  </a:txBody>
-                  <a:tcPr>
-                    <a:lnL w="12700" cap="flat" cmpd="sng" algn="ctr">
-                      <a:solidFill>
-                        <a:schemeClr val="tx1"/>
-                      </a:solidFill>
-                      <a:prstDash val="solid"/>
-                      <a:round/>
-                      <a:headEnd type="none" w="med" len="med"/>
-                      <a:tailEnd type="none" w="med" len="med"/>
-                    </a:lnL>
-                    <a:lnR w="12700" cap="flat" cmpd="sng" algn="ctr">
-                      <a:solidFill>
-                        <a:schemeClr val="tx1"/>
-                      </a:solidFill>
-                      <a:prstDash val="solid"/>
-                      <a:round/>
-                      <a:headEnd type="none" w="med" len="med"/>
-                      <a:tailEnd type="none" w="med" len="med"/>
-                    </a:lnR>
-                  </a:tcPr>
-                </a:tc>
-                <a:tc>
-                  <a:txBody>
-                    <a:bodyPr/>
-                    <a:lstStyle/>
-                    <a:p>
-                      <a:pPr marL="0" marR="0" lvl="0" indent="0" algn="ctr" defTabSz="914400" rtl="0" eaLnBrk="1" fontAlgn="auto" latinLnBrk="0" hangingPunct="1">
-                        <a:lnSpc>
-                          <a:spcPct val="100000"/>
-                        </a:lnSpc>
-                        <a:spcBef>
-                          <a:spcPts val="0"/>
-                        </a:spcBef>
-                        <a:spcAft>
-                          <a:spcPts val="0"/>
-                        </a:spcAft>
-                        <a:buClrTx/>
-                        <a:buSzTx/>
-                        <a:buFontTx/>
-                        <a:buNone/>
-                        <a:tabLst/>
-                        <a:defRPr/>
-                      </a:pPr>
-                      <a:r>
-                        <a:rPr lang="en-US" sz="1100" dirty="0"/>
-                        <a:t>✅</a:t>
-                      </a:r>
-                    </a:p>
-                  </a:txBody>
-                  <a:tcPr>
-                    <a:lnL w="12700" cap="flat" cmpd="sng" algn="ctr">
-                      <a:solidFill>
-                        <a:schemeClr val="tx1"/>
-                      </a:solidFill>
-                      <a:prstDash val="solid"/>
-                      <a:round/>
-                      <a:headEnd type="none" w="med" len="med"/>
-                      <a:tailEnd type="none" w="med" len="med"/>
-                    </a:lnL>
-                    <a:lnR w="12700" cap="flat" cmpd="sng" algn="ctr">
-                      <a:solidFill>
-                        <a:schemeClr val="tx1"/>
-                      </a:solidFill>
-                      <a:prstDash val="solid"/>
-                      <a:round/>
-                      <a:headEnd type="none" w="med" len="med"/>
-                      <a:tailEnd type="none" w="med" len="med"/>
-                    </a:lnR>
-                  </a:tcPr>
-                </a:tc>
-                <a:extLst>
-                  <a:ext uri="{0D108BD9-81ED-4DB2-BD59-A6C34878D82A}">
-                    <a16:rowId xmlns:a16="http://schemas.microsoft.com/office/drawing/2014/main" val="3818772247"/>
-                  </a:ext>
-                </a:extLst>
-              </a:tr>
-              <a:tr h="0">
-                <a:tc>
-                  <a:txBody>
-                    <a:bodyPr/>
-                    <a:lstStyle/>
-                    <a:p>
-                      <a:pPr algn="r"/>
-                      <a:r>
-                        <a:rPr lang="en-US" sz="1100" dirty="0"/>
-                        <a:t>Terminated mode</a:t>
-                      </a:r>
-                    </a:p>
-                  </a:txBody>
-                  <a:tcPr>
-                    <a:lnR w="12700" cap="flat" cmpd="sng" algn="ctr">
-                      <a:solidFill>
-                        <a:schemeClr val="tx1"/>
-                      </a:solidFill>
-                      <a:prstDash val="solid"/>
-                      <a:round/>
-                      <a:headEnd type="none" w="med" len="med"/>
-                      <a:tailEnd type="none" w="med" len="med"/>
-                    </a:lnR>
-                  </a:tcPr>
-                </a:tc>
-                <a:tc>
-                  <a:txBody>
-                    <a:bodyPr/>
-                    <a:lstStyle/>
-                    <a:p>
-                      <a:pPr marL="0" marR="0" lvl="0" indent="0" algn="ctr" defTabSz="914400" rtl="0" eaLnBrk="1" fontAlgn="auto" latinLnBrk="0" hangingPunct="1">
-                        <a:lnSpc>
-                          <a:spcPct val="100000"/>
-                        </a:lnSpc>
-                        <a:spcBef>
-                          <a:spcPts val="0"/>
-                        </a:spcBef>
-                        <a:spcAft>
-                          <a:spcPts val="0"/>
-                        </a:spcAft>
-                        <a:buClrTx/>
-                        <a:buSzTx/>
-                        <a:buFontTx/>
-                        <a:buNone/>
-                        <a:tabLst/>
-                        <a:defRPr/>
-                      </a:pPr>
-                      <a:r>
-                        <a:rPr lang="en-US" sz="1100" dirty="0"/>
-                        <a:t>❌</a:t>
-                      </a:r>
-                    </a:p>
-                  </a:txBody>
-                  <a:tcPr>
-                    <a:lnL w="12700" cap="flat" cmpd="sng" algn="ctr">
-                      <a:solidFill>
-                        <a:schemeClr val="tx1"/>
-                      </a:solidFill>
-                      <a:prstDash val="solid"/>
-                      <a:round/>
-                      <a:headEnd type="none" w="med" len="med"/>
-                      <a:tailEnd type="none" w="med" len="med"/>
-                    </a:lnL>
-                    <a:lnR w="12700" cap="flat" cmpd="sng" algn="ctr">
-                      <a:solidFill>
-                        <a:schemeClr val="tx1"/>
-                      </a:solidFill>
-                      <a:prstDash val="solid"/>
-                      <a:round/>
-                      <a:headEnd type="none" w="med" len="med"/>
-                      <a:tailEnd type="none" w="med" len="med"/>
-                    </a:lnR>
-                  </a:tcPr>
-                </a:tc>
-                <a:tc>
-                  <a:txBody>
-                    <a:bodyPr/>
-                    <a:lstStyle/>
-                    <a:p>
-                      <a:pPr marL="0" marR="0" lvl="0" indent="0" algn="ctr" defTabSz="914400" rtl="0" eaLnBrk="1" fontAlgn="auto" latinLnBrk="0" hangingPunct="1">
-                        <a:lnSpc>
-                          <a:spcPct val="100000"/>
-                        </a:lnSpc>
-                        <a:spcBef>
-                          <a:spcPts val="0"/>
-                        </a:spcBef>
-                        <a:spcAft>
-                          <a:spcPts val="0"/>
-                        </a:spcAft>
-                        <a:buClrTx/>
-                        <a:buSzTx/>
-                        <a:buFontTx/>
-                        <a:buNone/>
-                        <a:tabLst/>
-                        <a:defRPr/>
-                      </a:pPr>
-                      <a:r>
-                        <a:rPr lang="en-US" sz="1100" dirty="0"/>
-                        <a:t>✅</a:t>
-                      </a:r>
-                    </a:p>
-                  </a:txBody>
-                  <a:tcPr>
-                    <a:lnL w="12700" cap="flat" cmpd="sng" algn="ctr">
-                      <a:solidFill>
-                        <a:schemeClr val="tx1"/>
-                      </a:solidFill>
-                      <a:prstDash val="solid"/>
-                      <a:round/>
-                      <a:headEnd type="none" w="med" len="med"/>
-                      <a:tailEnd type="none" w="med" len="med"/>
-                    </a:lnL>
-                    <a:lnR w="12700" cap="flat" cmpd="sng" algn="ctr">
-                      <a:solidFill>
-                        <a:schemeClr val="tx1"/>
-                      </a:solidFill>
-                      <a:prstDash val="solid"/>
-                      <a:round/>
-                      <a:headEnd type="none" w="med" len="med"/>
-                      <a:tailEnd type="none" w="med" len="med"/>
-                    </a:lnR>
-                  </a:tcPr>
-                </a:tc>
-                <a:tc>
-                  <a:txBody>
-                    <a:bodyPr/>
-                    <a:lstStyle/>
-                    <a:p>
-                      <a:pPr marL="0" marR="0" lvl="0" indent="0" algn="ctr" defTabSz="914400" rtl="0" eaLnBrk="1" fontAlgn="auto" latinLnBrk="0" hangingPunct="1">
-                        <a:lnSpc>
-                          <a:spcPct val="100000"/>
-                        </a:lnSpc>
-                        <a:spcBef>
-                          <a:spcPts val="0"/>
-                        </a:spcBef>
-                        <a:spcAft>
-                          <a:spcPts val="0"/>
-                        </a:spcAft>
-                        <a:buClrTx/>
-                        <a:buSzTx/>
-                        <a:buFontTx/>
-                        <a:buNone/>
-                        <a:tabLst/>
-                        <a:defRPr/>
-                      </a:pPr>
-                      <a:r>
-                        <a:rPr lang="en-US" sz="1100" dirty="0"/>
-                        <a:t>❌</a:t>
-                      </a:r>
-                    </a:p>
-                  </a:txBody>
-                  <a:tcPr>
-                    <a:lnL w="12700" cap="flat" cmpd="sng" algn="ctr">
-                      <a:solidFill>
-                        <a:schemeClr val="tx1"/>
-                      </a:solidFill>
-                      <a:prstDash val="solid"/>
-                      <a:round/>
-                      <a:headEnd type="none" w="med" len="med"/>
-                      <a:tailEnd type="none" w="med" len="med"/>
-                    </a:lnL>
-                    <a:lnR w="12700" cap="flat" cmpd="sng" algn="ctr">
-                      <a:solidFill>
-                        <a:schemeClr val="tx1"/>
-                      </a:solidFill>
-                      <a:prstDash val="solid"/>
-                      <a:round/>
-                      <a:headEnd type="none" w="med" len="med"/>
-                      <a:tailEnd type="none" w="med" len="med"/>
-                    </a:lnR>
-                  </a:tcPr>
-                </a:tc>
-                <a:tc>
-                  <a:txBody>
-                    <a:bodyPr/>
-                    <a:lstStyle/>
-                    <a:p>
-                      <a:pPr marL="0" marR="0" lvl="0" indent="0" algn="ctr" defTabSz="914400" rtl="0" eaLnBrk="1" fontAlgn="auto" latinLnBrk="0" hangingPunct="1">
-                        <a:lnSpc>
-                          <a:spcPct val="100000"/>
-                        </a:lnSpc>
-                        <a:spcBef>
-                          <a:spcPts val="0"/>
-                        </a:spcBef>
-                        <a:spcAft>
-                          <a:spcPts val="0"/>
-                        </a:spcAft>
-                        <a:buClrTx/>
-                        <a:buSzTx/>
-                        <a:buFontTx/>
-                        <a:buNone/>
-                        <a:tabLst/>
-                        <a:defRPr/>
-                      </a:pPr>
-                      <a:r>
-                        <a:rPr lang="en-US" sz="1100" dirty="0"/>
-                        <a:t>✅</a:t>
-                      </a:r>
-                    </a:p>
-                  </a:txBody>
-                  <a:tcPr>
-                    <a:lnL w="12700" cap="flat" cmpd="sng" algn="ctr">
-                      <a:solidFill>
-                        <a:schemeClr val="tx1"/>
-                      </a:solidFill>
-                      <a:prstDash val="solid"/>
-                      <a:round/>
-                      <a:headEnd type="none" w="med" len="med"/>
-                      <a:tailEnd type="none" w="med" len="med"/>
-                    </a:lnL>
-                    <a:lnR w="12700" cap="flat" cmpd="sng" algn="ctr">
-                      <a:solidFill>
-                        <a:schemeClr val="tx1"/>
-                      </a:solidFill>
-                      <a:prstDash val="solid"/>
-                      <a:round/>
-                      <a:headEnd type="none" w="med" len="med"/>
-                      <a:tailEnd type="none" w="med" len="med"/>
-                    </a:lnR>
-                  </a:tcPr>
-                </a:tc>
-                <a:tc>
-                  <a:txBody>
-                    <a:bodyPr/>
-                    <a:lstStyle/>
-                    <a:p>
-                      <a:pPr marL="0" marR="0" lvl="0" indent="0" algn="ctr" defTabSz="914400" rtl="0" eaLnBrk="1" fontAlgn="auto" latinLnBrk="0" hangingPunct="1">
-                        <a:lnSpc>
-                          <a:spcPct val="100000"/>
-                        </a:lnSpc>
-                        <a:spcBef>
-                          <a:spcPts val="0"/>
-                        </a:spcBef>
-                        <a:spcAft>
-                          <a:spcPts val="0"/>
-                        </a:spcAft>
-                        <a:buClrTx/>
-                        <a:buSzTx/>
-                        <a:buFontTx/>
-                        <a:buNone/>
-                        <a:tabLst/>
-                        <a:defRPr/>
-                      </a:pPr>
-                      <a:r>
-                        <a:rPr lang="en-US" sz="1100" dirty="0"/>
-                        <a:t>✅</a:t>
-                      </a:r>
-                    </a:p>
-                  </a:txBody>
-                  <a:tcPr>
-                    <a:lnL w="12700" cap="flat" cmpd="sng" algn="ctr">
-                      <a:solidFill>
-                        <a:schemeClr val="tx1"/>
-                      </a:solidFill>
-                      <a:prstDash val="solid"/>
-                      <a:round/>
-                      <a:headEnd type="none" w="med" len="med"/>
-                      <a:tailEnd type="none" w="med" len="med"/>
-                    </a:lnL>
-                    <a:lnR w="12700" cap="flat" cmpd="sng" algn="ctr">
-                      <a:solidFill>
-                        <a:schemeClr val="tx1"/>
-                      </a:solidFill>
-                      <a:prstDash val="solid"/>
-                      <a:round/>
-                      <a:headEnd type="none" w="med" len="med"/>
-                      <a:tailEnd type="none" w="med" len="med"/>
-                    </a:lnR>
-                  </a:tcPr>
-                </a:tc>
-                <a:tc>
-                  <a:txBody>
-                    <a:bodyPr/>
-                    <a:lstStyle/>
-                    <a:p>
-                      <a:pPr marL="0" marR="0" lvl="0" indent="0" algn="ctr" defTabSz="914400" rtl="0" eaLnBrk="1" fontAlgn="auto" latinLnBrk="0" hangingPunct="1">
-                        <a:lnSpc>
-                          <a:spcPct val="100000"/>
-                        </a:lnSpc>
-                        <a:spcBef>
-                          <a:spcPts val="0"/>
-                        </a:spcBef>
-                        <a:spcAft>
-                          <a:spcPts val="0"/>
-                        </a:spcAft>
-                        <a:buClrTx/>
-                        <a:buSzTx/>
-                        <a:buFontTx/>
-                        <a:buNone/>
-                        <a:tabLst/>
-                        <a:defRPr/>
-                      </a:pPr>
-                      <a:r>
-                        <a:rPr lang="en-US" sz="1100" dirty="0"/>
-                        <a:t>✅</a:t>
-                      </a:r>
-                    </a:p>
-                  </a:txBody>
-                  <a:tcPr>
-                    <a:lnL w="12700" cap="flat" cmpd="sng" algn="ctr">
-                      <a:solidFill>
-                        <a:schemeClr val="tx1"/>
-                      </a:solidFill>
-                      <a:prstDash val="solid"/>
-                      <a:round/>
-                      <a:headEnd type="none" w="med" len="med"/>
-                      <a:tailEnd type="none" w="med" len="med"/>
-                    </a:lnL>
-                    <a:lnR w="12700" cap="flat" cmpd="sng" algn="ctr">
-                      <a:solidFill>
-                        <a:schemeClr val="tx1"/>
-                      </a:solidFill>
-                      <a:prstDash val="solid"/>
-                      <a:round/>
-                      <a:headEnd type="none" w="med" len="med"/>
-                      <a:tailEnd type="none" w="med" len="med"/>
-                    </a:lnR>
-                  </a:tcPr>
-                </a:tc>
-                <a:tc>
-                  <a:txBody>
-                    <a:bodyPr/>
-                    <a:lstStyle/>
-                    <a:p>
-                      <a:pPr marL="0" marR="0" lvl="0" indent="0" algn="ctr" defTabSz="914400" rtl="0" eaLnBrk="1" fontAlgn="auto" latinLnBrk="0" hangingPunct="1">
-                        <a:lnSpc>
-                          <a:spcPct val="100000"/>
-                        </a:lnSpc>
-                        <a:spcBef>
-                          <a:spcPts val="0"/>
-                        </a:spcBef>
-                        <a:spcAft>
-                          <a:spcPts val="0"/>
-                        </a:spcAft>
-                        <a:buClrTx/>
-                        <a:buSzTx/>
-                        <a:buFontTx/>
-                        <a:buNone/>
-                        <a:tabLst/>
-                        <a:defRPr/>
-                      </a:pPr>
-                      <a:r>
-                        <a:rPr lang="en-US" sz="1100" dirty="0"/>
-                        <a:t>✅</a:t>
-                      </a:r>
-                    </a:p>
-                  </a:txBody>
-                  <a:tcPr>
-                    <a:lnL w="12700" cap="flat" cmpd="sng" algn="ctr">
-                      <a:solidFill>
-                        <a:schemeClr val="tx1"/>
-                      </a:solidFill>
-                      <a:prstDash val="solid"/>
-                      <a:round/>
-                      <a:headEnd type="none" w="med" len="med"/>
-                      <a:tailEnd type="none" w="med" len="med"/>
-                    </a:lnL>
-                    <a:lnR w="12700" cap="flat" cmpd="sng" algn="ctr">
-                      <a:solidFill>
-                        <a:schemeClr val="tx1"/>
-                      </a:solidFill>
-                      <a:prstDash val="solid"/>
-                      <a:round/>
-                      <a:headEnd type="none" w="med" len="med"/>
-                      <a:tailEnd type="none" w="med" len="med"/>
-                    </a:lnR>
-                  </a:tcPr>
-                </a:tc>
-                <a:extLst>
-                  <a:ext uri="{0D108BD9-81ED-4DB2-BD59-A6C34878D82A}">
-                    <a16:rowId xmlns:a16="http://schemas.microsoft.com/office/drawing/2014/main" val="3440784862"/>
-                  </a:ext>
-                </a:extLst>
-              </a:tr>
-              <a:tr h="0">
-                <a:tc>
-                  <a:txBody>
-                    <a:bodyPr/>
-                    <a:lstStyle/>
-                    <a:p>
-                      <a:r>
-                        <a:rPr lang="en-US" sz="1100" dirty="0"/>
-                        <a:t>Getting Matches via :</a:t>
-                      </a:r>
-                      <a:endParaRPr lang="en-US" sz="1100" dirty="0">
-                        <a:solidFill>
-                          <a:schemeClr val="bg1"/>
-                        </a:solidFill>
-                      </a:endParaRPr>
-                    </a:p>
-                  </a:txBody>
-                  <a:tcPr>
-                    <a:lnR w="12700" cap="flat" cmpd="sng" algn="ctr">
-                      <a:solidFill>
-                        <a:schemeClr val="tx1"/>
-                      </a:solidFill>
-                      <a:prstDash val="solid"/>
-                      <a:round/>
-                      <a:headEnd type="none" w="med" len="med"/>
-                      <a:tailEnd type="none" w="med" len="med"/>
-                    </a:lnR>
-                    <a:solidFill>
-                      <a:schemeClr val="accent1">
-                        <a:lumMod val="60000"/>
-                        <a:lumOff val="40000"/>
-                      </a:schemeClr>
-                    </a:solidFill>
-                  </a:tcPr>
-                </a:tc>
-                <a:tc>
-                  <a:txBody>
-                    <a:bodyPr/>
-                    <a:lstStyle/>
-                    <a:p>
-                      <a:pPr algn="ctr"/>
-                      <a:endParaRPr lang="en-US" sz="1100" dirty="0">
-                        <a:solidFill>
-                          <a:schemeClr val="bg1"/>
-                        </a:solidFill>
-                      </a:endParaRPr>
-                    </a:p>
-                  </a:txBody>
-                  <a:tcPr>
-                    <a:lnL w="12700" cap="flat" cmpd="sng" algn="ctr">
-                      <a:solidFill>
-                        <a:schemeClr val="tx1"/>
-                      </a:solidFill>
-                      <a:prstDash val="solid"/>
-                      <a:round/>
-                      <a:headEnd type="none" w="med" len="med"/>
-                      <a:tailEnd type="none" w="med" len="med"/>
-                    </a:lnL>
-                    <a:lnR w="12700" cap="flat" cmpd="sng" algn="ctr">
-                      <a:solidFill>
-                        <a:schemeClr val="tx1"/>
-                      </a:solidFill>
-                      <a:prstDash val="solid"/>
-                      <a:round/>
-                      <a:headEnd type="none" w="med" len="med"/>
-                      <a:tailEnd type="none" w="med" len="med"/>
-                    </a:lnR>
-                    <a:solidFill>
-                      <a:schemeClr val="accent1">
-                        <a:lumMod val="60000"/>
-                        <a:lumOff val="40000"/>
-                      </a:schemeClr>
-                    </a:solidFill>
-                  </a:tcPr>
-                </a:tc>
-                <a:tc>
-                  <a:txBody>
-                    <a:bodyPr/>
-                    <a:lstStyle/>
-                    <a:p>
-                      <a:pPr algn="ctr"/>
-                      <a:endParaRPr lang="en-US" sz="1100" dirty="0">
-                        <a:solidFill>
-                          <a:schemeClr val="bg1"/>
-                        </a:solidFill>
-                      </a:endParaRPr>
-                    </a:p>
-                  </a:txBody>
-                  <a:tcPr>
-                    <a:lnL w="12700" cap="flat" cmpd="sng" algn="ctr">
-                      <a:solidFill>
-                        <a:schemeClr val="tx1"/>
-                      </a:solidFill>
-                      <a:prstDash val="solid"/>
-                      <a:round/>
-                      <a:headEnd type="none" w="med" len="med"/>
-                      <a:tailEnd type="none" w="med" len="med"/>
-                    </a:lnL>
-                    <a:lnR w="12700" cap="flat" cmpd="sng" algn="ctr">
-                      <a:solidFill>
-                        <a:schemeClr val="tx1"/>
-                      </a:solidFill>
-                      <a:prstDash val="solid"/>
-                      <a:round/>
-                      <a:headEnd type="none" w="med" len="med"/>
-                      <a:tailEnd type="none" w="med" len="med"/>
-                    </a:lnR>
-                    <a:solidFill>
-                      <a:schemeClr val="accent1">
-                        <a:lumMod val="60000"/>
-                        <a:lumOff val="40000"/>
-                      </a:schemeClr>
-                    </a:solidFill>
-                  </a:tcPr>
-                </a:tc>
-                <a:tc>
-                  <a:txBody>
-                    <a:bodyPr/>
-                    <a:lstStyle/>
-                    <a:p>
-                      <a:pPr algn="ctr"/>
-                      <a:endParaRPr lang="en-US" sz="1100" dirty="0">
-                        <a:solidFill>
-                          <a:schemeClr val="bg1"/>
-                        </a:solidFill>
-                      </a:endParaRPr>
-                    </a:p>
-                  </a:txBody>
-                  <a:tcPr>
-                    <a:lnL w="12700" cap="flat" cmpd="sng" algn="ctr">
-                      <a:solidFill>
-                        <a:schemeClr val="tx1"/>
-                      </a:solidFill>
-                      <a:prstDash val="solid"/>
-                      <a:round/>
-                      <a:headEnd type="none" w="med" len="med"/>
-                      <a:tailEnd type="none" w="med" len="med"/>
-                    </a:lnL>
-                    <a:lnR w="12700" cap="flat" cmpd="sng" algn="ctr">
-                      <a:solidFill>
-                        <a:schemeClr val="tx1"/>
-                      </a:solidFill>
-                      <a:prstDash val="solid"/>
-                      <a:round/>
-                      <a:headEnd type="none" w="med" len="med"/>
-                      <a:tailEnd type="none" w="med" len="med"/>
-                    </a:lnR>
-                    <a:solidFill>
-                      <a:schemeClr val="accent1">
-                        <a:lumMod val="60000"/>
-                        <a:lumOff val="40000"/>
-                      </a:schemeClr>
-                    </a:solidFill>
-                  </a:tcPr>
-                </a:tc>
-                <a:tc>
-                  <a:txBody>
-                    <a:bodyPr/>
-                    <a:lstStyle/>
-                    <a:p>
-                      <a:pPr algn="ctr"/>
-                      <a:endParaRPr lang="en-US" sz="1100" dirty="0">
-                        <a:solidFill>
-                          <a:schemeClr val="bg1"/>
-                        </a:solidFill>
-                      </a:endParaRPr>
-                    </a:p>
-                  </a:txBody>
-                  <a:tcPr>
-                    <a:lnL w="12700" cap="flat" cmpd="sng" algn="ctr">
-                      <a:solidFill>
-                        <a:schemeClr val="tx1"/>
-                      </a:solidFill>
-                      <a:prstDash val="solid"/>
-                      <a:round/>
-                      <a:headEnd type="none" w="med" len="med"/>
-                      <a:tailEnd type="none" w="med" len="med"/>
-                    </a:lnL>
-                    <a:lnR w="12700" cap="flat" cmpd="sng" algn="ctr">
-                      <a:solidFill>
-                        <a:schemeClr val="tx1"/>
-                      </a:solidFill>
-                      <a:prstDash val="solid"/>
-                      <a:round/>
-                      <a:headEnd type="none" w="med" len="med"/>
-                      <a:tailEnd type="none" w="med" len="med"/>
-                    </a:lnR>
-                    <a:solidFill>
-                      <a:schemeClr val="accent1">
-                        <a:lumMod val="60000"/>
-                        <a:lumOff val="40000"/>
-                      </a:schemeClr>
-                    </a:solidFill>
-                  </a:tcPr>
-                </a:tc>
-                <a:tc>
-                  <a:txBody>
-                    <a:bodyPr/>
-                    <a:lstStyle/>
-                    <a:p>
-                      <a:pPr algn="ctr"/>
-                      <a:endParaRPr lang="en-US" sz="1100" dirty="0">
-                        <a:solidFill>
-                          <a:schemeClr val="bg1"/>
-                        </a:solidFill>
-                      </a:endParaRPr>
-                    </a:p>
-                  </a:txBody>
-                  <a:tcPr>
-                    <a:lnL w="12700" cap="flat" cmpd="sng" algn="ctr">
-                      <a:solidFill>
-                        <a:schemeClr val="tx1"/>
-                      </a:solidFill>
-                      <a:prstDash val="solid"/>
-                      <a:round/>
-                      <a:headEnd type="none" w="med" len="med"/>
-                      <a:tailEnd type="none" w="med" len="med"/>
-                    </a:lnL>
-                    <a:lnR w="12700" cap="flat" cmpd="sng" algn="ctr">
-                      <a:solidFill>
-                        <a:schemeClr val="tx1"/>
-                      </a:solidFill>
-                      <a:prstDash val="solid"/>
-                      <a:round/>
-                      <a:headEnd type="none" w="med" len="med"/>
-                      <a:tailEnd type="none" w="med" len="med"/>
-                    </a:lnR>
-                    <a:solidFill>
-                      <a:schemeClr val="accent1">
-                        <a:lumMod val="60000"/>
-                        <a:lumOff val="40000"/>
-                      </a:schemeClr>
-                    </a:solidFill>
-                  </a:tcPr>
-                </a:tc>
-                <a:tc>
-                  <a:txBody>
-                    <a:bodyPr/>
-                    <a:lstStyle/>
-                    <a:p>
-                      <a:pPr algn="ctr"/>
-                      <a:endParaRPr lang="en-US" sz="1100" dirty="0">
-                        <a:solidFill>
-                          <a:schemeClr val="bg1"/>
-                        </a:solidFill>
-                      </a:endParaRPr>
-                    </a:p>
-                  </a:txBody>
-                  <a:tcPr>
-                    <a:lnL w="12700" cap="flat" cmpd="sng" algn="ctr">
-                      <a:solidFill>
-                        <a:schemeClr val="tx1"/>
-                      </a:solidFill>
-                      <a:prstDash val="solid"/>
-                      <a:round/>
-                      <a:headEnd type="none" w="med" len="med"/>
-                      <a:tailEnd type="none" w="med" len="med"/>
-                    </a:lnL>
-                    <a:lnR w="12700" cap="flat" cmpd="sng" algn="ctr">
-                      <a:solidFill>
-                        <a:schemeClr val="tx1"/>
-                      </a:solidFill>
-                      <a:prstDash val="solid"/>
-                      <a:round/>
-                      <a:headEnd type="none" w="med" len="med"/>
-                      <a:tailEnd type="none" w="med" len="med"/>
-                    </a:lnR>
-                    <a:solidFill>
-                      <a:schemeClr val="accent1">
-                        <a:lumMod val="60000"/>
-                        <a:lumOff val="40000"/>
-                      </a:schemeClr>
-                    </a:solidFill>
-                  </a:tcPr>
-                </a:tc>
-                <a:tc>
-                  <a:txBody>
-                    <a:bodyPr/>
-                    <a:lstStyle/>
-                    <a:p>
-                      <a:pPr algn="ctr"/>
-                      <a:endParaRPr lang="en-US" sz="1100" dirty="0">
-                        <a:solidFill>
-                          <a:schemeClr val="bg1"/>
-                        </a:solidFill>
-                      </a:endParaRPr>
-                    </a:p>
-                  </a:txBody>
-                  <a:tcPr>
-                    <a:lnL w="12700" cap="flat" cmpd="sng" algn="ctr">
-                      <a:solidFill>
-                        <a:schemeClr val="tx1"/>
-                      </a:solidFill>
-                      <a:prstDash val="solid"/>
-                      <a:round/>
-                      <a:headEnd type="none" w="med" len="med"/>
-                      <a:tailEnd type="none" w="med" len="med"/>
-                    </a:lnL>
-                    <a:lnR w="12700" cap="flat" cmpd="sng" algn="ctr">
-                      <a:solidFill>
-                        <a:schemeClr val="tx1"/>
-                      </a:solidFill>
-                      <a:prstDash val="solid"/>
-                      <a:round/>
-                      <a:headEnd type="none" w="med" len="med"/>
-                      <a:tailEnd type="none" w="med" len="med"/>
-                    </a:lnR>
-                    <a:solidFill>
-                      <a:schemeClr val="accent1">
-                        <a:lumMod val="60000"/>
-                        <a:lumOff val="40000"/>
-                      </a:schemeClr>
-                    </a:solidFill>
-                  </a:tcPr>
-                </a:tc>
-                <a:extLst>
-                  <a:ext uri="{0D108BD9-81ED-4DB2-BD59-A6C34878D82A}">
-                    <a16:rowId xmlns:a16="http://schemas.microsoft.com/office/drawing/2014/main" val="2390916447"/>
-                  </a:ext>
-                </a:extLst>
-              </a:tr>
-              <a:tr h="0">
-                <a:tc>
-                  <a:txBody>
-                    <a:bodyPr/>
-                    <a:lstStyle/>
-                    <a:p>
-                      <a:pPr algn="r"/>
-                      <a:r>
-                        <a:rPr lang="en-US" sz="1100" dirty="0"/>
-                        <a:t>Push notification (APNS, FCM)</a:t>
-                      </a:r>
-                    </a:p>
-                  </a:txBody>
-                  <a:tcPr>
-                    <a:lnR w="12700" cap="flat" cmpd="sng" algn="ctr">
-                      <a:solidFill>
-                        <a:schemeClr val="tx1"/>
-                      </a:solidFill>
-                      <a:prstDash val="solid"/>
-                      <a:round/>
-                      <a:headEnd type="none" w="med" len="med"/>
-                      <a:tailEnd type="none" w="med" len="med"/>
-                    </a:lnR>
-                  </a:tcPr>
-                </a:tc>
-                <a:tc>
-                  <a:txBody>
-                    <a:bodyPr/>
-                    <a:lstStyle/>
-                    <a:p>
-                      <a:pPr marL="0" marR="0" lvl="0" indent="0" algn="ctr" defTabSz="914400" rtl="0" eaLnBrk="1" fontAlgn="auto" latinLnBrk="0" hangingPunct="1">
-                        <a:lnSpc>
-                          <a:spcPct val="100000"/>
-                        </a:lnSpc>
-                        <a:spcBef>
-                          <a:spcPts val="0"/>
-                        </a:spcBef>
-                        <a:spcAft>
-                          <a:spcPts val="0"/>
-                        </a:spcAft>
-                        <a:buClrTx/>
-                        <a:buSzTx/>
-                        <a:buFontTx/>
-                        <a:buNone/>
-                        <a:tabLst/>
-                        <a:defRPr/>
-                      </a:pPr>
-                      <a:r>
-                        <a:rPr lang="en-US" sz="1100" dirty="0"/>
-                        <a:t>✅</a:t>
-                      </a:r>
-                    </a:p>
-                  </a:txBody>
-                  <a:tcPr>
-                    <a:lnL w="12700" cap="flat" cmpd="sng" algn="ctr">
-                      <a:solidFill>
-                        <a:schemeClr val="tx1"/>
-                      </a:solidFill>
-                      <a:prstDash val="solid"/>
-                      <a:round/>
-                      <a:headEnd type="none" w="med" len="med"/>
-                      <a:tailEnd type="none" w="med" len="med"/>
-                    </a:lnL>
-                    <a:lnR w="12700" cap="flat" cmpd="sng" algn="ctr">
-                      <a:solidFill>
-                        <a:schemeClr val="tx1"/>
-                      </a:solidFill>
-                      <a:prstDash val="solid"/>
-                      <a:round/>
-                      <a:headEnd type="none" w="med" len="med"/>
-                      <a:tailEnd type="none" w="med" len="med"/>
-                    </a:lnR>
-                  </a:tcPr>
-                </a:tc>
-                <a:tc>
-                  <a:txBody>
-                    <a:bodyPr/>
-                    <a:lstStyle/>
-                    <a:p>
-                      <a:pPr marL="0" marR="0" lvl="0" indent="0" algn="ctr" defTabSz="914400" rtl="0" eaLnBrk="1" fontAlgn="auto" latinLnBrk="0" hangingPunct="1">
-                        <a:lnSpc>
-                          <a:spcPct val="100000"/>
-                        </a:lnSpc>
-                        <a:spcBef>
-                          <a:spcPts val="0"/>
-                        </a:spcBef>
-                        <a:spcAft>
-                          <a:spcPts val="0"/>
-                        </a:spcAft>
-                        <a:buClrTx/>
-                        <a:buSzTx/>
-                        <a:buFontTx/>
-                        <a:buNone/>
-                        <a:tabLst/>
-                        <a:defRPr/>
-                      </a:pPr>
-                      <a:r>
-                        <a:rPr lang="en-US" sz="1100" dirty="0"/>
-                        <a:t>✅</a:t>
-                      </a:r>
-                    </a:p>
-                  </a:txBody>
-                  <a:tcPr>
-                    <a:lnL w="12700" cap="flat" cmpd="sng" algn="ctr">
-                      <a:solidFill>
-                        <a:schemeClr val="tx1"/>
-                      </a:solidFill>
-                      <a:prstDash val="solid"/>
-                      <a:round/>
-                      <a:headEnd type="none" w="med" len="med"/>
-                      <a:tailEnd type="none" w="med" len="med"/>
-                    </a:lnL>
-                    <a:lnR w="12700" cap="flat" cmpd="sng" algn="ctr">
-                      <a:solidFill>
-                        <a:schemeClr val="tx1"/>
-                      </a:solidFill>
-                      <a:prstDash val="solid"/>
-                      <a:round/>
-                      <a:headEnd type="none" w="med" len="med"/>
-                      <a:tailEnd type="none" w="med" len="med"/>
-                    </a:lnR>
-                  </a:tcPr>
-                </a:tc>
-                <a:tc>
-                  <a:txBody>
-                    <a:bodyPr/>
-                    <a:lstStyle/>
-                    <a:p>
-                      <a:pPr marL="0" marR="0" lvl="0" indent="0" algn="ctr" defTabSz="914400" rtl="0" eaLnBrk="1" fontAlgn="auto" latinLnBrk="0" hangingPunct="1">
-                        <a:lnSpc>
-                          <a:spcPct val="100000"/>
-                        </a:lnSpc>
-                        <a:spcBef>
-                          <a:spcPts val="0"/>
-                        </a:spcBef>
-                        <a:spcAft>
-                          <a:spcPts val="0"/>
-                        </a:spcAft>
-                        <a:buClrTx/>
-                        <a:buSzTx/>
-                        <a:buFontTx/>
-                        <a:buNone/>
-                        <a:tabLst/>
-                        <a:defRPr/>
-                      </a:pPr>
-                      <a:r>
-                        <a:rPr lang="en-US" sz="1100" dirty="0"/>
-                        <a:t>✅</a:t>
-                      </a:r>
-                    </a:p>
-                  </a:txBody>
-                  <a:tcPr>
-                    <a:lnL w="12700" cap="flat" cmpd="sng" algn="ctr">
-                      <a:solidFill>
-                        <a:schemeClr val="tx1"/>
-                      </a:solidFill>
-                      <a:prstDash val="solid"/>
-                      <a:round/>
-                      <a:headEnd type="none" w="med" len="med"/>
-                      <a:tailEnd type="none" w="med" len="med"/>
-                    </a:lnL>
-                    <a:lnR w="12700" cap="flat" cmpd="sng" algn="ctr">
-                      <a:solidFill>
-                        <a:schemeClr val="tx1"/>
-                      </a:solidFill>
-                      <a:prstDash val="solid"/>
-                      <a:round/>
-                      <a:headEnd type="none" w="med" len="med"/>
-                      <a:tailEnd type="none" w="med" len="med"/>
-                    </a:lnR>
-                  </a:tcPr>
-                </a:tc>
-                <a:tc>
-                  <a:txBody>
-                    <a:bodyPr/>
-                    <a:lstStyle/>
-                    <a:p>
-                      <a:pPr marL="0" marR="0" lvl="0" indent="0" algn="ctr" defTabSz="914400" rtl="0" eaLnBrk="1" fontAlgn="auto" latinLnBrk="0" hangingPunct="1">
-                        <a:lnSpc>
-                          <a:spcPct val="100000"/>
-                        </a:lnSpc>
-                        <a:spcBef>
-                          <a:spcPts val="0"/>
-                        </a:spcBef>
-                        <a:spcAft>
-                          <a:spcPts val="0"/>
-                        </a:spcAft>
-                        <a:buClrTx/>
-                        <a:buSzTx/>
-                        <a:buFontTx/>
-                        <a:buNone/>
-                        <a:tabLst/>
-                        <a:defRPr/>
-                      </a:pPr>
-                      <a:r>
-                        <a:rPr lang="en-US" sz="1100" dirty="0"/>
-                        <a:t>✅</a:t>
-                      </a:r>
-                    </a:p>
-                  </a:txBody>
-                  <a:tcPr>
-                    <a:lnL w="12700" cap="flat" cmpd="sng" algn="ctr">
-                      <a:solidFill>
-                        <a:schemeClr val="tx1"/>
-                      </a:solidFill>
-                      <a:prstDash val="solid"/>
-                      <a:round/>
-                      <a:headEnd type="none" w="med" len="med"/>
-                      <a:tailEnd type="none" w="med" len="med"/>
-                    </a:lnL>
-                    <a:lnR w="12700" cap="flat" cmpd="sng" algn="ctr">
-                      <a:solidFill>
-                        <a:schemeClr val="tx1"/>
-                      </a:solidFill>
-                      <a:prstDash val="solid"/>
-                      <a:round/>
-                      <a:headEnd type="none" w="med" len="med"/>
-                      <a:tailEnd type="none" w="med" len="med"/>
-                    </a:lnR>
-                  </a:tcPr>
-                </a:tc>
-                <a:tc>
-                  <a:txBody>
-                    <a:bodyPr/>
-                    <a:lstStyle/>
-                    <a:p>
-                      <a:pPr marL="0" marR="0" lvl="0" indent="0" algn="ctr" defTabSz="914400" rtl="0" eaLnBrk="1" fontAlgn="auto" latinLnBrk="0" hangingPunct="1">
-                        <a:lnSpc>
-                          <a:spcPct val="100000"/>
-                        </a:lnSpc>
-                        <a:spcBef>
-                          <a:spcPts val="0"/>
-                        </a:spcBef>
-                        <a:spcAft>
-                          <a:spcPts val="0"/>
-                        </a:spcAft>
-                        <a:buClrTx/>
-                        <a:buSzTx/>
-                        <a:buFontTx/>
-                        <a:buNone/>
-                        <a:tabLst/>
-                        <a:defRPr/>
-                      </a:pPr>
-                      <a:r>
-                        <a:rPr lang="en-US" sz="1100" dirty="0"/>
-                        <a:t>✅</a:t>
-                      </a:r>
-                    </a:p>
-                  </a:txBody>
-                  <a:tcPr>
-                    <a:lnL w="12700" cap="flat" cmpd="sng" algn="ctr">
-                      <a:solidFill>
-                        <a:schemeClr val="tx1"/>
-                      </a:solidFill>
-                      <a:prstDash val="solid"/>
-                      <a:round/>
-                      <a:headEnd type="none" w="med" len="med"/>
-                      <a:tailEnd type="none" w="med" len="med"/>
-                    </a:lnL>
-                    <a:lnR w="12700" cap="flat" cmpd="sng" algn="ctr">
-                      <a:solidFill>
-                        <a:schemeClr val="tx1"/>
-                      </a:solidFill>
-                      <a:prstDash val="solid"/>
-                      <a:round/>
-                      <a:headEnd type="none" w="med" len="med"/>
-                      <a:tailEnd type="none" w="med" len="med"/>
-                    </a:lnR>
-                  </a:tcPr>
-                </a:tc>
-                <a:tc>
-                  <a:txBody>
-                    <a:bodyPr/>
-                    <a:lstStyle/>
-                    <a:p>
-                      <a:pPr marL="0" marR="0" lvl="0" indent="0" algn="ctr" defTabSz="914400" rtl="0" eaLnBrk="1" fontAlgn="auto" latinLnBrk="0" hangingPunct="1">
-                        <a:lnSpc>
-                          <a:spcPct val="100000"/>
-                        </a:lnSpc>
-                        <a:spcBef>
-                          <a:spcPts val="0"/>
-                        </a:spcBef>
-                        <a:spcAft>
-                          <a:spcPts val="0"/>
-                        </a:spcAft>
-                        <a:buClrTx/>
-                        <a:buSzTx/>
-                        <a:buFontTx/>
-                        <a:buNone/>
-                        <a:tabLst/>
-                        <a:defRPr/>
-                      </a:pPr>
-                      <a:r>
-                        <a:rPr lang="en-US" sz="1100" dirty="0"/>
-                        <a:t>✅</a:t>
-                      </a:r>
-                    </a:p>
-                  </a:txBody>
-                  <a:tcPr>
-                    <a:lnL w="12700" cap="flat" cmpd="sng" algn="ctr">
-                      <a:solidFill>
-                        <a:schemeClr val="tx1"/>
-                      </a:solidFill>
-                      <a:prstDash val="solid"/>
-                      <a:round/>
-                      <a:headEnd type="none" w="med" len="med"/>
-                      <a:tailEnd type="none" w="med" len="med"/>
-                    </a:lnL>
-                    <a:lnR w="12700" cap="flat" cmpd="sng" algn="ctr">
-                      <a:solidFill>
-                        <a:schemeClr val="tx1"/>
-                      </a:solidFill>
-                      <a:prstDash val="solid"/>
-                      <a:round/>
-                      <a:headEnd type="none" w="med" len="med"/>
-                      <a:tailEnd type="none" w="med" len="med"/>
-                    </a:lnR>
-                  </a:tcPr>
-                </a:tc>
-                <a:tc>
-                  <a:txBody>
-                    <a:bodyPr/>
-                    <a:lstStyle/>
-                    <a:p>
-                      <a:pPr marL="0" marR="0" lvl="0" indent="0" algn="ctr" defTabSz="914400" rtl="0" eaLnBrk="1" fontAlgn="auto" latinLnBrk="0" hangingPunct="1">
-                        <a:lnSpc>
-                          <a:spcPct val="100000"/>
-                        </a:lnSpc>
-                        <a:spcBef>
-                          <a:spcPts val="0"/>
-                        </a:spcBef>
-                        <a:spcAft>
-                          <a:spcPts val="0"/>
-                        </a:spcAft>
-                        <a:buClrTx/>
-                        <a:buSzTx/>
-                        <a:buFontTx/>
-                        <a:buNone/>
-                        <a:tabLst/>
-                        <a:defRPr/>
-                      </a:pPr>
-                      <a:r>
-                        <a:rPr lang="en-US" sz="1100" dirty="0"/>
-                        <a:t>✅</a:t>
-                      </a:r>
-                    </a:p>
-                  </a:txBody>
-                  <a:tcPr>
-                    <a:lnL w="12700" cap="flat" cmpd="sng" algn="ctr">
-                      <a:solidFill>
-                        <a:schemeClr val="tx1"/>
-                      </a:solidFill>
-                      <a:prstDash val="solid"/>
-                      <a:round/>
-                      <a:headEnd type="none" w="med" len="med"/>
-                      <a:tailEnd type="none" w="med" len="med"/>
-                    </a:lnL>
-                    <a:lnR w="12700" cap="flat" cmpd="sng" algn="ctr">
-                      <a:solidFill>
-                        <a:schemeClr val="tx1"/>
-                      </a:solidFill>
-                      <a:prstDash val="solid"/>
-                      <a:round/>
-                      <a:headEnd type="none" w="med" len="med"/>
-                      <a:tailEnd type="none" w="med" len="med"/>
-                    </a:lnR>
-                  </a:tcPr>
-                </a:tc>
-                <a:extLst>
-                  <a:ext uri="{0D108BD9-81ED-4DB2-BD59-A6C34878D82A}">
-                    <a16:rowId xmlns:a16="http://schemas.microsoft.com/office/drawing/2014/main" val="2379558656"/>
-                  </a:ext>
-                </a:extLst>
-              </a:tr>
-              <a:tr h="0">
-                <a:tc>
-                  <a:txBody>
-                    <a:bodyPr/>
-                    <a:lstStyle/>
-                    <a:p>
-                      <a:pPr algn="r"/>
-                      <a:r>
-                        <a:rPr lang="en-US" sz="1100" dirty="0"/>
-                        <a:t>WebSocket</a:t>
-                      </a:r>
-                    </a:p>
-                  </a:txBody>
-                  <a:tcPr>
-                    <a:lnR w="12700" cap="flat" cmpd="sng" algn="ctr">
-                      <a:solidFill>
-                        <a:schemeClr val="tx1"/>
-                      </a:solidFill>
-                      <a:prstDash val="solid"/>
-                      <a:round/>
-                      <a:headEnd type="none" w="med" len="med"/>
-                      <a:tailEnd type="none" w="med" len="med"/>
-                    </a:lnR>
-                  </a:tcPr>
-                </a:tc>
-                <a:tc>
-                  <a:txBody>
-                    <a:bodyPr/>
-                    <a:lstStyle/>
-                    <a:p>
-                      <a:pPr marL="0" marR="0" lvl="0" indent="0" algn="ctr" defTabSz="914400" rtl="0" eaLnBrk="1" fontAlgn="auto" latinLnBrk="0" hangingPunct="1">
-                        <a:lnSpc>
-                          <a:spcPct val="100000"/>
-                        </a:lnSpc>
-                        <a:spcBef>
-                          <a:spcPts val="0"/>
-                        </a:spcBef>
-                        <a:spcAft>
-                          <a:spcPts val="0"/>
-                        </a:spcAft>
-                        <a:buClrTx/>
-                        <a:buSzTx/>
-                        <a:buFontTx/>
-                        <a:buNone/>
-                        <a:tabLst/>
-                        <a:defRPr/>
-                      </a:pPr>
-                      <a:r>
-                        <a:rPr lang="en-US" sz="1100" dirty="0"/>
-                        <a:t>✅</a:t>
-                      </a:r>
-                    </a:p>
-                  </a:txBody>
-                  <a:tcPr>
-                    <a:lnL w="12700" cap="flat" cmpd="sng" algn="ctr">
-                      <a:solidFill>
-                        <a:schemeClr val="tx1"/>
-                      </a:solidFill>
-                      <a:prstDash val="solid"/>
-                      <a:round/>
-                      <a:headEnd type="none" w="med" len="med"/>
-                      <a:tailEnd type="none" w="med" len="med"/>
-                    </a:lnL>
-                    <a:lnR w="12700" cap="flat" cmpd="sng" algn="ctr">
-                      <a:solidFill>
-                        <a:schemeClr val="tx1"/>
-                      </a:solidFill>
-                      <a:prstDash val="solid"/>
-                      <a:round/>
-                      <a:headEnd type="none" w="med" len="med"/>
-                      <a:tailEnd type="none" w="med" len="med"/>
-                    </a:lnR>
-                  </a:tcPr>
-                </a:tc>
-                <a:tc>
-                  <a:txBody>
-                    <a:bodyPr/>
-                    <a:lstStyle/>
-                    <a:p>
-                      <a:pPr marL="0" marR="0" lvl="0" indent="0" algn="ctr" defTabSz="914400" rtl="0" eaLnBrk="1" fontAlgn="auto" latinLnBrk="0" hangingPunct="1">
-                        <a:lnSpc>
-                          <a:spcPct val="100000"/>
-                        </a:lnSpc>
-                        <a:spcBef>
-                          <a:spcPts val="0"/>
-                        </a:spcBef>
-                        <a:spcAft>
-                          <a:spcPts val="0"/>
-                        </a:spcAft>
-                        <a:buClrTx/>
-                        <a:buSzTx/>
-                        <a:buFontTx/>
-                        <a:buNone/>
-                        <a:tabLst/>
-                        <a:defRPr/>
-                      </a:pPr>
-                      <a:r>
-                        <a:rPr lang="en-US" sz="1100" dirty="0"/>
-                        <a:t>✅</a:t>
-                      </a:r>
-                    </a:p>
-                  </a:txBody>
-                  <a:tcPr>
-                    <a:lnL w="12700" cap="flat" cmpd="sng" algn="ctr">
-                      <a:solidFill>
-                        <a:schemeClr val="tx1"/>
-                      </a:solidFill>
-                      <a:prstDash val="solid"/>
-                      <a:round/>
-                      <a:headEnd type="none" w="med" len="med"/>
-                      <a:tailEnd type="none" w="med" len="med"/>
-                    </a:lnL>
-                    <a:lnR w="12700" cap="flat" cmpd="sng" algn="ctr">
-                      <a:solidFill>
-                        <a:schemeClr val="tx1"/>
-                      </a:solidFill>
-                      <a:prstDash val="solid"/>
-                      <a:round/>
-                      <a:headEnd type="none" w="med" len="med"/>
-                      <a:tailEnd type="none" w="med" len="med"/>
-                    </a:lnR>
-                  </a:tcPr>
-                </a:tc>
-                <a:tc>
-                  <a:txBody>
-                    <a:bodyPr/>
-                    <a:lstStyle/>
-                    <a:p>
-                      <a:pPr marL="0" marR="0" lvl="0" indent="0" algn="ctr" defTabSz="914400" rtl="0" eaLnBrk="1" fontAlgn="auto" latinLnBrk="0" hangingPunct="1">
-                        <a:lnSpc>
-                          <a:spcPct val="100000"/>
-                        </a:lnSpc>
-                        <a:spcBef>
-                          <a:spcPts val="0"/>
-                        </a:spcBef>
-                        <a:spcAft>
-                          <a:spcPts val="0"/>
-                        </a:spcAft>
-                        <a:buClrTx/>
-                        <a:buSzTx/>
-                        <a:buFontTx/>
-                        <a:buNone/>
-                        <a:tabLst/>
-                        <a:defRPr/>
-                      </a:pPr>
-                      <a:r>
-                        <a:rPr lang="en-US" sz="1100" dirty="0"/>
-                        <a:t>✅</a:t>
-                      </a:r>
-                    </a:p>
-                  </a:txBody>
-                  <a:tcPr>
-                    <a:lnL w="12700" cap="flat" cmpd="sng" algn="ctr">
-                      <a:solidFill>
-                        <a:schemeClr val="tx1"/>
-                      </a:solidFill>
-                      <a:prstDash val="solid"/>
-                      <a:round/>
-                      <a:headEnd type="none" w="med" len="med"/>
-                      <a:tailEnd type="none" w="med" len="med"/>
-                    </a:lnL>
-                    <a:lnR w="12700" cap="flat" cmpd="sng" algn="ctr">
-                      <a:solidFill>
-                        <a:schemeClr val="tx1"/>
-                      </a:solidFill>
-                      <a:prstDash val="solid"/>
-                      <a:round/>
-                      <a:headEnd type="none" w="med" len="med"/>
-                      <a:tailEnd type="none" w="med" len="med"/>
-                    </a:lnR>
-                  </a:tcPr>
-                </a:tc>
-                <a:tc>
-                  <a:txBody>
-                    <a:bodyPr/>
-                    <a:lstStyle/>
-                    <a:p>
-                      <a:pPr marL="0" marR="0" lvl="0" indent="0" algn="ctr" defTabSz="914400" rtl="0" eaLnBrk="1" fontAlgn="auto" latinLnBrk="0" hangingPunct="1">
-                        <a:lnSpc>
-                          <a:spcPct val="100000"/>
-                        </a:lnSpc>
-                        <a:spcBef>
-                          <a:spcPts val="0"/>
-                        </a:spcBef>
-                        <a:spcAft>
-                          <a:spcPts val="0"/>
-                        </a:spcAft>
-                        <a:buClrTx/>
-                        <a:buSzTx/>
-                        <a:buFontTx/>
-                        <a:buNone/>
-                        <a:tabLst/>
-                        <a:defRPr/>
-                      </a:pPr>
-                      <a:r>
-                        <a:rPr lang="en-US" sz="1100" dirty="0"/>
-                        <a:t>✅</a:t>
-                      </a:r>
-                    </a:p>
-                  </a:txBody>
-                  <a:tcPr>
-                    <a:lnL w="12700" cap="flat" cmpd="sng" algn="ctr">
-                      <a:solidFill>
-                        <a:schemeClr val="tx1"/>
-                      </a:solidFill>
-                      <a:prstDash val="solid"/>
-                      <a:round/>
-                      <a:headEnd type="none" w="med" len="med"/>
-                      <a:tailEnd type="none" w="med" len="med"/>
-                    </a:lnL>
-                    <a:lnR w="12700" cap="flat" cmpd="sng" algn="ctr">
-                      <a:solidFill>
-                        <a:schemeClr val="tx1"/>
-                      </a:solidFill>
-                      <a:prstDash val="solid"/>
-                      <a:round/>
-                      <a:headEnd type="none" w="med" len="med"/>
-                      <a:tailEnd type="none" w="med" len="med"/>
-                    </a:lnR>
-                  </a:tcPr>
-                </a:tc>
-                <a:tc>
-                  <a:txBody>
-                    <a:bodyPr/>
-                    <a:lstStyle/>
-                    <a:p>
-                      <a:pPr marL="0" marR="0" lvl="0" indent="0" algn="ctr" defTabSz="914400" rtl="0" eaLnBrk="1" fontAlgn="auto" latinLnBrk="0" hangingPunct="1">
-                        <a:lnSpc>
-                          <a:spcPct val="100000"/>
-                        </a:lnSpc>
-                        <a:spcBef>
-                          <a:spcPts val="0"/>
-                        </a:spcBef>
-                        <a:spcAft>
-                          <a:spcPts val="0"/>
-                        </a:spcAft>
-                        <a:buClrTx/>
-                        <a:buSzTx/>
-                        <a:buFontTx/>
-                        <a:buNone/>
-                        <a:tabLst/>
-                        <a:defRPr/>
-                      </a:pPr>
-                      <a:r>
-                        <a:rPr lang="en-US" sz="1100" dirty="0"/>
-                        <a:t>✅</a:t>
-                      </a:r>
-                    </a:p>
-                  </a:txBody>
-                  <a:tcPr>
-                    <a:lnL w="12700" cap="flat" cmpd="sng" algn="ctr">
-                      <a:solidFill>
-                        <a:schemeClr val="tx1"/>
-                      </a:solidFill>
-                      <a:prstDash val="solid"/>
-                      <a:round/>
-                      <a:headEnd type="none" w="med" len="med"/>
-                      <a:tailEnd type="none" w="med" len="med"/>
-                    </a:lnL>
-                    <a:lnR w="12700" cap="flat" cmpd="sng" algn="ctr">
-                      <a:solidFill>
-                        <a:schemeClr val="tx1"/>
-                      </a:solidFill>
-                      <a:prstDash val="solid"/>
-                      <a:round/>
-                      <a:headEnd type="none" w="med" len="med"/>
-                      <a:tailEnd type="none" w="med" len="med"/>
-                    </a:lnR>
-                  </a:tcPr>
-                </a:tc>
-                <a:tc>
-                  <a:txBody>
-                    <a:bodyPr/>
-                    <a:lstStyle/>
-                    <a:p>
-                      <a:pPr marL="0" marR="0" lvl="0" indent="0" algn="ctr" defTabSz="914400" rtl="0" eaLnBrk="1" fontAlgn="auto" latinLnBrk="0" hangingPunct="1">
-                        <a:lnSpc>
-                          <a:spcPct val="100000"/>
-                        </a:lnSpc>
-                        <a:spcBef>
-                          <a:spcPts val="0"/>
-                        </a:spcBef>
-                        <a:spcAft>
-                          <a:spcPts val="0"/>
-                        </a:spcAft>
-                        <a:buClrTx/>
-                        <a:buSzTx/>
-                        <a:buFontTx/>
-                        <a:buNone/>
-                        <a:tabLst/>
-                        <a:defRPr/>
-                      </a:pPr>
-                      <a:r>
-                        <a:rPr lang="en-US" sz="1100" dirty="0"/>
-                        <a:t>✅</a:t>
-                      </a:r>
-                    </a:p>
-                  </a:txBody>
-                  <a:tcPr>
-                    <a:lnL w="12700" cap="flat" cmpd="sng" algn="ctr">
-                      <a:solidFill>
-                        <a:schemeClr val="tx1"/>
-                      </a:solidFill>
-                      <a:prstDash val="solid"/>
-                      <a:round/>
-                      <a:headEnd type="none" w="med" len="med"/>
-                      <a:tailEnd type="none" w="med" len="med"/>
-                    </a:lnL>
-                    <a:lnR w="12700" cap="flat" cmpd="sng" algn="ctr">
-                      <a:solidFill>
-                        <a:schemeClr val="tx1"/>
-                      </a:solidFill>
-                      <a:prstDash val="solid"/>
-                      <a:round/>
-                      <a:headEnd type="none" w="med" len="med"/>
-                      <a:tailEnd type="none" w="med" len="med"/>
-                    </a:lnR>
-                  </a:tcPr>
-                </a:tc>
-                <a:tc>
-                  <a:txBody>
-                    <a:bodyPr/>
-                    <a:lstStyle/>
-                    <a:p>
-                      <a:pPr marL="0" marR="0" lvl="0" indent="0" algn="ctr" defTabSz="914400" rtl="0" eaLnBrk="1" fontAlgn="auto" latinLnBrk="0" hangingPunct="1">
-                        <a:lnSpc>
-                          <a:spcPct val="100000"/>
-                        </a:lnSpc>
-                        <a:spcBef>
-                          <a:spcPts val="0"/>
-                        </a:spcBef>
-                        <a:spcAft>
-                          <a:spcPts val="0"/>
-                        </a:spcAft>
-                        <a:buClrTx/>
-                        <a:buSzTx/>
-                        <a:buFontTx/>
-                        <a:buNone/>
-                        <a:tabLst/>
-                        <a:defRPr/>
-                      </a:pPr>
-                      <a:r>
-                        <a:rPr lang="en-US" sz="1100" dirty="0"/>
-                        <a:t>✅</a:t>
-                      </a:r>
-                    </a:p>
-                  </a:txBody>
-                  <a:tcPr>
-                    <a:lnL w="12700" cap="flat" cmpd="sng" algn="ctr">
-                      <a:solidFill>
-                        <a:schemeClr val="tx1"/>
-                      </a:solidFill>
-                      <a:prstDash val="solid"/>
-                      <a:round/>
-                      <a:headEnd type="none" w="med" len="med"/>
-                      <a:tailEnd type="none" w="med" len="med"/>
-                    </a:lnL>
-                    <a:lnR w="12700" cap="flat" cmpd="sng" algn="ctr">
-                      <a:solidFill>
-                        <a:schemeClr val="tx1"/>
-                      </a:solidFill>
-                      <a:prstDash val="solid"/>
-                      <a:round/>
-                      <a:headEnd type="none" w="med" len="med"/>
-                      <a:tailEnd type="none" w="med" len="med"/>
-                    </a:lnR>
-                  </a:tcPr>
-                </a:tc>
-                <a:extLst>
-                  <a:ext uri="{0D108BD9-81ED-4DB2-BD59-A6C34878D82A}">
-                    <a16:rowId xmlns:a16="http://schemas.microsoft.com/office/drawing/2014/main" val="3057158034"/>
-                  </a:ext>
-                </a:extLst>
-              </a:tr>
-              <a:tr h="0">
-                <a:tc>
-                  <a:txBody>
-                    <a:bodyPr/>
-                    <a:lstStyle/>
-                    <a:p>
-                      <a:pPr algn="r"/>
-                      <a:r>
-                        <a:rPr lang="en-US" sz="1100" dirty="0"/>
-                        <a:t>Polling</a:t>
-                      </a:r>
-                    </a:p>
-                  </a:txBody>
-                  <a:tcPr>
-                    <a:lnR w="12700" cap="flat" cmpd="sng" algn="ctr">
-                      <a:solidFill>
-                        <a:schemeClr val="tx1"/>
-                      </a:solidFill>
-                      <a:prstDash val="solid"/>
-                      <a:round/>
-                      <a:headEnd type="none" w="med" len="med"/>
-                      <a:tailEnd type="none" w="med" len="med"/>
-                    </a:lnR>
-                  </a:tcPr>
-                </a:tc>
-                <a:tc>
-                  <a:txBody>
-                    <a:bodyPr/>
-                    <a:lstStyle/>
-                    <a:p>
-                      <a:pPr marL="0" marR="0" lvl="0" indent="0" algn="ctr" defTabSz="914400" rtl="0" eaLnBrk="1" fontAlgn="auto" latinLnBrk="0" hangingPunct="1">
-                        <a:lnSpc>
-                          <a:spcPct val="100000"/>
-                        </a:lnSpc>
-                        <a:spcBef>
-                          <a:spcPts val="0"/>
-                        </a:spcBef>
-                        <a:spcAft>
-                          <a:spcPts val="0"/>
-                        </a:spcAft>
-                        <a:buClrTx/>
-                        <a:buSzTx/>
-                        <a:buFontTx/>
-                        <a:buNone/>
-                        <a:tabLst/>
-                        <a:defRPr/>
-                      </a:pPr>
-                      <a:r>
-                        <a:rPr lang="en-US" sz="1100" dirty="0"/>
-                        <a:t>✅</a:t>
-                      </a:r>
-                    </a:p>
-                  </a:txBody>
-                  <a:tcPr>
-                    <a:lnL w="12700" cap="flat" cmpd="sng" algn="ctr">
-                      <a:solidFill>
-                        <a:schemeClr val="tx1"/>
-                      </a:solidFill>
-                      <a:prstDash val="solid"/>
-                      <a:round/>
-                      <a:headEnd type="none" w="med" len="med"/>
-                      <a:tailEnd type="none" w="med" len="med"/>
-                    </a:lnL>
-                    <a:lnR w="12700" cap="flat" cmpd="sng" algn="ctr">
-                      <a:solidFill>
-                        <a:schemeClr val="tx1"/>
-                      </a:solidFill>
-                      <a:prstDash val="solid"/>
-                      <a:round/>
-                      <a:headEnd type="none" w="med" len="med"/>
-                      <a:tailEnd type="none" w="med" len="med"/>
-                    </a:lnR>
-                  </a:tcPr>
-                </a:tc>
-                <a:tc>
-                  <a:txBody>
-                    <a:bodyPr/>
-                    <a:lstStyle/>
-                    <a:p>
-                      <a:pPr marL="0" marR="0" lvl="0" indent="0" algn="ctr" defTabSz="914400" rtl="0" eaLnBrk="1" fontAlgn="auto" latinLnBrk="0" hangingPunct="1">
-                        <a:lnSpc>
-                          <a:spcPct val="100000"/>
-                        </a:lnSpc>
-                        <a:spcBef>
-                          <a:spcPts val="0"/>
-                        </a:spcBef>
-                        <a:spcAft>
-                          <a:spcPts val="0"/>
-                        </a:spcAft>
-                        <a:buClrTx/>
-                        <a:buSzTx/>
-                        <a:buFontTx/>
-                        <a:buNone/>
-                        <a:tabLst/>
-                        <a:defRPr/>
-                      </a:pPr>
-                      <a:r>
-                        <a:rPr lang="en-US" sz="1100" dirty="0"/>
-                        <a:t>✅</a:t>
-                      </a:r>
-                    </a:p>
-                  </a:txBody>
-                  <a:tcPr>
-                    <a:lnL w="12700" cap="flat" cmpd="sng" algn="ctr">
-                      <a:solidFill>
-                        <a:schemeClr val="tx1"/>
-                      </a:solidFill>
-                      <a:prstDash val="solid"/>
-                      <a:round/>
-                      <a:headEnd type="none" w="med" len="med"/>
-                      <a:tailEnd type="none" w="med" len="med"/>
-                    </a:lnL>
-                    <a:lnR w="12700" cap="flat" cmpd="sng" algn="ctr">
-                      <a:solidFill>
-                        <a:schemeClr val="tx1"/>
-                      </a:solidFill>
-                      <a:prstDash val="solid"/>
-                      <a:round/>
-                      <a:headEnd type="none" w="med" len="med"/>
-                      <a:tailEnd type="none" w="med" len="med"/>
-                    </a:lnR>
-                  </a:tcPr>
-                </a:tc>
-                <a:tc>
-                  <a:txBody>
-                    <a:bodyPr/>
-                    <a:lstStyle/>
-                    <a:p>
-                      <a:pPr marL="0" marR="0" lvl="0" indent="0" algn="ctr" defTabSz="914400" rtl="0" eaLnBrk="1" fontAlgn="auto" latinLnBrk="0" hangingPunct="1">
-                        <a:lnSpc>
-                          <a:spcPct val="100000"/>
-                        </a:lnSpc>
-                        <a:spcBef>
-                          <a:spcPts val="0"/>
-                        </a:spcBef>
-                        <a:spcAft>
-                          <a:spcPts val="0"/>
-                        </a:spcAft>
-                        <a:buClrTx/>
-                        <a:buSzTx/>
-                        <a:buFontTx/>
-                        <a:buNone/>
-                        <a:tabLst/>
-                        <a:defRPr/>
-                      </a:pPr>
-                      <a:r>
-                        <a:rPr lang="en-US" sz="1100" dirty="0"/>
-                        <a:t>✅</a:t>
-                      </a:r>
-                    </a:p>
-                  </a:txBody>
-                  <a:tcPr>
-                    <a:lnL w="12700" cap="flat" cmpd="sng" algn="ctr">
-                      <a:solidFill>
-                        <a:schemeClr val="tx1"/>
-                      </a:solidFill>
-                      <a:prstDash val="solid"/>
-                      <a:round/>
-                      <a:headEnd type="none" w="med" len="med"/>
-                      <a:tailEnd type="none" w="med" len="med"/>
-                    </a:lnL>
-                    <a:lnR w="12700" cap="flat" cmpd="sng" algn="ctr">
-                      <a:solidFill>
-                        <a:schemeClr val="tx1"/>
-                      </a:solidFill>
-                      <a:prstDash val="solid"/>
-                      <a:round/>
-                      <a:headEnd type="none" w="med" len="med"/>
-                      <a:tailEnd type="none" w="med" len="med"/>
-                    </a:lnR>
-                  </a:tcPr>
-                </a:tc>
-                <a:tc>
-                  <a:txBody>
-                    <a:bodyPr/>
-                    <a:lstStyle/>
-                    <a:p>
-                      <a:pPr marL="0" marR="0" lvl="0" indent="0" algn="ctr" defTabSz="914400" rtl="0" eaLnBrk="1" fontAlgn="auto" latinLnBrk="0" hangingPunct="1">
-                        <a:lnSpc>
-                          <a:spcPct val="100000"/>
-                        </a:lnSpc>
-                        <a:spcBef>
-                          <a:spcPts val="0"/>
-                        </a:spcBef>
-                        <a:spcAft>
-                          <a:spcPts val="0"/>
-                        </a:spcAft>
-                        <a:buClrTx/>
-                        <a:buSzTx/>
-                        <a:buFontTx/>
-                        <a:buNone/>
-                        <a:tabLst/>
-                        <a:defRPr/>
-                      </a:pPr>
-                      <a:r>
-                        <a:rPr lang="en-US" sz="1100" dirty="0"/>
-                        <a:t>✅</a:t>
-                      </a:r>
-                    </a:p>
-                  </a:txBody>
-                  <a:tcPr>
-                    <a:lnL w="12700" cap="flat" cmpd="sng" algn="ctr">
-                      <a:solidFill>
-                        <a:schemeClr val="tx1"/>
-                      </a:solidFill>
-                      <a:prstDash val="solid"/>
-                      <a:round/>
-                      <a:headEnd type="none" w="med" len="med"/>
-                      <a:tailEnd type="none" w="med" len="med"/>
-                    </a:lnL>
-                    <a:lnR w="12700" cap="flat" cmpd="sng" algn="ctr">
-                      <a:solidFill>
-                        <a:schemeClr val="tx1"/>
-                      </a:solidFill>
-                      <a:prstDash val="solid"/>
-                      <a:round/>
-                      <a:headEnd type="none" w="med" len="med"/>
-                      <a:tailEnd type="none" w="med" len="med"/>
-                    </a:lnR>
-                  </a:tcPr>
-                </a:tc>
-                <a:tc>
-                  <a:txBody>
-                    <a:bodyPr/>
-                    <a:lstStyle/>
-                    <a:p>
-                      <a:pPr marL="0" marR="0" lvl="0" indent="0" algn="ctr" defTabSz="914400" rtl="0" eaLnBrk="1" fontAlgn="auto" latinLnBrk="0" hangingPunct="1">
-                        <a:lnSpc>
-                          <a:spcPct val="100000"/>
-                        </a:lnSpc>
-                        <a:spcBef>
-                          <a:spcPts val="0"/>
-                        </a:spcBef>
-                        <a:spcAft>
-                          <a:spcPts val="0"/>
-                        </a:spcAft>
-                        <a:buClrTx/>
-                        <a:buSzTx/>
-                        <a:buFontTx/>
-                        <a:buNone/>
-                        <a:tabLst/>
-                        <a:defRPr/>
-                      </a:pPr>
-                      <a:r>
-                        <a:rPr lang="en-US" sz="1100" dirty="0"/>
-                        <a:t>✅</a:t>
-                      </a:r>
-                    </a:p>
-                  </a:txBody>
-                  <a:tcPr>
-                    <a:lnL w="12700" cap="flat" cmpd="sng" algn="ctr">
-                      <a:solidFill>
-                        <a:schemeClr val="tx1"/>
-                      </a:solidFill>
-                      <a:prstDash val="solid"/>
-                      <a:round/>
-                      <a:headEnd type="none" w="med" len="med"/>
-                      <a:tailEnd type="none" w="med" len="med"/>
-                    </a:lnL>
-                    <a:lnR w="12700" cap="flat" cmpd="sng" algn="ctr">
-                      <a:solidFill>
-                        <a:schemeClr val="tx1"/>
-                      </a:solidFill>
-                      <a:prstDash val="solid"/>
-                      <a:round/>
-                      <a:headEnd type="none" w="med" len="med"/>
-                      <a:tailEnd type="none" w="med" len="med"/>
-                    </a:lnR>
-                  </a:tcPr>
-                </a:tc>
-                <a:tc>
-                  <a:txBody>
-                    <a:bodyPr/>
-                    <a:lstStyle/>
-                    <a:p>
-                      <a:pPr marL="0" marR="0" lvl="0" indent="0" algn="ctr" defTabSz="914400" rtl="0" eaLnBrk="1" fontAlgn="auto" latinLnBrk="0" hangingPunct="1">
-                        <a:lnSpc>
-                          <a:spcPct val="100000"/>
-                        </a:lnSpc>
-                        <a:spcBef>
-                          <a:spcPts val="0"/>
-                        </a:spcBef>
-                        <a:spcAft>
-                          <a:spcPts val="0"/>
-                        </a:spcAft>
-                        <a:buClrTx/>
-                        <a:buSzTx/>
-                        <a:buFontTx/>
-                        <a:buNone/>
-                        <a:tabLst/>
-                        <a:defRPr/>
-                      </a:pPr>
-                      <a:r>
-                        <a:rPr lang="en-US" sz="1100" dirty="0"/>
-                        <a:t>✅</a:t>
-                      </a:r>
-                    </a:p>
-                  </a:txBody>
-                  <a:tcPr>
-                    <a:lnL w="12700" cap="flat" cmpd="sng" algn="ctr">
-                      <a:solidFill>
-                        <a:schemeClr val="tx1"/>
-                      </a:solidFill>
-                      <a:prstDash val="solid"/>
-                      <a:round/>
-                      <a:headEnd type="none" w="med" len="med"/>
-                      <a:tailEnd type="none" w="med" len="med"/>
-                    </a:lnL>
-                    <a:lnR w="12700" cap="flat" cmpd="sng" algn="ctr">
-                      <a:solidFill>
-                        <a:schemeClr val="tx1"/>
-                      </a:solidFill>
-                      <a:prstDash val="solid"/>
-                      <a:round/>
-                      <a:headEnd type="none" w="med" len="med"/>
-                      <a:tailEnd type="none" w="med" len="med"/>
-                    </a:lnR>
-                  </a:tcPr>
-                </a:tc>
-                <a:tc>
-                  <a:txBody>
-                    <a:bodyPr/>
-                    <a:lstStyle/>
-                    <a:p>
-                      <a:pPr marL="0" marR="0" lvl="0" indent="0" algn="ctr" defTabSz="914400" rtl="0" eaLnBrk="1" fontAlgn="auto" latinLnBrk="0" hangingPunct="1">
-                        <a:lnSpc>
-                          <a:spcPct val="100000"/>
-                        </a:lnSpc>
-                        <a:spcBef>
-                          <a:spcPts val="0"/>
-                        </a:spcBef>
-                        <a:spcAft>
-                          <a:spcPts val="0"/>
-                        </a:spcAft>
-                        <a:buClrTx/>
-                        <a:buSzTx/>
-                        <a:buFontTx/>
-                        <a:buNone/>
-                        <a:tabLst/>
-                        <a:defRPr/>
-                      </a:pPr>
-                      <a:r>
-                        <a:rPr lang="en-US" sz="1100" dirty="0"/>
-                        <a:t>✅</a:t>
-                      </a:r>
-                    </a:p>
-                  </a:txBody>
-                  <a:tcPr>
-                    <a:lnL w="12700" cap="flat" cmpd="sng" algn="ctr">
-                      <a:solidFill>
-                        <a:schemeClr val="tx1"/>
-                      </a:solidFill>
-                      <a:prstDash val="solid"/>
-                      <a:round/>
-                      <a:headEnd type="none" w="med" len="med"/>
-                      <a:tailEnd type="none" w="med" len="med"/>
-                    </a:lnL>
-                    <a:lnR w="12700" cap="flat" cmpd="sng" algn="ctr">
-                      <a:solidFill>
-                        <a:schemeClr val="tx1"/>
-                      </a:solidFill>
-                      <a:prstDash val="solid"/>
-                      <a:round/>
-                      <a:headEnd type="none" w="med" len="med"/>
-                      <a:tailEnd type="none" w="med" len="med"/>
-                    </a:lnR>
-                  </a:tcPr>
-                </a:tc>
-                <a:extLst>
-                  <a:ext uri="{0D108BD9-81ED-4DB2-BD59-A6C34878D82A}">
-                    <a16:rowId xmlns:a16="http://schemas.microsoft.com/office/drawing/2014/main" val="1379717944"/>
-                  </a:ext>
-                </a:extLst>
-              </a:tr>
-              <a:tr h="0">
-                <a:tc>
-                  <a:txBody>
-                    <a:bodyPr/>
-                    <a:lstStyle/>
-                    <a:p>
-                      <a:r>
-                        <a:rPr lang="en-US" sz="1100" dirty="0"/>
-                        <a:t>Local states request :</a:t>
-                      </a:r>
-                    </a:p>
-                  </a:txBody>
-                  <a:tcPr>
-                    <a:lnR w="12700" cap="flat" cmpd="sng" algn="ctr">
-                      <a:solidFill>
-                        <a:schemeClr val="tx1"/>
-                      </a:solidFill>
-                      <a:prstDash val="solid"/>
-                      <a:round/>
-                      <a:headEnd type="none" w="med" len="med"/>
-                      <a:tailEnd type="none" w="med" len="med"/>
-                    </a:lnR>
-                    <a:solidFill>
-                      <a:schemeClr val="accent1">
-                        <a:lumMod val="60000"/>
-                        <a:lumOff val="40000"/>
-                      </a:schemeClr>
-                    </a:solidFill>
-                  </a:tcPr>
-                </a:tc>
-                <a:tc>
-                  <a:txBody>
-                    <a:bodyPr/>
-                    <a:lstStyle/>
-                    <a:p>
-                      <a:pPr algn="ctr"/>
-                      <a:endParaRPr lang="en-US" sz="1100" dirty="0"/>
-                    </a:p>
-                  </a:txBody>
-                  <a:tcPr>
-                    <a:lnL w="12700" cap="flat" cmpd="sng" algn="ctr">
-                      <a:solidFill>
-                        <a:schemeClr val="tx1"/>
-                      </a:solidFill>
-                      <a:prstDash val="solid"/>
-                      <a:round/>
-                      <a:headEnd type="none" w="med" len="med"/>
-                      <a:tailEnd type="none" w="med" len="med"/>
-                    </a:lnL>
-                    <a:lnR w="12700" cap="flat" cmpd="sng" algn="ctr">
-                      <a:solidFill>
-                        <a:schemeClr val="tx1"/>
-                      </a:solidFill>
-                      <a:prstDash val="solid"/>
-                      <a:round/>
-                      <a:headEnd type="none" w="med" len="med"/>
-                      <a:tailEnd type="none" w="med" len="med"/>
-                    </a:lnR>
-                    <a:solidFill>
-                      <a:schemeClr val="accent1">
-                        <a:lumMod val="60000"/>
-                        <a:lumOff val="40000"/>
-                      </a:schemeClr>
-                    </a:solidFill>
-                  </a:tcPr>
-                </a:tc>
-                <a:tc>
-                  <a:txBody>
-                    <a:bodyPr/>
-                    <a:lstStyle/>
-                    <a:p>
-                      <a:pPr algn="ctr"/>
-                      <a:endParaRPr lang="en-US" sz="1100" dirty="0"/>
-                    </a:p>
-                  </a:txBody>
-                  <a:tcPr>
-                    <a:lnL w="12700" cap="flat" cmpd="sng" algn="ctr">
-                      <a:solidFill>
-                        <a:schemeClr val="tx1"/>
-                      </a:solidFill>
-                      <a:prstDash val="solid"/>
-                      <a:round/>
-                      <a:headEnd type="none" w="med" len="med"/>
-                      <a:tailEnd type="none" w="med" len="med"/>
-                    </a:lnL>
-                    <a:lnR w="12700" cap="flat" cmpd="sng" algn="ctr">
-                      <a:solidFill>
-                        <a:schemeClr val="tx1"/>
-                      </a:solidFill>
-                      <a:prstDash val="solid"/>
-                      <a:round/>
-                      <a:headEnd type="none" w="med" len="med"/>
-                      <a:tailEnd type="none" w="med" len="med"/>
-                    </a:lnR>
-                    <a:solidFill>
-                      <a:schemeClr val="accent1">
-                        <a:lumMod val="60000"/>
-                        <a:lumOff val="40000"/>
-                      </a:schemeClr>
-                    </a:solidFill>
-                  </a:tcPr>
-                </a:tc>
-                <a:tc>
-                  <a:txBody>
-                    <a:bodyPr/>
-                    <a:lstStyle/>
-                    <a:p>
-                      <a:pPr algn="ctr"/>
-                      <a:endParaRPr lang="en-US" sz="1100" dirty="0"/>
-                    </a:p>
-                  </a:txBody>
-                  <a:tcPr>
-                    <a:lnL w="12700" cap="flat" cmpd="sng" algn="ctr">
-                      <a:solidFill>
-                        <a:schemeClr val="tx1"/>
-                      </a:solidFill>
-                      <a:prstDash val="solid"/>
-                      <a:round/>
-                      <a:headEnd type="none" w="med" len="med"/>
-                      <a:tailEnd type="none" w="med" len="med"/>
-                    </a:lnL>
-                    <a:lnR w="12700" cap="flat" cmpd="sng" algn="ctr">
-                      <a:solidFill>
-                        <a:schemeClr val="tx1"/>
-                      </a:solidFill>
-                      <a:prstDash val="solid"/>
-                      <a:round/>
-                      <a:headEnd type="none" w="med" len="med"/>
-                      <a:tailEnd type="none" w="med" len="med"/>
-                    </a:lnR>
-                    <a:solidFill>
-                      <a:schemeClr val="accent1">
-                        <a:lumMod val="60000"/>
-                        <a:lumOff val="40000"/>
-                      </a:schemeClr>
-                    </a:solidFill>
-                  </a:tcPr>
-                </a:tc>
-                <a:tc>
-                  <a:txBody>
-                    <a:bodyPr/>
-                    <a:lstStyle/>
-                    <a:p>
-                      <a:pPr algn="ctr"/>
-                      <a:endParaRPr lang="en-US" sz="1100" dirty="0"/>
-                    </a:p>
-                  </a:txBody>
-                  <a:tcPr>
-                    <a:lnL w="12700" cap="flat" cmpd="sng" algn="ctr">
-                      <a:solidFill>
-                        <a:schemeClr val="tx1"/>
-                      </a:solidFill>
-                      <a:prstDash val="solid"/>
-                      <a:round/>
-                      <a:headEnd type="none" w="med" len="med"/>
-                      <a:tailEnd type="none" w="med" len="med"/>
-                    </a:lnL>
-                    <a:lnR w="12700" cap="flat" cmpd="sng" algn="ctr">
-                      <a:solidFill>
-                        <a:schemeClr val="tx1"/>
-                      </a:solidFill>
-                      <a:prstDash val="solid"/>
-                      <a:round/>
-                      <a:headEnd type="none" w="med" len="med"/>
-                      <a:tailEnd type="none" w="med" len="med"/>
-                    </a:lnR>
-                    <a:solidFill>
-                      <a:schemeClr val="accent1">
-                        <a:lumMod val="60000"/>
-                        <a:lumOff val="40000"/>
-                      </a:schemeClr>
-                    </a:solidFill>
-                  </a:tcPr>
-                </a:tc>
-                <a:tc>
-                  <a:txBody>
-                    <a:bodyPr/>
-                    <a:lstStyle/>
-                    <a:p>
-                      <a:pPr algn="ctr"/>
-                      <a:endParaRPr lang="en-US" sz="1100" dirty="0"/>
-                    </a:p>
-                  </a:txBody>
-                  <a:tcPr>
-                    <a:lnL w="12700" cap="flat" cmpd="sng" algn="ctr">
-                      <a:solidFill>
-                        <a:schemeClr val="tx1"/>
-                      </a:solidFill>
-                      <a:prstDash val="solid"/>
-                      <a:round/>
-                      <a:headEnd type="none" w="med" len="med"/>
-                      <a:tailEnd type="none" w="med" len="med"/>
-                    </a:lnL>
-                    <a:lnR w="12700" cap="flat" cmpd="sng" algn="ctr">
-                      <a:solidFill>
-                        <a:schemeClr val="tx1"/>
-                      </a:solidFill>
-                      <a:prstDash val="solid"/>
-                      <a:round/>
-                      <a:headEnd type="none" w="med" len="med"/>
-                      <a:tailEnd type="none" w="med" len="med"/>
-                    </a:lnR>
-                    <a:solidFill>
-                      <a:schemeClr val="accent1">
-                        <a:lumMod val="60000"/>
-                        <a:lumOff val="40000"/>
-                      </a:schemeClr>
-                    </a:solidFill>
-                  </a:tcPr>
-                </a:tc>
-                <a:tc>
-                  <a:txBody>
-                    <a:bodyPr/>
-                    <a:lstStyle/>
-                    <a:p>
-                      <a:pPr algn="ctr"/>
-                      <a:endParaRPr lang="en-US" sz="1100" dirty="0"/>
-                    </a:p>
-                  </a:txBody>
-                  <a:tcPr>
-                    <a:lnL w="12700" cap="flat" cmpd="sng" algn="ctr">
-                      <a:solidFill>
-                        <a:schemeClr val="tx1"/>
-                      </a:solidFill>
-                      <a:prstDash val="solid"/>
-                      <a:round/>
-                      <a:headEnd type="none" w="med" len="med"/>
-                      <a:tailEnd type="none" w="med" len="med"/>
-                    </a:lnL>
-                    <a:lnR w="12700" cap="flat" cmpd="sng" algn="ctr">
-                      <a:solidFill>
-                        <a:schemeClr val="tx1"/>
-                      </a:solidFill>
-                      <a:prstDash val="solid"/>
-                      <a:round/>
-                      <a:headEnd type="none" w="med" len="med"/>
-                      <a:tailEnd type="none" w="med" len="med"/>
-                    </a:lnR>
-                    <a:solidFill>
-                      <a:schemeClr val="accent1">
-                        <a:lumMod val="60000"/>
-                        <a:lumOff val="40000"/>
-                      </a:schemeClr>
-                    </a:solidFill>
-                  </a:tcPr>
-                </a:tc>
-                <a:tc>
-                  <a:txBody>
-                    <a:bodyPr/>
-                    <a:lstStyle/>
-                    <a:p>
-                      <a:pPr algn="ctr"/>
-                      <a:endParaRPr lang="en-US" sz="1100" dirty="0"/>
-                    </a:p>
-                  </a:txBody>
-                  <a:tcPr>
-                    <a:lnL w="12700" cap="flat" cmpd="sng" algn="ctr">
-                      <a:solidFill>
-                        <a:schemeClr val="tx1"/>
-                      </a:solidFill>
-                      <a:prstDash val="solid"/>
-                      <a:round/>
-                      <a:headEnd type="none" w="med" len="med"/>
-                      <a:tailEnd type="none" w="med" len="med"/>
-                    </a:lnL>
-                    <a:lnR w="12700" cap="flat" cmpd="sng" algn="ctr">
-                      <a:solidFill>
-                        <a:schemeClr val="tx1"/>
-                      </a:solidFill>
-                      <a:prstDash val="solid"/>
-                      <a:round/>
-                      <a:headEnd type="none" w="med" len="med"/>
-                      <a:tailEnd type="none" w="med" len="med"/>
-                    </a:lnR>
-                    <a:solidFill>
-                      <a:schemeClr val="accent1">
-                        <a:lumMod val="60000"/>
-                        <a:lumOff val="40000"/>
-                      </a:schemeClr>
-                    </a:solidFill>
-                  </a:tcPr>
-                </a:tc>
-                <a:extLst>
-                  <a:ext uri="{0D108BD9-81ED-4DB2-BD59-A6C34878D82A}">
-                    <a16:rowId xmlns:a16="http://schemas.microsoft.com/office/drawing/2014/main" val="2481904"/>
-                  </a:ext>
-                </a:extLst>
-              </a:tr>
-              <a:tr h="0">
-                <a:tc>
-                  <a:txBody>
-                    <a:bodyPr/>
-                    <a:lstStyle/>
-                    <a:p>
-                      <a:pPr algn="r"/>
-                      <a:r>
-                        <a:rPr lang="en-US" sz="1100" dirty="0"/>
-                        <a:t>Device</a:t>
-                      </a:r>
-                    </a:p>
-                  </a:txBody>
-                  <a:tcPr>
-                    <a:lnR w="12700" cap="flat" cmpd="sng" algn="ctr">
-                      <a:solidFill>
-                        <a:schemeClr val="tx1"/>
-                      </a:solidFill>
-                      <a:prstDash val="solid"/>
-                      <a:round/>
-                      <a:headEnd type="none" w="med" len="med"/>
-                      <a:tailEnd type="none" w="med" len="med"/>
-                    </a:lnR>
-                  </a:tcPr>
-                </a:tc>
-                <a:tc>
-                  <a:txBody>
-                    <a:bodyPr/>
-                    <a:lstStyle/>
-                    <a:p>
-                      <a:pPr algn="ctr"/>
-                      <a:r>
-                        <a:rPr lang="en-US" sz="1100" dirty="0"/>
-                        <a:t>❌</a:t>
-                      </a:r>
-                    </a:p>
-                  </a:txBody>
-                  <a:tcPr>
-                    <a:lnL w="12700" cap="flat" cmpd="sng" algn="ctr">
-                      <a:solidFill>
-                        <a:schemeClr val="tx1"/>
-                      </a:solidFill>
-                      <a:prstDash val="solid"/>
-                      <a:round/>
-                      <a:headEnd type="none" w="med" len="med"/>
-                      <a:tailEnd type="none" w="med" len="med"/>
-                    </a:lnL>
-                    <a:lnR w="12700" cap="flat" cmpd="sng" algn="ctr">
-                      <a:solidFill>
-                        <a:schemeClr val="tx1"/>
-                      </a:solidFill>
-                      <a:prstDash val="solid"/>
-                      <a:round/>
-                      <a:headEnd type="none" w="med" len="med"/>
-                      <a:tailEnd type="none" w="med" len="med"/>
-                    </a:lnR>
-                  </a:tcPr>
-                </a:tc>
-                <a:tc>
-                  <a:txBody>
-                    <a:bodyPr/>
-                    <a:lstStyle/>
-                    <a:p>
-                      <a:pPr marL="0" marR="0" lvl="0" indent="0" algn="ctr" defTabSz="914400" rtl="0" eaLnBrk="1" fontAlgn="auto" latinLnBrk="0" hangingPunct="1">
-                        <a:lnSpc>
-                          <a:spcPct val="100000"/>
-                        </a:lnSpc>
-                        <a:spcBef>
-                          <a:spcPts val="0"/>
-                        </a:spcBef>
-                        <a:spcAft>
-                          <a:spcPts val="0"/>
-                        </a:spcAft>
-                        <a:buClrTx/>
-                        <a:buSzTx/>
-                        <a:buFontTx/>
-                        <a:buNone/>
-                        <a:tabLst/>
-                        <a:defRPr/>
-                      </a:pPr>
-                      <a:r>
-                        <a:rPr lang="en-US" sz="1100" dirty="0"/>
-                        <a:t>✅</a:t>
-                      </a:r>
-                    </a:p>
-                  </a:txBody>
-                  <a:tcPr>
-                    <a:lnL w="12700" cap="flat" cmpd="sng" algn="ctr">
-                      <a:solidFill>
-                        <a:schemeClr val="tx1"/>
-                      </a:solidFill>
-                      <a:prstDash val="solid"/>
-                      <a:round/>
-                      <a:headEnd type="none" w="med" len="med"/>
-                      <a:tailEnd type="none" w="med" len="med"/>
-                    </a:lnL>
-                    <a:lnR w="12700" cap="flat" cmpd="sng" algn="ctr">
-                      <a:solidFill>
-                        <a:schemeClr val="tx1"/>
-                      </a:solidFill>
-                      <a:prstDash val="solid"/>
-                      <a:round/>
-                      <a:headEnd type="none" w="med" len="med"/>
-                      <a:tailEnd type="none" w="med" len="med"/>
-                    </a:lnR>
-                  </a:tcPr>
-                </a:tc>
-                <a:tc>
-                  <a:txBody>
-                    <a:bodyPr/>
-                    <a:lstStyle/>
-                    <a:p>
-                      <a:pPr marL="0" marR="0" lvl="0" indent="0" algn="ctr" defTabSz="914400" rtl="0" eaLnBrk="1" fontAlgn="auto" latinLnBrk="0" hangingPunct="1">
-                        <a:lnSpc>
-                          <a:spcPct val="100000"/>
-                        </a:lnSpc>
-                        <a:spcBef>
-                          <a:spcPts val="0"/>
-                        </a:spcBef>
-                        <a:spcAft>
-                          <a:spcPts val="0"/>
-                        </a:spcAft>
-                        <a:buClrTx/>
-                        <a:buSzTx/>
-                        <a:buFontTx/>
-                        <a:buNone/>
-                        <a:tabLst/>
-                        <a:defRPr/>
-                      </a:pPr>
-                      <a:r>
-                        <a:rPr lang="en-US" sz="1100" dirty="0"/>
-                        <a:t>✅</a:t>
-                      </a:r>
-                    </a:p>
-                  </a:txBody>
-                  <a:tcPr>
-                    <a:lnL w="12700" cap="flat" cmpd="sng" algn="ctr">
-                      <a:solidFill>
-                        <a:schemeClr val="tx1"/>
-                      </a:solidFill>
-                      <a:prstDash val="solid"/>
-                      <a:round/>
-                      <a:headEnd type="none" w="med" len="med"/>
-                      <a:tailEnd type="none" w="med" len="med"/>
-                    </a:lnL>
-                    <a:lnR w="12700" cap="flat" cmpd="sng" algn="ctr">
-                      <a:solidFill>
-                        <a:schemeClr val="tx1"/>
-                      </a:solidFill>
-                      <a:prstDash val="solid"/>
-                      <a:round/>
-                      <a:headEnd type="none" w="med" len="med"/>
-                      <a:tailEnd type="none" w="med" len="med"/>
-                    </a:lnR>
-                  </a:tcPr>
-                </a:tc>
-                <a:tc>
-                  <a:txBody>
-                    <a:bodyPr/>
-                    <a:lstStyle/>
-                    <a:p>
-                      <a:pPr algn="ctr"/>
-                      <a:r>
-                        <a:rPr lang="en-US" sz="1100" dirty="0"/>
-                        <a:t>❌</a:t>
-                      </a:r>
-                    </a:p>
-                  </a:txBody>
-                  <a:tcPr>
-                    <a:lnL w="12700" cap="flat" cmpd="sng" algn="ctr">
-                      <a:solidFill>
-                        <a:schemeClr val="tx1"/>
-                      </a:solidFill>
-                      <a:prstDash val="solid"/>
-                      <a:round/>
-                      <a:headEnd type="none" w="med" len="med"/>
-                      <a:tailEnd type="none" w="med" len="med"/>
-                    </a:lnL>
-                    <a:lnR w="12700" cap="flat" cmpd="sng" algn="ctr">
-                      <a:solidFill>
-                        <a:schemeClr val="tx1"/>
-                      </a:solidFill>
-                      <a:prstDash val="solid"/>
-                      <a:round/>
-                      <a:headEnd type="none" w="med" len="med"/>
-                      <a:tailEnd type="none" w="med" len="med"/>
-                    </a:lnR>
-                  </a:tcPr>
-                </a:tc>
-                <a:tc>
-                  <a:txBody>
-                    <a:bodyPr/>
-                    <a:lstStyle/>
-                    <a:p>
-                      <a:pPr algn="ctr"/>
-                      <a:r>
-                        <a:rPr lang="en-US" sz="1100" dirty="0"/>
-                        <a:t>❌</a:t>
-                      </a:r>
-                    </a:p>
-                  </a:txBody>
-                  <a:tcPr>
-                    <a:lnL w="12700" cap="flat" cmpd="sng" algn="ctr">
-                      <a:solidFill>
-                        <a:schemeClr val="tx1"/>
-                      </a:solidFill>
-                      <a:prstDash val="solid"/>
-                      <a:round/>
-                      <a:headEnd type="none" w="med" len="med"/>
-                      <a:tailEnd type="none" w="med" len="med"/>
-                    </a:lnL>
-                    <a:lnR w="12700" cap="flat" cmpd="sng" algn="ctr">
-                      <a:solidFill>
-                        <a:schemeClr val="tx1"/>
-                      </a:solidFill>
-                      <a:prstDash val="solid"/>
-                      <a:round/>
-                      <a:headEnd type="none" w="med" len="med"/>
-                      <a:tailEnd type="none" w="med" len="med"/>
-                    </a:lnR>
-                  </a:tcPr>
-                </a:tc>
-                <a:tc>
-                  <a:txBody>
-                    <a:bodyPr/>
-                    <a:lstStyle/>
-                    <a:p>
-                      <a:pPr algn="ctr"/>
-                      <a:r>
-                        <a:rPr lang="en-US" sz="1100" dirty="0"/>
-                        <a:t>❌</a:t>
-                      </a:r>
-                    </a:p>
-                  </a:txBody>
-                  <a:tcPr>
-                    <a:lnL w="12700" cap="flat" cmpd="sng" algn="ctr">
-                      <a:solidFill>
-                        <a:schemeClr val="tx1"/>
-                      </a:solidFill>
-                      <a:prstDash val="solid"/>
-                      <a:round/>
-                      <a:headEnd type="none" w="med" len="med"/>
-                      <a:tailEnd type="none" w="med" len="med"/>
-                    </a:lnL>
-                    <a:lnR w="12700" cap="flat" cmpd="sng" algn="ctr">
-                      <a:solidFill>
-                        <a:schemeClr val="tx1"/>
-                      </a:solidFill>
-                      <a:prstDash val="solid"/>
-                      <a:round/>
-                      <a:headEnd type="none" w="med" len="med"/>
-                      <a:tailEnd type="none" w="med" len="med"/>
-                    </a:lnR>
-                  </a:tcPr>
-                </a:tc>
-                <a:tc>
-                  <a:txBody>
-                    <a:bodyPr/>
-                    <a:lstStyle/>
-                    <a:p>
-                      <a:pPr algn="ctr"/>
-                      <a:r>
-                        <a:rPr lang="en-US" sz="1100" dirty="0"/>
-                        <a:t>❌</a:t>
-                      </a:r>
-                    </a:p>
-                  </a:txBody>
-                  <a:tcPr>
-                    <a:lnL w="12700" cap="flat" cmpd="sng" algn="ctr">
-                      <a:solidFill>
-                        <a:schemeClr val="tx1"/>
-                      </a:solidFill>
-                      <a:prstDash val="solid"/>
-                      <a:round/>
-                      <a:headEnd type="none" w="med" len="med"/>
-                      <a:tailEnd type="none" w="med" len="med"/>
-                    </a:lnL>
-                    <a:lnR w="12700" cap="flat" cmpd="sng" algn="ctr">
-                      <a:solidFill>
-                        <a:schemeClr val="tx1"/>
-                      </a:solidFill>
-                      <a:prstDash val="solid"/>
-                      <a:round/>
-                      <a:headEnd type="none" w="med" len="med"/>
-                      <a:tailEnd type="none" w="med" len="med"/>
-                    </a:lnR>
-                  </a:tcPr>
-                </a:tc>
-                <a:extLst>
-                  <a:ext uri="{0D108BD9-81ED-4DB2-BD59-A6C34878D82A}">
-                    <a16:rowId xmlns:a16="http://schemas.microsoft.com/office/drawing/2014/main" val="1268953817"/>
-                  </a:ext>
-                </a:extLst>
-              </a:tr>
-              <a:tr h="0">
-                <a:tc>
-                  <a:txBody>
-                    <a:bodyPr/>
-                    <a:lstStyle/>
-                    <a:p>
-                      <a:pPr algn="r"/>
-                      <a:r>
-                        <a:rPr lang="en-US" sz="1100" dirty="0"/>
-                        <a:t>Pub/sub</a:t>
-                      </a:r>
-                    </a:p>
-                  </a:txBody>
-                  <a:tcPr>
-                    <a:lnR w="12700" cap="flat" cmpd="sng" algn="ctr">
-                      <a:solidFill>
-                        <a:schemeClr val="tx1"/>
-                      </a:solidFill>
-                      <a:prstDash val="solid"/>
-                      <a:round/>
-                      <a:headEnd type="none" w="med" len="med"/>
-                      <a:tailEnd type="none" w="med" len="med"/>
-                    </a:lnR>
-                  </a:tcPr>
-                </a:tc>
-                <a:tc>
-                  <a:txBody>
-                    <a:bodyPr/>
-                    <a:lstStyle/>
-                    <a:p>
-                      <a:pPr marL="0" marR="0" lvl="0" indent="0" algn="ctr" defTabSz="914400" rtl="0" eaLnBrk="1" fontAlgn="auto" latinLnBrk="0" hangingPunct="1">
-                        <a:lnSpc>
-                          <a:spcPct val="100000"/>
-                        </a:lnSpc>
-                        <a:spcBef>
-                          <a:spcPts val="0"/>
-                        </a:spcBef>
-                        <a:spcAft>
-                          <a:spcPts val="0"/>
-                        </a:spcAft>
-                        <a:buClrTx/>
-                        <a:buSzTx/>
-                        <a:buFontTx/>
-                        <a:buNone/>
-                        <a:tabLst/>
-                        <a:defRPr/>
-                      </a:pPr>
-                      <a:r>
-                        <a:rPr lang="en-US" sz="1100" dirty="0"/>
-                        <a:t>❌</a:t>
-                      </a:r>
-                    </a:p>
-                  </a:txBody>
-                  <a:tcPr>
-                    <a:lnL w="12700" cap="flat" cmpd="sng" algn="ctr">
-                      <a:solidFill>
-                        <a:schemeClr val="tx1"/>
-                      </a:solidFill>
-                      <a:prstDash val="solid"/>
-                      <a:round/>
-                      <a:headEnd type="none" w="med" len="med"/>
-                      <a:tailEnd type="none" w="med" len="med"/>
-                    </a:lnL>
-                    <a:lnR w="12700" cap="flat" cmpd="sng" algn="ctr">
-                      <a:solidFill>
-                        <a:schemeClr val="tx1"/>
-                      </a:solidFill>
-                      <a:prstDash val="solid"/>
-                      <a:round/>
-                      <a:headEnd type="none" w="med" len="med"/>
-                      <a:tailEnd type="none" w="med" len="med"/>
-                    </a:lnR>
-                  </a:tcPr>
-                </a:tc>
-                <a:tc>
-                  <a:txBody>
-                    <a:bodyPr/>
-                    <a:lstStyle/>
-                    <a:p>
-                      <a:pPr marL="0" marR="0" lvl="0" indent="0" algn="ctr" defTabSz="914400" rtl="0" eaLnBrk="1" fontAlgn="auto" latinLnBrk="0" hangingPunct="1">
-                        <a:lnSpc>
-                          <a:spcPct val="100000"/>
-                        </a:lnSpc>
-                        <a:spcBef>
-                          <a:spcPts val="0"/>
-                        </a:spcBef>
-                        <a:spcAft>
-                          <a:spcPts val="0"/>
-                        </a:spcAft>
-                        <a:buClrTx/>
-                        <a:buSzTx/>
-                        <a:buFontTx/>
-                        <a:buNone/>
-                        <a:tabLst/>
-                        <a:defRPr/>
-                      </a:pPr>
-                      <a:r>
-                        <a:rPr lang="en-US" sz="1100" dirty="0"/>
-                        <a:t>✅</a:t>
-                      </a:r>
-                    </a:p>
-                  </a:txBody>
-                  <a:tcPr>
-                    <a:lnL w="12700" cap="flat" cmpd="sng" algn="ctr">
-                      <a:solidFill>
-                        <a:schemeClr val="tx1"/>
-                      </a:solidFill>
-                      <a:prstDash val="solid"/>
-                      <a:round/>
-                      <a:headEnd type="none" w="med" len="med"/>
-                      <a:tailEnd type="none" w="med" len="med"/>
-                    </a:lnL>
-                    <a:lnR w="12700" cap="flat" cmpd="sng" algn="ctr">
-                      <a:solidFill>
-                        <a:schemeClr val="tx1"/>
-                      </a:solidFill>
-                      <a:prstDash val="solid"/>
-                      <a:round/>
-                      <a:headEnd type="none" w="med" len="med"/>
-                      <a:tailEnd type="none" w="med" len="med"/>
-                    </a:lnR>
-                  </a:tcPr>
-                </a:tc>
-                <a:tc>
-                  <a:txBody>
-                    <a:bodyPr/>
-                    <a:lstStyle/>
-                    <a:p>
-                      <a:pPr marL="0" marR="0" lvl="0" indent="0" algn="ctr" defTabSz="914400" rtl="0" eaLnBrk="1" fontAlgn="auto" latinLnBrk="0" hangingPunct="1">
-                        <a:lnSpc>
-                          <a:spcPct val="100000"/>
-                        </a:lnSpc>
-                        <a:spcBef>
-                          <a:spcPts val="0"/>
-                        </a:spcBef>
-                        <a:spcAft>
-                          <a:spcPts val="0"/>
-                        </a:spcAft>
-                        <a:buClrTx/>
-                        <a:buSzTx/>
-                        <a:buFontTx/>
-                        <a:buNone/>
-                        <a:tabLst/>
-                        <a:defRPr/>
-                      </a:pPr>
-                      <a:r>
-                        <a:rPr lang="en-US" sz="1100" dirty="0"/>
-                        <a:t>✅</a:t>
-                      </a:r>
-                    </a:p>
-                  </a:txBody>
-                  <a:tcPr>
-                    <a:lnL w="12700" cap="flat" cmpd="sng" algn="ctr">
-                      <a:solidFill>
-                        <a:schemeClr val="tx1"/>
-                      </a:solidFill>
-                      <a:prstDash val="solid"/>
-                      <a:round/>
-                      <a:headEnd type="none" w="med" len="med"/>
-                      <a:tailEnd type="none" w="med" len="med"/>
-                    </a:lnL>
-                    <a:lnR w="12700" cap="flat" cmpd="sng" algn="ctr">
-                      <a:solidFill>
-                        <a:schemeClr val="tx1"/>
-                      </a:solidFill>
-                      <a:prstDash val="solid"/>
-                      <a:round/>
-                      <a:headEnd type="none" w="med" len="med"/>
-                      <a:tailEnd type="none" w="med" len="med"/>
-                    </a:lnR>
-                  </a:tcPr>
-                </a:tc>
-                <a:tc>
-                  <a:txBody>
-                    <a:bodyPr/>
-                    <a:lstStyle/>
-                    <a:p>
-                      <a:pPr marL="0" marR="0" lvl="0" indent="0" algn="ctr" defTabSz="914400" rtl="0" eaLnBrk="1" fontAlgn="auto" latinLnBrk="0" hangingPunct="1">
-                        <a:lnSpc>
-                          <a:spcPct val="100000"/>
-                        </a:lnSpc>
-                        <a:spcBef>
-                          <a:spcPts val="0"/>
-                        </a:spcBef>
-                        <a:spcAft>
-                          <a:spcPts val="0"/>
-                        </a:spcAft>
-                        <a:buClrTx/>
-                        <a:buSzTx/>
-                        <a:buFontTx/>
-                        <a:buNone/>
-                        <a:tabLst/>
-                        <a:defRPr/>
-                      </a:pPr>
-                      <a:r>
-                        <a:rPr lang="en-US" sz="1100" dirty="0"/>
-                        <a:t>❌</a:t>
-                      </a:r>
-                    </a:p>
-                  </a:txBody>
-                  <a:tcPr>
-                    <a:lnL w="12700" cap="flat" cmpd="sng" algn="ctr">
-                      <a:solidFill>
-                        <a:schemeClr val="tx1"/>
-                      </a:solidFill>
-                      <a:prstDash val="solid"/>
-                      <a:round/>
-                      <a:headEnd type="none" w="med" len="med"/>
-                      <a:tailEnd type="none" w="med" len="med"/>
-                    </a:lnL>
-                    <a:lnR w="12700" cap="flat" cmpd="sng" algn="ctr">
-                      <a:solidFill>
-                        <a:schemeClr val="tx1"/>
-                      </a:solidFill>
-                      <a:prstDash val="solid"/>
-                      <a:round/>
-                      <a:headEnd type="none" w="med" len="med"/>
-                      <a:tailEnd type="none" w="med" len="med"/>
-                    </a:lnR>
-                  </a:tcPr>
-                </a:tc>
-                <a:tc>
-                  <a:txBody>
-                    <a:bodyPr/>
-                    <a:lstStyle/>
-                    <a:p>
-                      <a:pPr marL="0" marR="0" lvl="0" indent="0" algn="ctr" defTabSz="914400" rtl="0" eaLnBrk="1" fontAlgn="auto" latinLnBrk="0" hangingPunct="1">
-                        <a:lnSpc>
-                          <a:spcPct val="100000"/>
-                        </a:lnSpc>
-                        <a:spcBef>
-                          <a:spcPts val="0"/>
-                        </a:spcBef>
-                        <a:spcAft>
-                          <a:spcPts val="0"/>
-                        </a:spcAft>
-                        <a:buClrTx/>
-                        <a:buSzTx/>
-                        <a:buFontTx/>
-                        <a:buNone/>
-                        <a:tabLst/>
-                        <a:defRPr/>
-                      </a:pPr>
-                      <a:r>
-                        <a:rPr lang="en-US" sz="1100" dirty="0"/>
-                        <a:t>❌</a:t>
-                      </a:r>
-                    </a:p>
-                  </a:txBody>
-                  <a:tcPr>
-                    <a:lnL w="12700" cap="flat" cmpd="sng" algn="ctr">
-                      <a:solidFill>
-                        <a:schemeClr val="tx1"/>
-                      </a:solidFill>
-                      <a:prstDash val="solid"/>
-                      <a:round/>
-                      <a:headEnd type="none" w="med" len="med"/>
-                      <a:tailEnd type="none" w="med" len="med"/>
-                    </a:lnL>
-                    <a:lnR w="12700" cap="flat" cmpd="sng" algn="ctr">
-                      <a:solidFill>
-                        <a:schemeClr val="tx1"/>
-                      </a:solidFill>
-                      <a:prstDash val="solid"/>
-                      <a:round/>
-                      <a:headEnd type="none" w="med" len="med"/>
-                      <a:tailEnd type="none" w="med" len="med"/>
-                    </a:lnR>
-                  </a:tcPr>
-                </a:tc>
-                <a:tc>
-                  <a:txBody>
-                    <a:bodyPr/>
-                    <a:lstStyle/>
-                    <a:p>
-                      <a:pPr marL="0" marR="0" lvl="0" indent="0" algn="ctr" defTabSz="914400" rtl="0" eaLnBrk="1" fontAlgn="auto" latinLnBrk="0" hangingPunct="1">
-                        <a:lnSpc>
-                          <a:spcPct val="100000"/>
-                        </a:lnSpc>
-                        <a:spcBef>
-                          <a:spcPts val="0"/>
-                        </a:spcBef>
-                        <a:spcAft>
-                          <a:spcPts val="0"/>
-                        </a:spcAft>
-                        <a:buClrTx/>
-                        <a:buSzTx/>
-                        <a:buFontTx/>
-                        <a:buNone/>
-                        <a:tabLst/>
-                        <a:defRPr/>
-                      </a:pPr>
-                      <a:r>
-                        <a:rPr lang="en-US" sz="1100" dirty="0"/>
-                        <a:t>❌</a:t>
-                      </a:r>
-                    </a:p>
-                  </a:txBody>
-                  <a:tcPr>
-                    <a:lnL w="12700" cap="flat" cmpd="sng" algn="ctr">
-                      <a:solidFill>
-                        <a:schemeClr val="tx1"/>
-                      </a:solidFill>
-                      <a:prstDash val="solid"/>
-                      <a:round/>
-                      <a:headEnd type="none" w="med" len="med"/>
-                      <a:tailEnd type="none" w="med" len="med"/>
-                    </a:lnL>
-                    <a:lnR w="12700" cap="flat" cmpd="sng" algn="ctr">
-                      <a:solidFill>
-                        <a:schemeClr val="tx1"/>
-                      </a:solidFill>
-                      <a:prstDash val="solid"/>
-                      <a:round/>
-                      <a:headEnd type="none" w="med" len="med"/>
-                      <a:tailEnd type="none" w="med" len="med"/>
-                    </a:lnR>
-                  </a:tcPr>
-                </a:tc>
-                <a:tc>
-                  <a:txBody>
-                    <a:bodyPr/>
-                    <a:lstStyle/>
-                    <a:p>
-                      <a:pPr marL="0" marR="0" lvl="0" indent="0" algn="ctr" defTabSz="914400" rtl="0" eaLnBrk="1" fontAlgn="auto" latinLnBrk="0" hangingPunct="1">
-                        <a:lnSpc>
-                          <a:spcPct val="100000"/>
-                        </a:lnSpc>
-                        <a:spcBef>
-                          <a:spcPts val="0"/>
-                        </a:spcBef>
-                        <a:spcAft>
-                          <a:spcPts val="0"/>
-                        </a:spcAft>
-                        <a:buClrTx/>
-                        <a:buSzTx/>
-                        <a:buFontTx/>
-                        <a:buNone/>
-                        <a:tabLst/>
-                        <a:defRPr/>
-                      </a:pPr>
-                      <a:r>
-                        <a:rPr lang="en-US" sz="1100" dirty="0"/>
-                        <a:t>❌</a:t>
-                      </a:r>
-                    </a:p>
-                  </a:txBody>
-                  <a:tcPr>
-                    <a:lnL w="12700" cap="flat" cmpd="sng" algn="ctr">
-                      <a:solidFill>
-                        <a:schemeClr val="tx1"/>
-                      </a:solidFill>
-                      <a:prstDash val="solid"/>
-                      <a:round/>
-                      <a:headEnd type="none" w="med" len="med"/>
-                      <a:tailEnd type="none" w="med" len="med"/>
-                    </a:lnL>
-                    <a:lnR w="12700" cap="flat" cmpd="sng" algn="ctr">
-                      <a:solidFill>
-                        <a:schemeClr val="tx1"/>
-                      </a:solidFill>
-                      <a:prstDash val="solid"/>
-                      <a:round/>
-                      <a:headEnd type="none" w="med" len="med"/>
-                      <a:tailEnd type="none" w="med" len="med"/>
-                    </a:lnR>
-                  </a:tcPr>
-                </a:tc>
-                <a:extLst>
-                  <a:ext uri="{0D108BD9-81ED-4DB2-BD59-A6C34878D82A}">
-                    <a16:rowId xmlns:a16="http://schemas.microsoft.com/office/drawing/2014/main" val="3489824689"/>
-                  </a:ext>
-                </a:extLst>
-              </a:tr>
-              <a:tr h="0">
-                <a:tc>
-                  <a:txBody>
-                    <a:bodyPr/>
-                    <a:lstStyle/>
-                    <a:p>
-                      <a:pPr algn="r"/>
-                      <a:r>
-                        <a:rPr lang="en-US" sz="1100" dirty="0"/>
-                        <a:t>Match</a:t>
-                      </a:r>
-                    </a:p>
-                  </a:txBody>
-                  <a:tcPr>
-                    <a:lnR w="12700" cap="flat" cmpd="sng" algn="ctr">
-                      <a:solidFill>
-                        <a:schemeClr val="tx1"/>
-                      </a:solidFill>
-                      <a:prstDash val="solid"/>
-                      <a:round/>
-                      <a:headEnd type="none" w="med" len="med"/>
-                      <a:tailEnd type="none" w="med" len="med"/>
-                    </a:lnR>
-                  </a:tcPr>
-                </a:tc>
-                <a:tc>
-                  <a:txBody>
-                    <a:bodyPr/>
-                    <a:lstStyle/>
-                    <a:p>
-                      <a:pPr marL="0" marR="0" lvl="0" indent="0" algn="ctr" defTabSz="914400" rtl="0" eaLnBrk="1" fontAlgn="auto" latinLnBrk="0" hangingPunct="1">
-                        <a:lnSpc>
-                          <a:spcPct val="100000"/>
-                        </a:lnSpc>
-                        <a:spcBef>
-                          <a:spcPts val="0"/>
-                        </a:spcBef>
-                        <a:spcAft>
-                          <a:spcPts val="0"/>
-                        </a:spcAft>
-                        <a:buClrTx/>
-                        <a:buSzTx/>
-                        <a:buFontTx/>
-                        <a:buNone/>
-                        <a:tabLst/>
-                        <a:defRPr/>
-                      </a:pPr>
-                      <a:r>
-                        <a:rPr lang="en-US" sz="1100" dirty="0"/>
-                        <a:t>❌</a:t>
-                      </a:r>
-                    </a:p>
-                  </a:txBody>
-                  <a:tcPr>
-                    <a:lnL w="12700" cap="flat" cmpd="sng" algn="ctr">
-                      <a:solidFill>
-                        <a:schemeClr val="tx1"/>
-                      </a:solidFill>
-                      <a:prstDash val="solid"/>
-                      <a:round/>
-                      <a:headEnd type="none" w="med" len="med"/>
-                      <a:tailEnd type="none" w="med" len="med"/>
-                    </a:lnL>
-                    <a:lnR w="12700" cap="flat" cmpd="sng" algn="ctr">
-                      <a:solidFill>
-                        <a:schemeClr val="tx1"/>
-                      </a:solidFill>
-                      <a:prstDash val="solid"/>
-                      <a:round/>
-                      <a:headEnd type="none" w="med" len="med"/>
-                      <a:tailEnd type="none" w="med" len="med"/>
-                    </a:lnR>
-                  </a:tcPr>
-                </a:tc>
-                <a:tc>
-                  <a:txBody>
-                    <a:bodyPr/>
-                    <a:lstStyle/>
-                    <a:p>
-                      <a:pPr marL="0" marR="0" lvl="0" indent="0" algn="ctr" defTabSz="914400" rtl="0" eaLnBrk="1" fontAlgn="auto" latinLnBrk="0" hangingPunct="1">
-                        <a:lnSpc>
-                          <a:spcPct val="100000"/>
-                        </a:lnSpc>
-                        <a:spcBef>
-                          <a:spcPts val="0"/>
-                        </a:spcBef>
-                        <a:spcAft>
-                          <a:spcPts val="0"/>
-                        </a:spcAft>
-                        <a:buClrTx/>
-                        <a:buSzTx/>
-                        <a:buFontTx/>
-                        <a:buNone/>
-                        <a:tabLst/>
-                        <a:defRPr/>
-                      </a:pPr>
-                      <a:r>
-                        <a:rPr lang="en-US" sz="1100" dirty="0"/>
-                        <a:t>✅</a:t>
-                      </a:r>
-                    </a:p>
-                  </a:txBody>
-                  <a:tcPr>
-                    <a:lnL w="12700" cap="flat" cmpd="sng" algn="ctr">
-                      <a:solidFill>
-                        <a:schemeClr val="tx1"/>
-                      </a:solidFill>
-                      <a:prstDash val="solid"/>
-                      <a:round/>
-                      <a:headEnd type="none" w="med" len="med"/>
-                      <a:tailEnd type="none" w="med" len="med"/>
-                    </a:lnL>
-                    <a:lnR w="12700" cap="flat" cmpd="sng" algn="ctr">
-                      <a:solidFill>
-                        <a:schemeClr val="tx1"/>
-                      </a:solidFill>
-                      <a:prstDash val="solid"/>
-                      <a:round/>
-                      <a:headEnd type="none" w="med" len="med"/>
-                      <a:tailEnd type="none" w="med" len="med"/>
-                    </a:lnR>
-                  </a:tcPr>
-                </a:tc>
-                <a:tc>
-                  <a:txBody>
-                    <a:bodyPr/>
-                    <a:lstStyle/>
-                    <a:p>
-                      <a:pPr marL="0" marR="0" lvl="0" indent="0" algn="ctr" defTabSz="914400" rtl="0" eaLnBrk="1" fontAlgn="auto" latinLnBrk="0" hangingPunct="1">
-                        <a:lnSpc>
-                          <a:spcPct val="100000"/>
-                        </a:lnSpc>
-                        <a:spcBef>
-                          <a:spcPts val="0"/>
-                        </a:spcBef>
-                        <a:spcAft>
-                          <a:spcPts val="0"/>
-                        </a:spcAft>
-                        <a:buClrTx/>
-                        <a:buSzTx/>
-                        <a:buFontTx/>
-                        <a:buNone/>
-                        <a:tabLst/>
-                        <a:defRPr/>
-                      </a:pPr>
-                      <a:r>
-                        <a:rPr lang="en-US" sz="1100" dirty="0"/>
-                        <a:t>✅</a:t>
-                      </a:r>
-                    </a:p>
-                  </a:txBody>
-                  <a:tcPr>
-                    <a:lnL w="12700" cap="flat" cmpd="sng" algn="ctr">
-                      <a:solidFill>
-                        <a:schemeClr val="tx1"/>
-                      </a:solidFill>
-                      <a:prstDash val="solid"/>
-                      <a:round/>
-                      <a:headEnd type="none" w="med" len="med"/>
-                      <a:tailEnd type="none" w="med" len="med"/>
-                    </a:lnL>
-                    <a:lnR w="12700" cap="flat" cmpd="sng" algn="ctr">
-                      <a:solidFill>
-                        <a:schemeClr val="tx1"/>
-                      </a:solidFill>
-                      <a:prstDash val="solid"/>
-                      <a:round/>
-                      <a:headEnd type="none" w="med" len="med"/>
-                      <a:tailEnd type="none" w="med" len="med"/>
-                    </a:lnR>
-                  </a:tcPr>
-                </a:tc>
-                <a:tc>
-                  <a:txBody>
-                    <a:bodyPr/>
-                    <a:lstStyle/>
-                    <a:p>
-                      <a:pPr marL="0" marR="0" lvl="0" indent="0" algn="ctr" defTabSz="914400" rtl="0" eaLnBrk="1" fontAlgn="auto" latinLnBrk="0" hangingPunct="1">
-                        <a:lnSpc>
-                          <a:spcPct val="100000"/>
-                        </a:lnSpc>
-                        <a:spcBef>
-                          <a:spcPts val="0"/>
-                        </a:spcBef>
-                        <a:spcAft>
-                          <a:spcPts val="0"/>
-                        </a:spcAft>
-                        <a:buClrTx/>
-                        <a:buSzTx/>
-                        <a:buFontTx/>
-                        <a:buNone/>
-                        <a:tabLst/>
-                        <a:defRPr/>
-                      </a:pPr>
-                      <a:r>
-                        <a:rPr lang="en-US" sz="1100" dirty="0"/>
-                        <a:t>❌</a:t>
-                      </a:r>
-                    </a:p>
-                  </a:txBody>
-                  <a:tcPr>
-                    <a:lnL w="12700" cap="flat" cmpd="sng" algn="ctr">
-                      <a:solidFill>
-                        <a:schemeClr val="tx1"/>
-                      </a:solidFill>
-                      <a:prstDash val="solid"/>
-                      <a:round/>
-                      <a:headEnd type="none" w="med" len="med"/>
-                      <a:tailEnd type="none" w="med" len="med"/>
-                    </a:lnL>
-                    <a:lnR w="12700" cap="flat" cmpd="sng" algn="ctr">
-                      <a:solidFill>
-                        <a:schemeClr val="tx1"/>
-                      </a:solidFill>
-                      <a:prstDash val="solid"/>
-                      <a:round/>
-                      <a:headEnd type="none" w="med" len="med"/>
-                      <a:tailEnd type="none" w="med" len="med"/>
-                    </a:lnR>
-                  </a:tcPr>
-                </a:tc>
-                <a:tc>
-                  <a:txBody>
-                    <a:bodyPr/>
-                    <a:lstStyle/>
-                    <a:p>
-                      <a:pPr marL="0" marR="0" lvl="0" indent="0" algn="ctr" defTabSz="914400" rtl="0" eaLnBrk="1" fontAlgn="auto" latinLnBrk="0" hangingPunct="1">
-                        <a:lnSpc>
-                          <a:spcPct val="100000"/>
-                        </a:lnSpc>
-                        <a:spcBef>
-                          <a:spcPts val="0"/>
-                        </a:spcBef>
-                        <a:spcAft>
-                          <a:spcPts val="0"/>
-                        </a:spcAft>
-                        <a:buClrTx/>
-                        <a:buSzTx/>
-                        <a:buFontTx/>
-                        <a:buNone/>
-                        <a:tabLst/>
-                        <a:defRPr/>
-                      </a:pPr>
-                      <a:r>
-                        <a:rPr lang="en-US" sz="1100" dirty="0"/>
-                        <a:t>❌</a:t>
-                      </a:r>
-                    </a:p>
-                  </a:txBody>
-                  <a:tcPr>
-                    <a:lnL w="12700" cap="flat" cmpd="sng" algn="ctr">
-                      <a:solidFill>
-                        <a:schemeClr val="tx1"/>
-                      </a:solidFill>
-                      <a:prstDash val="solid"/>
-                      <a:round/>
-                      <a:headEnd type="none" w="med" len="med"/>
-                      <a:tailEnd type="none" w="med" len="med"/>
-                    </a:lnL>
-                    <a:lnR w="12700" cap="flat" cmpd="sng" algn="ctr">
-                      <a:solidFill>
-                        <a:schemeClr val="tx1"/>
-                      </a:solidFill>
-                      <a:prstDash val="solid"/>
-                      <a:round/>
-                      <a:headEnd type="none" w="med" len="med"/>
-                      <a:tailEnd type="none" w="med" len="med"/>
-                    </a:lnR>
-                  </a:tcPr>
-                </a:tc>
-                <a:tc>
-                  <a:txBody>
-                    <a:bodyPr/>
-                    <a:lstStyle/>
-                    <a:p>
-                      <a:pPr marL="0" marR="0" lvl="0" indent="0" algn="ctr" defTabSz="914400" rtl="0" eaLnBrk="1" fontAlgn="auto" latinLnBrk="0" hangingPunct="1">
-                        <a:lnSpc>
-                          <a:spcPct val="100000"/>
-                        </a:lnSpc>
-                        <a:spcBef>
-                          <a:spcPts val="0"/>
-                        </a:spcBef>
-                        <a:spcAft>
-                          <a:spcPts val="0"/>
-                        </a:spcAft>
-                        <a:buClrTx/>
-                        <a:buSzTx/>
-                        <a:buFontTx/>
-                        <a:buNone/>
-                        <a:tabLst/>
-                        <a:defRPr/>
-                      </a:pPr>
-                      <a:r>
-                        <a:rPr lang="en-US" sz="1100" dirty="0"/>
-                        <a:t>❌</a:t>
-                      </a:r>
-                    </a:p>
-                  </a:txBody>
-                  <a:tcPr>
-                    <a:lnL w="12700" cap="flat" cmpd="sng" algn="ctr">
-                      <a:solidFill>
-                        <a:schemeClr val="tx1"/>
-                      </a:solidFill>
-                      <a:prstDash val="solid"/>
-                      <a:round/>
-                      <a:headEnd type="none" w="med" len="med"/>
-                      <a:tailEnd type="none" w="med" len="med"/>
-                    </a:lnL>
-                    <a:lnR w="12700" cap="flat" cmpd="sng" algn="ctr">
-                      <a:solidFill>
-                        <a:schemeClr val="tx1"/>
-                      </a:solidFill>
-                      <a:prstDash val="solid"/>
-                      <a:round/>
-                      <a:headEnd type="none" w="med" len="med"/>
-                      <a:tailEnd type="none" w="med" len="med"/>
-                    </a:lnR>
-                  </a:tcPr>
-                </a:tc>
-                <a:tc>
-                  <a:txBody>
-                    <a:bodyPr/>
-                    <a:lstStyle/>
-                    <a:p>
-                      <a:pPr marL="0" marR="0" lvl="0" indent="0" algn="ctr" defTabSz="914400" rtl="0" eaLnBrk="1" fontAlgn="auto" latinLnBrk="0" hangingPunct="1">
-                        <a:lnSpc>
-                          <a:spcPct val="100000"/>
-                        </a:lnSpc>
-                        <a:spcBef>
-                          <a:spcPts val="0"/>
-                        </a:spcBef>
-                        <a:spcAft>
-                          <a:spcPts val="0"/>
-                        </a:spcAft>
-                        <a:buClrTx/>
-                        <a:buSzTx/>
-                        <a:buFontTx/>
-                        <a:buNone/>
-                        <a:tabLst/>
-                        <a:defRPr/>
-                      </a:pPr>
-                      <a:r>
-                        <a:rPr lang="en-US" sz="1100" dirty="0"/>
-                        <a:t>❌</a:t>
-                      </a:r>
-                    </a:p>
-                  </a:txBody>
-                  <a:tcPr>
-                    <a:lnL w="12700" cap="flat" cmpd="sng" algn="ctr">
-                      <a:solidFill>
-                        <a:schemeClr val="tx1"/>
-                      </a:solidFill>
-                      <a:prstDash val="solid"/>
-                      <a:round/>
-                      <a:headEnd type="none" w="med" len="med"/>
-                      <a:tailEnd type="none" w="med" len="med"/>
-                    </a:lnL>
-                    <a:lnR w="12700" cap="flat" cmpd="sng" algn="ctr">
-                      <a:solidFill>
-                        <a:schemeClr val="tx1"/>
-                      </a:solidFill>
-                      <a:prstDash val="solid"/>
-                      <a:round/>
-                      <a:headEnd type="none" w="med" len="med"/>
-                      <a:tailEnd type="none" w="med" len="med"/>
-                    </a:lnR>
-                  </a:tcPr>
-                </a:tc>
-                <a:extLst>
-                  <a:ext uri="{0D108BD9-81ED-4DB2-BD59-A6C34878D82A}">
-                    <a16:rowId xmlns:a16="http://schemas.microsoft.com/office/drawing/2014/main" val="3628604036"/>
+                    <a16:rowId xmlns:a16="http://schemas.microsoft.com/office/drawing/2014/main" val="343125192"/>
                   </a:ext>
                 </a:extLst>
               </a:tr>
@@ -14659,7 +14419,7 @@
           <p:nvPr>
             <p:extLst>
               <p:ext uri="{D42A27DB-BD31-4B8C-83A1-F6EECF244321}">
-                <p14:modId xmlns:p14="http://schemas.microsoft.com/office/powerpoint/2010/main" val="2064786134"/>
+                <p14:modId xmlns:p14="http://schemas.microsoft.com/office/powerpoint/2010/main" val="233970000"/>
               </p:ext>
             </p:extLst>
           </p:nvPr>
@@ -14808,105 +14568,6 @@
                           <a:cs typeface="Palanquin Thin"/>
                           <a:sym typeface="Palanquin Thin"/>
                         </a:rPr>
-                        <a:t>07.05 - 11</a:t>
-                      </a:r>
-                      <a:endParaRPr sz="1300" dirty="0">
-                        <a:latin typeface="Palanquin Thin"/>
-                        <a:ea typeface="Palanquin Thin"/>
-                        <a:cs typeface="Palanquin Thin"/>
-                        <a:sym typeface="Palanquin Thin"/>
-                      </a:endParaRPr>
-                    </a:p>
-                  </a:txBody>
-                  <a:tcPr marL="121900" marR="121900" marT="121900" marB="121900" anchor="ctr"/>
-                </a:tc>
-                <a:tc>
-                  <a:txBody>
-                    <a:bodyPr/>
-                    <a:lstStyle/>
-                    <a:p>
-                      <a:pPr marL="0" lvl="0" indent="0" algn="ctr" rtl="0">
-                        <a:spcBef>
-                          <a:spcPts val="0"/>
-                        </a:spcBef>
-                        <a:spcAft>
-                          <a:spcPts val="0"/>
-                        </a:spcAft>
-                        <a:buNone/>
-                      </a:pPr>
-                      <a:r>
-                        <a:rPr lang="en" sz="1300" dirty="0">
-                          <a:latin typeface="Palanquin Thin"/>
-                          <a:ea typeface="Palanquin Thin"/>
-                          <a:cs typeface="Palanquin Thin"/>
-                          <a:sym typeface="Palanquin Thin"/>
-                        </a:rPr>
-                        <a:t>14 - 18</a:t>
-                      </a:r>
-                      <a:endParaRPr sz="1300" dirty="0">
-                        <a:latin typeface="Palanquin Thin"/>
-                        <a:ea typeface="Palanquin Thin"/>
-                        <a:cs typeface="Palanquin Thin"/>
-                        <a:sym typeface="Palanquin Thin"/>
-                      </a:endParaRPr>
-                    </a:p>
-                  </a:txBody>
-                  <a:tcPr marL="121900" marR="121900" marT="121900" marB="121900" anchor="ctr"/>
-                </a:tc>
-                <a:tc>
-                  <a:txBody>
-                    <a:bodyPr/>
-                    <a:lstStyle/>
-                    <a:p>
-                      <a:pPr marL="0" lvl="0" indent="0" algn="ctr" rtl="0">
-                        <a:spcBef>
-                          <a:spcPts val="0"/>
-                        </a:spcBef>
-                        <a:spcAft>
-                          <a:spcPts val="0"/>
-                        </a:spcAft>
-                        <a:buNone/>
-                      </a:pPr>
-                      <a:r>
-                        <a:rPr lang="en" sz="1300" dirty="0">
-                          <a:latin typeface="Palanquin Thin"/>
-                          <a:ea typeface="Palanquin Thin"/>
-                          <a:cs typeface="Palanquin Thin"/>
-                          <a:sym typeface="Palanquin Thin"/>
-                        </a:rPr>
-                        <a:t>21 - 25</a:t>
-                      </a:r>
-                      <a:endParaRPr sz="1300" dirty="0">
-                        <a:latin typeface="Palanquin Thin"/>
-                        <a:ea typeface="Palanquin Thin"/>
-                        <a:cs typeface="Palanquin Thin"/>
-                        <a:sym typeface="Palanquin Thin"/>
-                      </a:endParaRPr>
-                    </a:p>
-                  </a:txBody>
-                  <a:tcPr marL="121900" marR="121900" marT="121900" marB="121900" anchor="ctr"/>
-                </a:tc>
-                <a:tc>
-                  <a:txBody>
-                    <a:bodyPr/>
-                    <a:lstStyle/>
-                    <a:p>
-                      <a:pPr marL="0" lvl="0" indent="0" algn="ctr" rtl="0">
-                        <a:spcBef>
-                          <a:spcPts val="0"/>
-                        </a:spcBef>
-                        <a:spcAft>
-                          <a:spcPts val="0"/>
-                        </a:spcAft>
-                        <a:buNone/>
-                      </a:pPr>
-                      <a:r>
-                        <a:rPr lang="en" sz="1300" dirty="0">
-                          <a:latin typeface="Palanquin Thin"/>
-                          <a:ea typeface="Palanquin Thin"/>
-                          <a:cs typeface="Palanquin Thin"/>
-                          <a:sym typeface="Palanquin Thin"/>
-                        </a:rPr>
                         <a:t>28 - 01.06</a:t>
                       </a:r>
                       <a:endParaRPr sz="1300" dirty="0">
@@ -15114,6 +14775,105 @@
                           <a:sym typeface="Palanquin Thin"/>
                         </a:rPr>
                         <a:t>09 - 13</a:t>
+                      </a:r>
+                      <a:endParaRPr sz="1300" dirty="0">
+                        <a:latin typeface="Palanquin Thin"/>
+                        <a:ea typeface="Palanquin Thin"/>
+                        <a:cs typeface="Palanquin Thin"/>
+                        <a:sym typeface="Palanquin Thin"/>
+                      </a:endParaRPr>
+                    </a:p>
+                  </a:txBody>
+                  <a:tcPr marL="121900" marR="121900" marT="121900" marB="121900" anchor="ctr"/>
+                </a:tc>
+                <a:tc>
+                  <a:txBody>
+                    <a:bodyPr/>
+                    <a:lstStyle/>
+                    <a:p>
+                      <a:pPr marL="0" lvl="0" indent="0" algn="ctr" rtl="0">
+                        <a:spcBef>
+                          <a:spcPts val="0"/>
+                        </a:spcBef>
+                        <a:spcAft>
+                          <a:spcPts val="0"/>
+                        </a:spcAft>
+                        <a:buNone/>
+                      </a:pPr>
+                      <a:r>
+                        <a:rPr lang="en" sz="1300" dirty="0">
+                          <a:latin typeface="Palanquin Thin"/>
+                          <a:ea typeface="Palanquin Thin"/>
+                          <a:cs typeface="Palanquin Thin"/>
+                          <a:sym typeface="Palanquin Thin"/>
+                        </a:rPr>
+                        <a:t>16 - 20</a:t>
+                      </a:r>
+                      <a:endParaRPr sz="1300" dirty="0">
+                        <a:latin typeface="Palanquin Thin"/>
+                        <a:ea typeface="Palanquin Thin"/>
+                        <a:cs typeface="Palanquin Thin"/>
+                        <a:sym typeface="Palanquin Thin"/>
+                      </a:endParaRPr>
+                    </a:p>
+                  </a:txBody>
+                  <a:tcPr marL="121900" marR="121900" marT="121900" marB="121900" anchor="ctr"/>
+                </a:tc>
+                <a:tc>
+                  <a:txBody>
+                    <a:bodyPr/>
+                    <a:lstStyle/>
+                    <a:p>
+                      <a:pPr marL="0" lvl="0" indent="0" algn="ctr" rtl="0">
+                        <a:spcBef>
+                          <a:spcPts val="0"/>
+                        </a:spcBef>
+                        <a:spcAft>
+                          <a:spcPts val="0"/>
+                        </a:spcAft>
+                        <a:buNone/>
+                      </a:pPr>
+                      <a:r>
+                        <a:rPr lang="en" sz="1300" dirty="0">
+                          <a:latin typeface="Palanquin Thin"/>
+                          <a:ea typeface="Palanquin Thin"/>
+                          <a:cs typeface="Palanquin Thin"/>
+                          <a:sym typeface="Palanquin Thin"/>
+                        </a:rPr>
+                        <a:t>23 - 27</a:t>
+                      </a:r>
+                      <a:endParaRPr sz="1300" dirty="0">
+                        <a:latin typeface="Palanquin Thin"/>
+                        <a:ea typeface="Palanquin Thin"/>
+                        <a:cs typeface="Palanquin Thin"/>
+                        <a:sym typeface="Palanquin Thin"/>
+                      </a:endParaRPr>
+                    </a:p>
+                  </a:txBody>
+                  <a:tcPr marL="121900" marR="121900" marT="121900" marB="121900" anchor="ctr"/>
+                </a:tc>
+                <a:tc>
+                  <a:txBody>
+                    <a:bodyPr/>
+                    <a:lstStyle/>
+                    <a:p>
+                      <a:pPr marL="0" lvl="0" indent="0" algn="ctr" rtl="0">
+                        <a:spcBef>
+                          <a:spcPts val="0"/>
+                        </a:spcBef>
+                        <a:spcAft>
+                          <a:spcPts val="0"/>
+                        </a:spcAft>
+                        <a:buNone/>
+                      </a:pPr>
+                      <a:r>
+                        <a:rPr lang="en" sz="1300" dirty="0">
+                          <a:latin typeface="Palanquin Thin"/>
+                          <a:ea typeface="Palanquin Thin"/>
+                          <a:cs typeface="Palanquin Thin"/>
+                          <a:sym typeface="Palanquin Thin"/>
+                        </a:rPr>
+                        <a:t>30 – 03.08</a:t>
                       </a:r>
                       <a:endParaRPr sz="1300" dirty="0">
                         <a:latin typeface="Palanquin Thin"/>
@@ -16832,8 +16592,8 @@
         </p:nvSpPr>
         <p:spPr>
           <a:xfrm>
-            <a:off x="1393565" y="2379033"/>
-            <a:ext cx="4224041" cy="271940"/>
+            <a:off x="1393566" y="2374815"/>
+            <a:ext cx="3119058" cy="276158"/>
           </a:xfrm>
           <a:prstGeom prst="rect">
             <a:avLst/>
@@ -16884,7 +16644,7 @@
         </p:nvSpPr>
         <p:spPr>
           <a:xfrm>
-            <a:off x="5645556" y="3014533"/>
+            <a:off x="4576779" y="3014533"/>
             <a:ext cx="2145098" cy="296000"/>
           </a:xfrm>
           <a:prstGeom prst="rect">
@@ -16936,7 +16696,7 @@
         </p:nvSpPr>
         <p:spPr>
           <a:xfrm>
-            <a:off x="8918321" y="4195623"/>
+            <a:off x="7849544" y="4195623"/>
             <a:ext cx="2144974" cy="296000"/>
           </a:xfrm>
           <a:prstGeom prst="rect">
@@ -16988,7 +16748,7 @@
         </p:nvSpPr>
         <p:spPr>
           <a:xfrm>
-            <a:off x="7856396" y="3562351"/>
+            <a:off x="6787619" y="3562351"/>
             <a:ext cx="1054525" cy="342087"/>
           </a:xfrm>
           <a:prstGeom prst="rect">
@@ -17046,7 +16806,7 @@
         </p:nvGrpSpPr>
         <p:grpSpPr>
           <a:xfrm>
-            <a:off x="4719320" y="2436360"/>
+            <a:off x="3626793" y="2436360"/>
             <a:ext cx="2078887" cy="4675482"/>
             <a:chOff x="3245526" y="2436360"/>
             <a:chExt cx="2078887" cy="4675482"/>
@@ -17199,7 +16959,7 @@
         </p:nvCxnSpPr>
         <p:spPr>
           <a:xfrm flipH="1">
-            <a:off x="1960271" y="2379033"/>
+            <a:off x="1461508" y="2343408"/>
             <a:ext cx="5365" cy="3367094"/>
           </a:xfrm>
           <a:prstGeom prst="straightConnector1">
@@ -17376,7 +17136,7 @@
         </p:nvSpPr>
         <p:spPr>
           <a:xfrm>
-            <a:off x="8944084" y="4823791"/>
+            <a:off x="7875307" y="4823791"/>
             <a:ext cx="3247916" cy="300454"/>
           </a:xfrm>
           <a:prstGeom prst="rect">
@@ -17434,7 +17194,7 @@
         </p:nvGrpSpPr>
         <p:grpSpPr>
           <a:xfrm>
-            <a:off x="6893326" y="2922737"/>
+            <a:off x="5824549" y="2922737"/>
             <a:ext cx="1445470" cy="3905099"/>
             <a:chOff x="4709518" y="2922737"/>
             <a:chExt cx="1445470" cy="3905099"/>
@@ -17581,7 +17341,7 @@
         </p:nvGrpSpPr>
         <p:grpSpPr>
           <a:xfrm>
-            <a:off x="8391326" y="3592734"/>
+            <a:off x="7322549" y="3592734"/>
             <a:ext cx="2078887" cy="3533121"/>
             <a:chOff x="6207525" y="3581976"/>
             <a:chExt cx="2078887" cy="3533121"/>
@@ -17727,7 +17487,7 @@
         </p:nvGrpSpPr>
         <p:grpSpPr>
           <a:xfrm>
-            <a:off x="10190536" y="4195623"/>
+            <a:off x="9121759" y="4195623"/>
             <a:ext cx="2078887" cy="2949341"/>
             <a:chOff x="7995973" y="4195623"/>
             <a:chExt cx="2078887" cy="2949341"/>
@@ -17873,145 +17633,6 @@
       </p:grpSp>
       <p:sp>
         <p:nvSpPr>
-          <p:cNvPr id="2" name="Lightning Bolt 1">
-            <a:extLst>
-              <a:ext uri="{FF2B5EF4-FFF2-40B4-BE49-F238E27FC236}">
-                <a16:creationId xmlns:a16="http://schemas.microsoft.com/office/drawing/2014/main" id="{364DC4FB-74E3-5345-A3B1-84DE01CE34CC}"/>
-              </a:ext>
-            </a:extLst>
-          </p:cNvPr>
-          <p:cNvSpPr/>
-          <p:nvPr/>
-        </p:nvSpPr>
-        <p:spPr>
-          <a:xfrm>
-            <a:off x="2831180" y="2080002"/>
-            <a:ext cx="204537" cy="469231"/>
-          </a:xfrm>
-          <a:prstGeom prst="lightningBolt">
-            <a:avLst/>
-          </a:prstGeom>
-          <a:solidFill>
-            <a:schemeClr val="accent4">
-              <a:lumMod val="60000"/>
-              <a:lumOff val="40000"/>
-            </a:schemeClr>
-          </a:solidFill>
-          <a:ln>
-            <a:solidFill>
-              <a:schemeClr val="accent4">
-                <a:lumMod val="40000"/>
-                <a:lumOff val="60000"/>
-              </a:schemeClr>
-            </a:solidFill>
-          </a:ln>
-        </p:spPr>
-        <p:style>
-          <a:lnRef idx="2">
-            <a:schemeClr val="accent1">
-              <a:shade val="50000"/>
-            </a:schemeClr>
-          </a:lnRef>
-          <a:fillRef idx="1">
-            <a:schemeClr val="accent1"/>
-          </a:fillRef>
-          <a:effectRef idx="0">
-            <a:schemeClr val="accent1"/>
-          </a:effectRef>
-          <a:fontRef idx="minor">
-            <a:schemeClr val="lt1"/>
-          </a:fontRef>
-        </p:style>
-        <p:txBody>
-          <a:bodyPr rtlCol="0" anchor="ctr"/>
-          <a:lstStyle/>
-          <a:p>
-            <a:pPr algn="ctr"/>
-            <a:endParaRPr lang="en-US"/>
-          </a:p>
-        </p:txBody>
-      </p:sp>
-      <p:sp>
-        <p:nvSpPr>
-          <p:cNvPr id="3" name="TextBox 2">
-            <a:extLst>
-              <a:ext uri="{FF2B5EF4-FFF2-40B4-BE49-F238E27FC236}">
-                <a16:creationId xmlns:a16="http://schemas.microsoft.com/office/drawing/2014/main" id="{433ABD54-9C49-D24B-A3B8-EDA5A755B96D}"/>
-              </a:ext>
-            </a:extLst>
-          </p:cNvPr>
-          <p:cNvSpPr txBox="1"/>
-          <p:nvPr/>
-        </p:nvSpPr>
-        <p:spPr>
-          <a:xfrm>
-            <a:off x="2366627" y="1665075"/>
-            <a:ext cx="1133644" cy="430887"/>
-          </a:xfrm>
-          <a:prstGeom prst="rect">
-            <a:avLst/>
-          </a:prstGeom>
-          <a:noFill/>
-        </p:spPr>
-        <p:txBody>
-          <a:bodyPr wrap="none" rtlCol="0">
-            <a:spAutoFit/>
-          </a:bodyPr>
-          <a:lstStyle/>
-          <a:p>
-            <a:pPr algn="ctr"/>
-            <a:r>
-              <a:rPr lang="en-US" sz="1100" dirty="0">
-                <a:solidFill>
-                  <a:srgbClr val="FFC000"/>
-                </a:solidFill>
-              </a:rPr>
-              <a:t>17</a:t>
-            </a:r>
-            <a:r>
-              <a:rPr lang="en-US" sz="1100" baseline="30000" dirty="0">
-                <a:solidFill>
-                  <a:srgbClr val="FFC000"/>
-                </a:solidFill>
-              </a:rPr>
-              <a:t>th</a:t>
-            </a:r>
-            <a:r>
-              <a:rPr lang="en-US" sz="1100" dirty="0">
-                <a:solidFill>
-                  <a:srgbClr val="FFC000"/>
-                </a:solidFill>
-              </a:rPr>
-              <a:t> May:</a:t>
-            </a:r>
-            <a:br>
-              <a:rPr lang="en-US" sz="1100" dirty="0">
-                <a:solidFill>
-                  <a:srgbClr val="FFC000"/>
-                </a:solidFill>
-              </a:rPr>
-            </a:br>
-            <a:r>
-              <a:rPr lang="en-US" sz="1100" dirty="0" err="1">
-                <a:solidFill>
-                  <a:srgbClr val="FFC000"/>
-                </a:solidFill>
-              </a:rPr>
-              <a:t>ReactNative</a:t>
-            </a:r>
-            <a:r>
-              <a:rPr lang="en-US" sz="1100" dirty="0">
-                <a:solidFill>
-                  <a:srgbClr val="FFC000"/>
-                </a:solidFill>
-              </a:rPr>
-              <a:t> SDK</a:t>
-            </a:r>
-          </a:p>
-        </p:txBody>
-      </p:sp>
-      <p:sp>
-        <p:nvSpPr>
           <p:cNvPr id="28" name="Lightning Bolt 27">
             <a:extLst>
               <a:ext uri="{FF2B5EF4-FFF2-40B4-BE49-F238E27FC236}">
@@ -18024,7 +17645,7 @@
         </p:nvSpPr>
         <p:spPr>
           <a:xfrm>
-            <a:off x="4926358" y="2633022"/>
+            <a:off x="1838780" y="2633022"/>
             <a:ext cx="204537" cy="469231"/>
           </a:xfrm>
           <a:prstGeom prst="lightningBolt">
@@ -18078,7 +17699,7 @@
         </p:nvSpPr>
         <p:spPr>
           <a:xfrm>
-            <a:off x="4593696" y="2266138"/>
+            <a:off x="1506118" y="2266138"/>
             <a:ext cx="917239" cy="430887"/>
           </a:xfrm>
           <a:prstGeom prst="rect">
@@ -18135,44 +17756,6 @@
           </a:p>
         </p:txBody>
       </p:sp>
-      <p:cxnSp>
-        <p:nvCxnSpPr>
-          <p:cNvPr id="5" name="Straight Connector 4">
-            <a:extLst>
-              <a:ext uri="{FF2B5EF4-FFF2-40B4-BE49-F238E27FC236}">
-                <a16:creationId xmlns:a16="http://schemas.microsoft.com/office/drawing/2014/main" id="{0C8CF8E4-1F5B-3D4F-89D3-52A5211F6426}"/>
-              </a:ext>
-            </a:extLst>
-          </p:cNvPr>
-          <p:cNvCxnSpPr>
-            <a:cxnSpLocks/>
-          </p:cNvCxnSpPr>
-          <p:nvPr/>
-        </p:nvCxnSpPr>
-        <p:spPr>
-          <a:xfrm flipH="1">
-            <a:off x="2949941" y="2400998"/>
-            <a:ext cx="2116" cy="3062261"/>
-          </a:xfrm>
-          <a:prstGeom prst="line">
-            <a:avLst/>
-          </a:prstGeom>
-        </p:spPr>
-        <p:style>
-          <a:lnRef idx="1">
-            <a:schemeClr val="accent4"/>
-          </a:lnRef>
-          <a:fillRef idx="0">
-            <a:schemeClr val="accent4"/>
-          </a:fillRef>
-          <a:effectRef idx="0">
-            <a:schemeClr val="accent4"/>
-          </a:effectRef>
-          <a:fontRef idx="minor">
-            <a:schemeClr val="tx1"/>
-          </a:fontRef>
-        </p:style>
-      </p:cxnSp>
       <p:cxnSp>
         <p:nvCxnSpPr>
           <p:cNvPr id="31" name="Straight Connector 30">
@@ -18189,7 +17772,7 @@
         </p:nvCxnSpPr>
         <p:spPr>
           <a:xfrm>
-            <a:off x="5043245" y="2962050"/>
+            <a:off x="1955667" y="2962050"/>
             <a:ext cx="0" cy="2467555"/>
           </a:xfrm>
           <a:prstGeom prst="line">
@@ -18213,41 +17796,6 @@
       </p:cxnSp>
       <p:sp>
         <p:nvSpPr>
-          <p:cNvPr id="8" name="TextBox 7">
-            <a:extLst>
-              <a:ext uri="{FF2B5EF4-FFF2-40B4-BE49-F238E27FC236}">
-                <a16:creationId xmlns:a16="http://schemas.microsoft.com/office/drawing/2014/main" id="{50555CD3-490A-E54D-AB7B-E665FCAA5EBD}"/>
-              </a:ext>
-            </a:extLst>
-          </p:cNvPr>
-          <p:cNvSpPr txBox="1"/>
-          <p:nvPr/>
-        </p:nvSpPr>
-        <p:spPr>
-          <a:xfrm>
-            <a:off x="2419229" y="5439689"/>
-            <a:ext cx="1129859" cy="369332"/>
-          </a:xfrm>
-          <a:prstGeom prst="rect">
-            <a:avLst/>
-          </a:prstGeom>
-          <a:noFill/>
-        </p:spPr>
-        <p:txBody>
-          <a:bodyPr wrap="square" rtlCol="0">
-            <a:spAutoFit/>
-          </a:bodyPr>
-          <a:lstStyle/>
-          <a:p>
-            <a:r>
-              <a:rPr lang="en-US" dirty="0"/>
-              <a:t>POC MJF</a:t>
-            </a:r>
-          </a:p>
-        </p:txBody>
-      </p:sp>
-      <p:sp>
-        <p:nvSpPr>
           <p:cNvPr id="35" name="TextBox 34">
             <a:extLst>
               <a:ext uri="{FF2B5EF4-FFF2-40B4-BE49-F238E27FC236}">
@@ -18260,7 +17808,7 @@
         </p:nvSpPr>
         <p:spPr>
           <a:xfrm>
-            <a:off x="4528614" y="5422989"/>
+            <a:off x="1441036" y="5422989"/>
             <a:ext cx="1183829" cy="369332"/>
           </a:xfrm>
           <a:prstGeom prst="rect">
@@ -18278,43 +17826,6 @@
               <a:rPr lang="en-US" dirty="0"/>
               <a:t>POC MSO</a:t>
             </a:r>
-          </a:p>
-        </p:txBody>
-      </p:sp>
-      <p:sp>
-        <p:nvSpPr>
-          <p:cNvPr id="40" name="Shape 119">
-            <a:extLst>
-              <a:ext uri="{FF2B5EF4-FFF2-40B4-BE49-F238E27FC236}">
-                <a16:creationId xmlns:a16="http://schemas.microsoft.com/office/drawing/2014/main" id="{D44567EA-9BFB-F245-A71B-773499D8BB29}"/>
-              </a:ext>
-            </a:extLst>
-          </p:cNvPr>
-          <p:cNvSpPr/>
-          <p:nvPr/>
-        </p:nvSpPr>
-        <p:spPr>
-          <a:xfrm rot="10800000">
-            <a:off x="2882041" y="5416179"/>
-            <a:ext cx="146800" cy="123200"/>
-          </a:xfrm>
-          <a:prstGeom prst="ellipse">
-            <a:avLst/>
-          </a:prstGeom>
-          <a:solidFill>
-            <a:schemeClr val="accent4"/>
-          </a:solidFill>
-          <a:ln>
-            <a:noFill/>
-          </a:ln>
-        </p:spPr>
-        <p:txBody>
-          <a:bodyPr spcFirstLastPara="1" wrap="square" lIns="121900" tIns="121900" rIns="121900" bIns="121900" anchor="ctr" anchorCtr="0">
-            <a:noAutofit/>
-          </a:bodyPr>
-          <a:lstStyle/>
-          <a:p>
-            <a:endParaRPr sz="2400"/>
           </a:p>
         </p:txBody>
       </p:sp>
@@ -18332,7 +17843,7 @@
         </p:nvSpPr>
         <p:spPr>
           <a:xfrm rot="10800000">
-            <a:off x="4984095" y="5397303"/>
+            <a:off x="1884636" y="5397303"/>
             <a:ext cx="146800" cy="123200"/>
           </a:xfrm>
           <a:prstGeom prst="ellipse">

--- a/Documentation Plan.pptx
+++ b/Documentation Plan.pptx
@@ -236,7 +236,7 @@
           <a:p>
             <a:fld id="{017DD847-B72F-1645-9236-9E6D0E58213E}" type="datetimeFigureOut">
               <a:rPr lang="en-US" smtClean="0"/>
-              <a:t>5/30/18</a:t>
+              <a:t>7/3/18</a:t>
             </a:fld>
             <a:endParaRPr lang="en-US"/>
           </a:p>
@@ -413,7 +413,7 @@
           <a:p>
             <a:fld id="{93E6386D-B582-6E4C-BEC9-59DA0A0EA925}" type="datetimeFigureOut">
               <a:rPr lang="en-US" smtClean="0"/>
-              <a:t>5/30/18</a:t>
+              <a:t>7/3/18</a:t>
             </a:fld>
             <a:endParaRPr lang="en-US"/>
           </a:p>
@@ -1020,7 +1020,7 @@
           <a:p>
             <a:fld id="{CD389961-EEE8-144C-9408-3DF3FBDF4FFD}" type="datetimeFigureOut">
               <a:rPr lang="en-US" smtClean="0"/>
-              <a:t>5/30/18</a:t>
+              <a:t>7/3/18</a:t>
             </a:fld>
             <a:endParaRPr lang="en-US"/>
           </a:p>
@@ -1218,7 +1218,7 @@
           <a:p>
             <a:fld id="{CD389961-EEE8-144C-9408-3DF3FBDF4FFD}" type="datetimeFigureOut">
               <a:rPr lang="en-US" smtClean="0"/>
-              <a:t>5/30/18</a:t>
+              <a:t>7/3/18</a:t>
             </a:fld>
             <a:endParaRPr lang="en-US"/>
           </a:p>
@@ -1426,7 +1426,7 @@
           <a:p>
             <a:fld id="{CD389961-EEE8-144C-9408-3DF3FBDF4FFD}" type="datetimeFigureOut">
               <a:rPr lang="en-US" smtClean="0"/>
-              <a:t>5/30/18</a:t>
+              <a:t>7/3/18</a:t>
             </a:fld>
             <a:endParaRPr lang="en-US"/>
           </a:p>
@@ -2106,7 +2106,7 @@
           <a:p>
             <a:fld id="{CD389961-EEE8-144C-9408-3DF3FBDF4FFD}" type="datetimeFigureOut">
               <a:rPr lang="en-US" smtClean="0"/>
-              <a:t>5/30/18</a:t>
+              <a:t>7/3/18</a:t>
             </a:fld>
             <a:endParaRPr lang="en-US"/>
           </a:p>
@@ -2381,7 +2381,7 @@
           <a:p>
             <a:fld id="{CD389961-EEE8-144C-9408-3DF3FBDF4FFD}" type="datetimeFigureOut">
               <a:rPr lang="en-US" smtClean="0"/>
-              <a:t>5/30/18</a:t>
+              <a:t>7/3/18</a:t>
             </a:fld>
             <a:endParaRPr lang="en-US"/>
           </a:p>
@@ -2646,7 +2646,7 @@
           <a:p>
             <a:fld id="{CD389961-EEE8-144C-9408-3DF3FBDF4FFD}" type="datetimeFigureOut">
               <a:rPr lang="en-US" smtClean="0"/>
-              <a:t>5/30/18</a:t>
+              <a:t>7/3/18</a:t>
             </a:fld>
             <a:endParaRPr lang="en-US"/>
           </a:p>
@@ -3058,7 +3058,7 @@
           <a:p>
             <a:fld id="{CD389961-EEE8-144C-9408-3DF3FBDF4FFD}" type="datetimeFigureOut">
               <a:rPr lang="en-US" smtClean="0"/>
-              <a:t>5/30/18</a:t>
+              <a:t>7/3/18</a:t>
             </a:fld>
             <a:endParaRPr lang="en-US"/>
           </a:p>
@@ -3199,7 +3199,7 @@
           <a:p>
             <a:fld id="{CD389961-EEE8-144C-9408-3DF3FBDF4FFD}" type="datetimeFigureOut">
               <a:rPr lang="en-US" smtClean="0"/>
-              <a:t>5/30/18</a:t>
+              <a:t>7/3/18</a:t>
             </a:fld>
             <a:endParaRPr lang="en-US"/>
           </a:p>
@@ -3312,7 +3312,7 @@
           <a:p>
             <a:fld id="{CD389961-EEE8-144C-9408-3DF3FBDF4FFD}" type="datetimeFigureOut">
               <a:rPr lang="en-US" smtClean="0"/>
-              <a:t>5/30/18</a:t>
+              <a:t>7/3/18</a:t>
             </a:fld>
             <a:endParaRPr lang="en-US"/>
           </a:p>
@@ -3623,7 +3623,7 @@
           <a:p>
             <a:fld id="{CD389961-EEE8-144C-9408-3DF3FBDF4FFD}" type="datetimeFigureOut">
               <a:rPr lang="en-US" smtClean="0"/>
-              <a:t>5/30/18</a:t>
+              <a:t>7/3/18</a:t>
             </a:fld>
             <a:endParaRPr lang="en-US"/>
           </a:p>
@@ -3911,7 +3911,7 @@
           <a:p>
             <a:fld id="{CD389961-EEE8-144C-9408-3DF3FBDF4FFD}" type="datetimeFigureOut">
               <a:rPr lang="en-US" smtClean="0"/>
-              <a:t>5/30/18</a:t>
+              <a:t>7/3/18</a:t>
             </a:fld>
             <a:endParaRPr lang="en-US"/>
           </a:p>
@@ -4152,7 +4152,7 @@
           <a:p>
             <a:fld id="{CD389961-EEE8-144C-9408-3DF3FBDF4FFD}" type="datetimeFigureOut">
               <a:rPr lang="en-US" smtClean="0"/>
-              <a:t>5/30/18</a:t>
+              <a:t>7/3/18</a:t>
             </a:fld>
             <a:endParaRPr lang="en-US"/>
           </a:p>
@@ -10256,21 +10256,7 @@
                 <a:latin typeface="Palanquin" panose="020B0004020203020204" pitchFamily="34" charset="77"/>
                 <a:cs typeface="Palanquin" panose="020B0004020203020204" pitchFamily="34" charset="77"/>
               </a:rPr>
-              <a:t>For iOS/Android/React</a:t>
-            </a:r>
-            <a:r>
-              <a:rPr lang="en-US">
-                <a:latin typeface="Palanquin" panose="020B0004020203020204" pitchFamily="34" charset="77"/>
-                <a:cs typeface="Palanquin" panose="020B0004020203020204" pitchFamily="34" charset="77"/>
-              </a:rPr>
-              <a:t>/Xamarin </a:t>
-            </a:r>
-            <a:r>
-              <a:rPr lang="en-US" dirty="0">
-                <a:latin typeface="Palanquin" panose="020B0004020203020204" pitchFamily="34" charset="77"/>
-                <a:cs typeface="Palanquin" panose="020B0004020203020204" pitchFamily="34" charset="77"/>
-              </a:rPr>
-              <a:t>: Configure </a:t>
+              <a:t>For iOS/Android/React/Xamarin : Configure </a:t>
             </a:r>
             <a:r>
               <a:rPr lang="en-US" dirty="0" err="1">
